--- a/Speech/Präsentation1.pptx
+++ b/Speech/Präsentation1.pptx
@@ -5,13 +5,16 @@
     <p:sldMasterId id="2147483648" r:id="rId1"/>
   </p:sldMasterIdLst>
   <p:notesMasterIdLst>
-    <p:notesMasterId r:id="rId6"/>
+    <p:notesMasterId r:id="rId9"/>
   </p:notesMasterIdLst>
   <p:sldIdLst>
     <p:sldId id="267" r:id="rId2"/>
     <p:sldId id="268" r:id="rId3"/>
     <p:sldId id="269" r:id="rId4"/>
     <p:sldId id="270" r:id="rId5"/>
+    <p:sldId id="271" r:id="rId6"/>
+    <p:sldId id="272" r:id="rId7"/>
+    <p:sldId id="273" r:id="rId8"/>
   </p:sldIdLst>
   <p:sldSz cx="9144000" cy="6858000" type="screen4x3"/>
   <p:notesSz cx="6797675" cy="9926638"/>
@@ -3703,14 +3706,13 @@
               <a:rPr lang="de-DE" dirty="0" smtClean="0"/>
               <a:t>Manuelles Erstellen von Playlisten mühsam</a:t>
             </a:r>
-            <a:endParaRPr lang="de-DE" dirty="0" smtClean="0"/>
           </a:p>
           <a:p>
             <a:pPr>
               <a:buNone/>
             </a:pPr>
             <a:r>
-              <a:rPr lang="de-DE" dirty="0" smtClean="0"/>
+              <a:rPr lang="de-DE" b="1" u="sng" dirty="0" smtClean="0"/>
               <a:t>Idee:</a:t>
             </a:r>
           </a:p>
@@ -3734,7 +3736,7 @@
               <a:buNone/>
             </a:pPr>
             <a:r>
-              <a:rPr lang="de-DE" dirty="0" smtClean="0"/>
+              <a:rPr lang="de-DE" b="1" u="sng" dirty="0" smtClean="0"/>
               <a:t>Problem:</a:t>
             </a:r>
           </a:p>
@@ -3769,7 +3771,7 @@
               <a:buNone/>
             </a:pPr>
             <a:r>
-              <a:rPr lang="de-DE" dirty="0" smtClean="0"/>
+              <a:rPr lang="de-DE" b="1" u="sng" dirty="0" smtClean="0"/>
               <a:t>Lösung:</a:t>
             </a:r>
           </a:p>
@@ -3935,6 +3937,26 @@
           </a:p>
         </p:txBody>
       </p:sp>
+      <p:graphicFrame>
+        <p:nvGraphicFramePr>
+          <p:cNvPr id="4" name="Objekt 3"/>
+          <p:cNvGraphicFramePr>
+            <a:graphicFrameLocks noChangeAspect="1"/>
+          </p:cNvGraphicFramePr>
+          <p:nvPr/>
+        </p:nvGraphicFramePr>
+        <p:xfrm>
+          <a:off x="323528" y="4581128"/>
+          <a:ext cx="8569325" cy="752475"/>
+        </p:xfrm>
+        <a:graphic>
+          <a:graphicData uri="http://schemas.openxmlformats.org/presentationml/2006/ole">
+            <p:oleObj spid="_x0000_s1026" name="Visio" r:id="rId3" imgW="8568887" imgH="752272" progId="Visio.Drawing.11">
+              <p:embed/>
+            </p:oleObj>
+          </a:graphicData>
+        </a:graphic>
+      </p:graphicFrame>
     </p:spTree>
   </p:cSld>
   <p:clrMapOvr>
@@ -3947,6 +3969,471 @@
       </p:par>
     </p:tnLst>
   </p:timing>
+</p:sld>
+</file>
+
+<file path=ppt/slides/slide5.xml><?xml version="1.0" encoding="utf-8"?>
+<p:sld xmlns:a="http://schemas.openxmlformats.org/drawingml/2006/main" xmlns:r="http://schemas.openxmlformats.org/officeDocument/2006/relationships" xmlns:p="http://schemas.openxmlformats.org/presentationml/2006/main">
+  <p:cSld>
+    <p:spTree>
+      <p:nvGrpSpPr>
+        <p:cNvPr id="1" name=""/>
+        <p:cNvGrpSpPr/>
+        <p:nvPr/>
+      </p:nvGrpSpPr>
+      <p:grpSpPr>
+        <a:xfrm>
+          <a:off x="0" y="0"/>
+          <a:ext cx="0" cy="0"/>
+          <a:chOff x="0" y="0"/>
+          <a:chExt cx="0" cy="0"/>
+        </a:xfrm>
+      </p:grpSpPr>
+      <p:sp>
+        <p:nvSpPr>
+          <p:cNvPr id="2" name="Inhaltsplatzhalter 1"/>
+          <p:cNvSpPr>
+            <a:spLocks noGrp="1"/>
+          </p:cNvSpPr>
+          <p:nvPr>
+            <p:ph idx="1"/>
+          </p:nvPr>
+        </p:nvSpPr>
+        <p:spPr/>
+        <p:txBody>
+          <a:bodyPr/>
+          <a:lstStyle/>
+          <a:p>
+            <a:r>
+              <a:rPr lang="de-DE" dirty="0" smtClean="0"/>
+              <a:t>Fensterung des Eingangssignals mit fester Breite N und Überlappung </a:t>
+            </a:r>
+            <a:r>
+              <a:rPr lang="de-DE" dirty="0" err="1" smtClean="0"/>
+              <a:t>Nhop</a:t>
+            </a:r>
+            <a:endParaRPr lang="de-DE" dirty="0" smtClean="0"/>
+          </a:p>
+          <a:p>
+            <a:r>
+              <a:rPr lang="de-DE" dirty="0" smtClean="0"/>
+              <a:t>Verwendung sog. Merkmalssätze</a:t>
+            </a:r>
+          </a:p>
+          <a:p>
+            <a:r>
+              <a:rPr lang="de-DE" dirty="0" smtClean="0"/>
+              <a:t>Fensterweise Extraktion der Merkmale nach vorgegebenen Algorithmen</a:t>
+            </a:r>
+          </a:p>
+          <a:p>
+            <a:pPr>
+              <a:buNone/>
+            </a:pPr>
+            <a:r>
+              <a:rPr lang="de-DE" b="1" u="sng" dirty="0" smtClean="0"/>
+              <a:t>Ergebnis:</a:t>
+            </a:r>
+            <a:r>
+              <a:rPr lang="de-DE" dirty="0" smtClean="0"/>
+              <a:t> Eine Merkmalsreihe pro Merkmal über alle Fenster</a:t>
+            </a:r>
+          </a:p>
+          <a:p>
+            <a:pPr>
+              <a:buNone/>
+            </a:pPr>
+            <a:endParaRPr lang="de-DE" dirty="0" smtClean="0"/>
+          </a:p>
+          <a:p>
+            <a:pPr>
+              <a:buNone/>
+            </a:pPr>
+            <a:endParaRPr lang="de-DE" dirty="0"/>
+          </a:p>
+        </p:txBody>
+      </p:sp>
+      <p:sp>
+        <p:nvSpPr>
+          <p:cNvPr id="3" name="Titel 2"/>
+          <p:cNvSpPr>
+            <a:spLocks noGrp="1"/>
+          </p:cNvSpPr>
+          <p:nvPr>
+            <p:ph type="title"/>
+          </p:nvPr>
+        </p:nvSpPr>
+        <p:spPr/>
+        <p:txBody>
+          <a:bodyPr/>
+          <a:lstStyle/>
+          <a:p>
+            <a:r>
+              <a:rPr lang="de-DE" dirty="0" smtClean="0"/>
+              <a:t>Merkmalsextraktion</a:t>
+            </a:r>
+            <a:endParaRPr lang="de-DE" dirty="0"/>
+          </a:p>
+        </p:txBody>
+      </p:sp>
+      <p:graphicFrame>
+        <p:nvGraphicFramePr>
+          <p:cNvPr id="4" name="Objekt 3"/>
+          <p:cNvGraphicFramePr>
+            <a:graphicFrameLocks noChangeAspect="1"/>
+          </p:cNvGraphicFramePr>
+          <p:nvPr/>
+        </p:nvGraphicFramePr>
+        <p:xfrm>
+          <a:off x="323528" y="3573016"/>
+          <a:ext cx="8496944" cy="2903123"/>
+        </p:xfrm>
+        <a:graphic>
+          <a:graphicData uri="http://schemas.openxmlformats.org/presentationml/2006/ole">
+            <p:oleObj spid="_x0000_s2051" name="Visio" r:id="rId3" imgW="9944134" imgH="3397385" progId="Visio.Drawing.11">
+              <p:embed/>
+            </p:oleObj>
+          </a:graphicData>
+        </a:graphic>
+      </p:graphicFrame>
+    </p:spTree>
+  </p:cSld>
+  <p:clrMapOvr>
+    <a:masterClrMapping/>
+  </p:clrMapOvr>
+</p:sld>
+</file>
+
+<file path=ppt/slides/slide6.xml><?xml version="1.0" encoding="utf-8"?>
+<p:sld xmlns:a="http://schemas.openxmlformats.org/drawingml/2006/main" xmlns:r="http://schemas.openxmlformats.org/officeDocument/2006/relationships" xmlns:p="http://schemas.openxmlformats.org/presentationml/2006/main">
+  <p:cSld>
+    <p:spTree>
+      <p:nvGrpSpPr>
+        <p:cNvPr id="1" name=""/>
+        <p:cNvGrpSpPr/>
+        <p:nvPr/>
+      </p:nvGrpSpPr>
+      <p:grpSpPr>
+        <a:xfrm>
+          <a:off x="0" y="0"/>
+          <a:ext cx="0" cy="0"/>
+          <a:chOff x="0" y="0"/>
+          <a:chExt cx="0" cy="0"/>
+        </a:xfrm>
+      </p:grpSpPr>
+      <p:sp>
+        <p:nvSpPr>
+          <p:cNvPr id="2" name="Inhaltsplatzhalter 1"/>
+          <p:cNvSpPr>
+            <a:spLocks noGrp="1"/>
+          </p:cNvSpPr>
+          <p:nvPr>
+            <p:ph idx="1"/>
+          </p:nvPr>
+        </p:nvSpPr>
+        <p:spPr/>
+        <p:txBody>
+          <a:bodyPr/>
+          <a:lstStyle/>
+          <a:p>
+            <a:pPr>
+              <a:buNone/>
+            </a:pPr>
+            <a:endParaRPr lang="de-DE" dirty="0" smtClean="0"/>
+          </a:p>
+          <a:p>
+            <a:r>
+              <a:rPr lang="de-DE" dirty="0" err="1" smtClean="0"/>
+              <a:t>Prozessierung</a:t>
+            </a:r>
+            <a:r>
+              <a:rPr lang="de-DE" dirty="0" smtClean="0"/>
+              <a:t> der extrahierten Merkmalsreihen nach </a:t>
+            </a:r>
+            <a:r>
+              <a:rPr lang="de-DE" dirty="0" err="1" smtClean="0"/>
+              <a:t>Prozessierungsverfahren</a:t>
+            </a:r>
+            <a:endParaRPr lang="de-DE" dirty="0" smtClean="0"/>
+          </a:p>
+          <a:p>
+            <a:r>
+              <a:rPr lang="de-DE" dirty="0" smtClean="0"/>
+              <a:t>Verwendete Verfahren:</a:t>
+            </a:r>
+          </a:p>
+          <a:p>
+            <a:pPr lvl="1"/>
+            <a:r>
+              <a:rPr lang="en-US" dirty="0" smtClean="0"/>
+              <a:t>Running Mean and </a:t>
+            </a:r>
+            <a:r>
+              <a:rPr lang="en-US" dirty="0" err="1" smtClean="0"/>
+              <a:t>Runnind</a:t>
+            </a:r>
+            <a:r>
+              <a:rPr lang="en-US" dirty="0" smtClean="0"/>
+              <a:t> Deviation (RMD</a:t>
+            </a:r>
+            <a:r>
+              <a:rPr lang="en-US" dirty="0" smtClean="0"/>
+              <a:t>)</a:t>
+            </a:r>
+          </a:p>
+          <a:p>
+            <a:pPr lvl="1"/>
+            <a:r>
+              <a:rPr lang="de-DE" dirty="0" smtClean="0"/>
+              <a:t>Modulation </a:t>
+            </a:r>
+            <a:r>
+              <a:rPr lang="de-DE" dirty="0" err="1" smtClean="0"/>
+              <a:t>Spectral</a:t>
+            </a:r>
+            <a:r>
+              <a:rPr lang="de-DE" dirty="0" smtClean="0"/>
+              <a:t> Analysis (MDA</a:t>
+            </a:r>
+            <a:r>
+              <a:rPr lang="de-DE" dirty="0" smtClean="0"/>
+              <a:t>)</a:t>
+            </a:r>
+          </a:p>
+          <a:p>
+            <a:pPr lvl="1"/>
+            <a:endParaRPr lang="de-DE" dirty="0" smtClean="0"/>
+          </a:p>
+          <a:p>
+            <a:pPr>
+              <a:buNone/>
+            </a:pPr>
+            <a:r>
+              <a:rPr lang="de-DE" b="1" u="sng" dirty="0" smtClean="0"/>
+              <a:t>Ergebnis:</a:t>
+            </a:r>
+          </a:p>
+          <a:p>
+            <a:pPr>
+              <a:buNone/>
+            </a:pPr>
+            <a:r>
+              <a:rPr lang="de-DE" dirty="0" smtClean="0"/>
+              <a:t>Ein Merkmalsvektor pro </a:t>
+            </a:r>
+            <a:r>
+              <a:rPr lang="de-DE" dirty="0" err="1" smtClean="0"/>
+              <a:t>Mustikstück</a:t>
+            </a:r>
+            <a:endParaRPr lang="de-DE" dirty="0" smtClean="0"/>
+          </a:p>
+          <a:p>
+            <a:endParaRPr lang="de-DE" dirty="0"/>
+          </a:p>
+        </p:txBody>
+      </p:sp>
+      <p:sp>
+        <p:nvSpPr>
+          <p:cNvPr id="3" name="Titel 2"/>
+          <p:cNvSpPr>
+            <a:spLocks noGrp="1"/>
+          </p:cNvSpPr>
+          <p:nvPr>
+            <p:ph type="title"/>
+          </p:nvPr>
+        </p:nvSpPr>
+        <p:spPr/>
+        <p:txBody>
+          <a:bodyPr/>
+          <a:lstStyle/>
+          <a:p>
+            <a:r>
+              <a:rPr lang="de-DE" dirty="0" err="1" smtClean="0"/>
+              <a:t>Prozessierung</a:t>
+            </a:r>
+            <a:endParaRPr lang="de-DE" dirty="0"/>
+          </a:p>
+        </p:txBody>
+      </p:sp>
+    </p:spTree>
+  </p:cSld>
+  <p:clrMapOvr>
+    <a:masterClrMapping/>
+  </p:clrMapOvr>
+</p:sld>
+</file>
+
+<file path=ppt/slides/slide7.xml><?xml version="1.0" encoding="utf-8"?>
+<p:sld xmlns:a="http://schemas.openxmlformats.org/drawingml/2006/main" xmlns:r="http://schemas.openxmlformats.org/officeDocument/2006/relationships" xmlns:p="http://schemas.openxmlformats.org/presentationml/2006/main">
+  <p:cSld>
+    <p:spTree>
+      <p:nvGrpSpPr>
+        <p:cNvPr id="1" name=""/>
+        <p:cNvGrpSpPr/>
+        <p:nvPr/>
+      </p:nvGrpSpPr>
+      <p:grpSpPr>
+        <a:xfrm>
+          <a:off x="0" y="0"/>
+          <a:ext cx="0" cy="0"/>
+          <a:chOff x="0" y="0"/>
+          <a:chExt cx="0" cy="0"/>
+        </a:xfrm>
+      </p:grpSpPr>
+      <p:sp>
+        <p:nvSpPr>
+          <p:cNvPr id="2" name="Inhaltsplatzhalter 1"/>
+          <p:cNvSpPr>
+            <a:spLocks noGrp="1"/>
+          </p:cNvSpPr>
+          <p:nvPr>
+            <p:ph idx="1"/>
+          </p:nvPr>
+        </p:nvSpPr>
+        <p:spPr/>
+        <p:txBody>
+          <a:bodyPr/>
+          <a:lstStyle/>
+          <a:p>
+            <a:r>
+              <a:rPr lang="de-DE" dirty="0" smtClean="0"/>
+              <a:t>Klassifikation in zwei Schritten:</a:t>
+            </a:r>
+          </a:p>
+          <a:p>
+            <a:pPr lvl="1"/>
+            <a:r>
+              <a:rPr lang="de-DE" dirty="0" smtClean="0"/>
+              <a:t>Trainingsphase</a:t>
+            </a:r>
+          </a:p>
+          <a:p>
+            <a:pPr lvl="1"/>
+            <a:r>
+              <a:rPr lang="de-DE" dirty="0" smtClean="0"/>
+              <a:t>Klassifizierungsphase</a:t>
+            </a:r>
+          </a:p>
+          <a:p>
+            <a:r>
+              <a:rPr lang="de-DE" dirty="0" smtClean="0"/>
+              <a:t>Support Vektor Maschine (SVM) als </a:t>
+            </a:r>
+            <a:r>
+              <a:rPr lang="de-DE" dirty="0" err="1" smtClean="0"/>
+              <a:t>Klassifikator</a:t>
+            </a:r>
+            <a:endParaRPr lang="de-DE" dirty="0" smtClean="0"/>
+          </a:p>
+          <a:p>
+            <a:pPr>
+              <a:buNone/>
+            </a:pPr>
+            <a:r>
+              <a:rPr lang="de-DE" b="1" u="sng" dirty="0" smtClean="0"/>
+              <a:t>Ergebnis:</a:t>
+            </a:r>
+            <a:r>
+              <a:rPr lang="de-DE" dirty="0" smtClean="0"/>
+              <a:t> </a:t>
+            </a:r>
+            <a:r>
+              <a:rPr lang="de-DE" dirty="0" smtClean="0"/>
+              <a:t>Zuordnung Musikstück        Klasse</a:t>
+            </a:r>
+            <a:endParaRPr lang="de-DE" b="1" u="sng" dirty="0" smtClean="0"/>
+          </a:p>
+          <a:p>
+            <a:pPr>
+              <a:buNone/>
+            </a:pPr>
+            <a:endParaRPr lang="de-DE" dirty="0" smtClean="0"/>
+          </a:p>
+          <a:p>
+            <a:pPr>
+              <a:buNone/>
+            </a:pPr>
+            <a:endParaRPr lang="de-DE" dirty="0"/>
+          </a:p>
+        </p:txBody>
+      </p:sp>
+      <p:sp>
+        <p:nvSpPr>
+          <p:cNvPr id="3" name="Titel 2"/>
+          <p:cNvSpPr>
+            <a:spLocks noGrp="1"/>
+          </p:cNvSpPr>
+          <p:nvPr>
+            <p:ph type="title"/>
+          </p:nvPr>
+        </p:nvSpPr>
+        <p:spPr/>
+        <p:txBody>
+          <a:bodyPr/>
+          <a:lstStyle/>
+          <a:p>
+            <a:r>
+              <a:rPr lang="de-DE" dirty="0" smtClean="0"/>
+              <a:t>Klassifikation</a:t>
+            </a:r>
+            <a:endParaRPr lang="de-DE" dirty="0"/>
+          </a:p>
+        </p:txBody>
+      </p:sp>
+      <p:graphicFrame>
+        <p:nvGraphicFramePr>
+          <p:cNvPr id="4" name="Objekt 3"/>
+          <p:cNvGraphicFramePr>
+            <a:graphicFrameLocks noChangeAspect="1"/>
+          </p:cNvGraphicFramePr>
+          <p:nvPr/>
+        </p:nvGraphicFramePr>
+        <p:xfrm>
+          <a:off x="1907704" y="3933056"/>
+          <a:ext cx="5040560" cy="2382576"/>
+        </p:xfrm>
+        <a:graphic>
+          <a:graphicData uri="http://schemas.openxmlformats.org/presentationml/2006/ole">
+            <p:oleObj spid="_x0000_s3074" name="Visio" r:id="rId3" imgW="6827880" imgH="3227962" progId="Visio.Drawing.11">
+              <p:embed/>
+            </p:oleObj>
+          </a:graphicData>
+        </a:graphic>
+      </p:graphicFrame>
+      <p:cxnSp>
+        <p:nvCxnSpPr>
+          <p:cNvPr id="6" name="Gerade Verbindung mit Pfeil 5"/>
+          <p:cNvCxnSpPr/>
+          <p:nvPr/>
+        </p:nvCxnSpPr>
+        <p:spPr bwMode="auto">
+          <a:xfrm>
+            <a:off x="3563888" y="3573016"/>
+            <a:ext cx="432048" cy="0"/>
+          </a:xfrm>
+          <a:prstGeom prst="straightConnector1">
+            <a:avLst/>
+          </a:prstGeom>
+          <a:solidFill>
+            <a:schemeClr val="accent1"/>
+          </a:solidFill>
+          <a:ln w="9525" cap="flat" cmpd="sng" algn="ctr">
+            <a:solidFill>
+              <a:schemeClr val="tx1"/>
+            </a:solidFill>
+            <a:prstDash val="solid"/>
+            <a:round/>
+            <a:headEnd type="arrow"/>
+            <a:tailEnd type="arrow"/>
+          </a:ln>
+          <a:effectLst/>
+        </p:spPr>
+      </p:cxnSp>
+    </p:spTree>
+  </p:cSld>
+  <p:clrMapOvr>
+    <a:masterClrMapping/>
+  </p:clrMapOvr>
 </p:sld>
 </file>
 

--- a/Speech/Präsentation1.pptx
+++ b/Speech/Präsentation1.pptx
@@ -5,7 +5,7 @@
     <p:sldMasterId id="2147483648" r:id="rId1"/>
   </p:sldMasterIdLst>
   <p:notesMasterIdLst>
-    <p:notesMasterId r:id="rId9"/>
+    <p:notesMasterId r:id="rId16"/>
   </p:notesMasterIdLst>
   <p:sldIdLst>
     <p:sldId id="267" r:id="rId2"/>
@@ -15,6 +15,13 @@
     <p:sldId id="271" r:id="rId6"/>
     <p:sldId id="272" r:id="rId7"/>
     <p:sldId id="273" r:id="rId8"/>
+    <p:sldId id="274" r:id="rId9"/>
+    <p:sldId id="275" r:id="rId10"/>
+    <p:sldId id="276" r:id="rId11"/>
+    <p:sldId id="277" r:id="rId12"/>
+    <p:sldId id="278" r:id="rId13"/>
+    <p:sldId id="279" r:id="rId14"/>
+    <p:sldId id="280" r:id="rId15"/>
   </p:sldIdLst>
   <p:sldSz cx="9144000" cy="6858000" type="screen4x3"/>
   <p:notesSz cx="6797675" cy="9926638"/>
@@ -144,6 +151,1836 @@
     </a:lvl9pPr>
   </p:defaultTextStyle>
 </p:presentation>
+</file>
+
+<file path=ppt/charts/chart1.xml><?xml version="1.0" encoding="utf-8"?>
+<c:chartSpace xmlns:c="http://schemas.openxmlformats.org/drawingml/2006/chart" xmlns:a="http://schemas.openxmlformats.org/drawingml/2006/main" xmlns:r="http://schemas.openxmlformats.org/officeDocument/2006/relationships">
+  <c:lang val="de-DE"/>
+  <c:chart>
+    <c:title>
+      <c:tx>
+        <c:rich>
+          <a:bodyPr/>
+          <a:lstStyle/>
+          <a:p>
+            <a:pPr>
+              <a:defRPr/>
+            </a:pPr>
+            <a:r>
+              <a:rPr lang="de-DE" dirty="0" smtClean="0"/>
+              <a:t>Laufzeit der Merkmalsextraktion</a:t>
+            </a:r>
+            <a:endParaRPr lang="de-DE" dirty="0"/>
+          </a:p>
+        </c:rich>
+      </c:tx>
+      <c:layout/>
+    </c:title>
+    <c:plotArea>
+      <c:layout/>
+      <c:barChart>
+        <c:barDir val="col"/>
+        <c:grouping val="clustered"/>
+        <c:ser>
+          <c:idx val="0"/>
+          <c:order val="0"/>
+          <c:tx>
+            <c:strRef>
+              <c:f>Tabelle1!$B$1</c:f>
+              <c:strCache>
+                <c:ptCount val="1"/>
+                <c:pt idx="0">
+                  <c:v>Referenz</c:v>
+                </c:pt>
+              </c:strCache>
+            </c:strRef>
+          </c:tx>
+          <c:dLbls>
+            <c:dLblPos val="outEnd"/>
+            <c:showVal val="1"/>
+          </c:dLbls>
+          <c:cat>
+            <c:strRef>
+              <c:f>Tabelle1!$A$2:$A$5</c:f>
+              <c:strCache>
+                <c:ptCount val="4"/>
+                <c:pt idx="0">
+                  <c:v>FSet1</c:v>
+                </c:pt>
+                <c:pt idx="1">
+                  <c:v>FSet2</c:v>
+                </c:pt>
+                <c:pt idx="2">
+                  <c:v>FSet3</c:v>
+                </c:pt>
+                <c:pt idx="3">
+                  <c:v>Fset4</c:v>
+                </c:pt>
+              </c:strCache>
+            </c:strRef>
+          </c:cat>
+          <c:val>
+            <c:numRef>
+              <c:f>Tabelle1!$B$2:$B$5</c:f>
+              <c:numCache>
+                <c:formatCode>General</c:formatCode>
+                <c:ptCount val="4"/>
+                <c:pt idx="0">
+                  <c:v>1711.7399999999998</c:v>
+                </c:pt>
+                <c:pt idx="1">
+                  <c:v>3658.0700000000006</c:v>
+                </c:pt>
+                <c:pt idx="2">
+                  <c:v>143.95999999999998</c:v>
+                </c:pt>
+                <c:pt idx="3">
+                  <c:v>1579.9100000000003</c:v>
+                </c:pt>
+              </c:numCache>
+            </c:numRef>
+          </c:val>
+        </c:ser>
+        <c:ser>
+          <c:idx val="1"/>
+          <c:order val="1"/>
+          <c:tx>
+            <c:strRef>
+              <c:f>Tabelle1!$C$1</c:f>
+              <c:strCache>
+                <c:ptCount val="1"/>
+                <c:pt idx="0">
+                  <c:v>Optimierung</c:v>
+                </c:pt>
+              </c:strCache>
+            </c:strRef>
+          </c:tx>
+          <c:dLbls>
+            <c:dLblPos val="outEnd"/>
+            <c:showVal val="1"/>
+          </c:dLbls>
+          <c:cat>
+            <c:strRef>
+              <c:f>Tabelle1!$A$2:$A$5</c:f>
+              <c:strCache>
+                <c:ptCount val="4"/>
+                <c:pt idx="0">
+                  <c:v>FSet1</c:v>
+                </c:pt>
+                <c:pt idx="1">
+                  <c:v>FSet2</c:v>
+                </c:pt>
+                <c:pt idx="2">
+                  <c:v>FSet3</c:v>
+                </c:pt>
+                <c:pt idx="3">
+                  <c:v>Fset4</c:v>
+                </c:pt>
+              </c:strCache>
+            </c:strRef>
+          </c:cat>
+          <c:val>
+            <c:numRef>
+              <c:f>Tabelle1!$C$2:$C$5</c:f>
+              <c:numCache>
+                <c:formatCode>General</c:formatCode>
+                <c:ptCount val="4"/>
+                <c:pt idx="0">
+                  <c:v>111.66999999999999</c:v>
+                </c:pt>
+                <c:pt idx="1">
+                  <c:v>524.13</c:v>
+                </c:pt>
+                <c:pt idx="2">
+                  <c:v>58.510000000000005</c:v>
+                </c:pt>
+                <c:pt idx="3">
+                  <c:v>70.08</c:v>
+                </c:pt>
+              </c:numCache>
+            </c:numRef>
+          </c:val>
+        </c:ser>
+        <c:axId val="51774208"/>
+        <c:axId val="81961728"/>
+      </c:barChart>
+      <c:catAx>
+        <c:axId val="51774208"/>
+        <c:scaling>
+          <c:orientation val="minMax"/>
+        </c:scaling>
+        <c:axPos val="b"/>
+        <c:tickLblPos val="nextTo"/>
+        <c:crossAx val="81961728"/>
+        <c:crosses val="autoZero"/>
+        <c:auto val="1"/>
+        <c:lblAlgn val="ctr"/>
+        <c:lblOffset val="100"/>
+      </c:catAx>
+      <c:valAx>
+        <c:axId val="81961728"/>
+        <c:scaling>
+          <c:logBase val="10"/>
+          <c:orientation val="minMax"/>
+        </c:scaling>
+        <c:axPos val="l"/>
+        <c:majorGridlines/>
+        <c:title>
+          <c:tx>
+            <c:rich>
+              <a:bodyPr rot="-5400000" vert="horz"/>
+              <a:lstStyle/>
+              <a:p>
+                <a:pPr>
+                  <a:defRPr/>
+                </a:pPr>
+                <a:r>
+                  <a:rPr lang="de-DE" dirty="0" smtClean="0"/>
+                  <a:t>Laufzeit in [</a:t>
+                </a:r>
+                <a:r>
+                  <a:rPr lang="de-DE" dirty="0" err="1" smtClean="0"/>
+                  <a:t>ms</a:t>
+                </a:r>
+                <a:r>
+                  <a:rPr lang="de-DE" dirty="0" smtClean="0"/>
+                  <a:t>]</a:t>
+                </a:r>
+              </a:p>
+            </c:rich>
+          </c:tx>
+          <c:layout/>
+        </c:title>
+        <c:numFmt formatCode="General" sourceLinked="1"/>
+        <c:tickLblPos val="nextTo"/>
+        <c:crossAx val="51774208"/>
+        <c:crosses val="autoZero"/>
+        <c:crossBetween val="between"/>
+      </c:valAx>
+    </c:plotArea>
+    <c:legend>
+      <c:legendPos val="r"/>
+      <c:layout/>
+    </c:legend>
+    <c:plotVisOnly val="1"/>
+  </c:chart>
+  <c:txPr>
+    <a:bodyPr/>
+    <a:lstStyle/>
+    <a:p>
+      <a:pPr>
+        <a:defRPr sz="1800"/>
+      </a:pPr>
+      <a:endParaRPr lang="de-DE"/>
+    </a:p>
+  </c:txPr>
+  <c:externalData r:id="rId1"/>
+</c:chartSpace>
+</file>
+
+<file path=ppt/charts/chart2.xml><?xml version="1.0" encoding="utf-8"?>
+<c:chartSpace xmlns:c="http://schemas.openxmlformats.org/drawingml/2006/chart" xmlns:a="http://schemas.openxmlformats.org/drawingml/2006/main" xmlns:r="http://schemas.openxmlformats.org/officeDocument/2006/relationships">
+  <c:lang val="de-DE"/>
+  <c:chart>
+    <c:title>
+      <c:tx>
+        <c:rich>
+          <a:bodyPr/>
+          <a:lstStyle/>
+          <a:p>
+            <a:pPr>
+              <a:defRPr/>
+            </a:pPr>
+            <a:r>
+              <a:rPr lang="de-DE" dirty="0" smtClean="0"/>
+              <a:t>Laufzeit</a:t>
+            </a:r>
+            <a:r>
+              <a:rPr lang="de-DE" baseline="0" dirty="0" smtClean="0"/>
+              <a:t> der Merkmalsextraktion</a:t>
+            </a:r>
+            <a:endParaRPr lang="de-DE" dirty="0"/>
+          </a:p>
+        </c:rich>
+      </c:tx>
+      <c:layout/>
+    </c:title>
+    <c:plotArea>
+      <c:layout/>
+      <c:barChart>
+        <c:barDir val="col"/>
+        <c:grouping val="clustered"/>
+        <c:ser>
+          <c:idx val="0"/>
+          <c:order val="0"/>
+          <c:tx>
+            <c:strRef>
+              <c:f>Tabelle1!$B$1</c:f>
+              <c:strCache>
+                <c:ptCount val="1"/>
+                <c:pt idx="0">
+                  <c:v>Referenz</c:v>
+                </c:pt>
+              </c:strCache>
+            </c:strRef>
+          </c:tx>
+          <c:dLbls>
+            <c:dLblPos val="outEnd"/>
+            <c:showVal val="1"/>
+          </c:dLbls>
+          <c:cat>
+            <c:strRef>
+              <c:f>Tabelle1!$A$2:$A$5</c:f>
+              <c:strCache>
+                <c:ptCount val="4"/>
+                <c:pt idx="0">
+                  <c:v>FSet1</c:v>
+                </c:pt>
+                <c:pt idx="1">
+                  <c:v>FSet2</c:v>
+                </c:pt>
+                <c:pt idx="2">
+                  <c:v>FSet3</c:v>
+                </c:pt>
+                <c:pt idx="3">
+                  <c:v>FSet4</c:v>
+                </c:pt>
+              </c:strCache>
+            </c:strRef>
+          </c:cat>
+          <c:val>
+            <c:numRef>
+              <c:f>Tabelle1!$B$2:$B$5</c:f>
+              <c:numCache>
+                <c:formatCode>General</c:formatCode>
+                <c:ptCount val="4"/>
+                <c:pt idx="0">
+                  <c:v>579.86099999999999</c:v>
+                </c:pt>
+                <c:pt idx="1">
+                  <c:v>1357.91</c:v>
+                </c:pt>
+                <c:pt idx="2">
+                  <c:v>32.57</c:v>
+                </c:pt>
+                <c:pt idx="3">
+                  <c:v>542.91199999999992</c:v>
+                </c:pt>
+              </c:numCache>
+            </c:numRef>
+          </c:val>
+        </c:ser>
+        <c:ser>
+          <c:idx val="1"/>
+          <c:order val="1"/>
+          <c:tx>
+            <c:strRef>
+              <c:f>Tabelle1!$C$1</c:f>
+              <c:strCache>
+                <c:ptCount val="1"/>
+                <c:pt idx="0">
+                  <c:v>Optimierung</c:v>
+                </c:pt>
+              </c:strCache>
+            </c:strRef>
+          </c:tx>
+          <c:dLbls>
+            <c:dLbl>
+              <c:idx val="1"/>
+              <c:layout>
+                <c:manualLayout>
+                  <c:x val="1.2077751236840129E-2"/>
+                  <c:y val="-5.4514486258915983E-3"/>
+                </c:manualLayout>
+              </c:layout>
+              <c:dLblPos val="outEnd"/>
+              <c:showVal val="1"/>
+            </c:dLbl>
+            <c:dLbl>
+              <c:idx val="3"/>
+              <c:layout>
+                <c:manualLayout>
+                  <c:x val="7.548594523025115E-3"/>
+                  <c:y val="-5.451448625891548E-3"/>
+                </c:manualLayout>
+              </c:layout>
+              <c:dLblPos val="outEnd"/>
+              <c:showVal val="1"/>
+            </c:dLbl>
+            <c:dLblPos val="outEnd"/>
+            <c:showVal val="1"/>
+          </c:dLbls>
+          <c:cat>
+            <c:strRef>
+              <c:f>Tabelle1!$A$2:$A$5</c:f>
+              <c:strCache>
+                <c:ptCount val="4"/>
+                <c:pt idx="0">
+                  <c:v>FSet1</c:v>
+                </c:pt>
+                <c:pt idx="1">
+                  <c:v>FSet2</c:v>
+                </c:pt>
+                <c:pt idx="2">
+                  <c:v>FSet3</c:v>
+                </c:pt>
+                <c:pt idx="3">
+                  <c:v>FSet4</c:v>
+                </c:pt>
+              </c:strCache>
+            </c:strRef>
+          </c:cat>
+          <c:val>
+            <c:numRef>
+              <c:f>Tabelle1!$C$2:$C$5</c:f>
+              <c:numCache>
+                <c:formatCode>General</c:formatCode>
+                <c:ptCount val="4"/>
+                <c:pt idx="0">
+                  <c:v>61.623999999999995</c:v>
+                </c:pt>
+                <c:pt idx="1">
+                  <c:v>198.40300000000002</c:v>
+                </c:pt>
+                <c:pt idx="2">
+                  <c:v>7.7910000000000004</c:v>
+                </c:pt>
+                <c:pt idx="3">
+                  <c:v>51.802</c:v>
+                </c:pt>
+              </c:numCache>
+            </c:numRef>
+          </c:val>
+        </c:ser>
+        <c:axId val="48825856"/>
+        <c:axId val="48994560"/>
+      </c:barChart>
+      <c:catAx>
+        <c:axId val="48825856"/>
+        <c:scaling>
+          <c:orientation val="minMax"/>
+        </c:scaling>
+        <c:axPos val="b"/>
+        <c:tickLblPos val="nextTo"/>
+        <c:crossAx val="48994560"/>
+        <c:crosses val="autoZero"/>
+        <c:auto val="1"/>
+        <c:lblAlgn val="ctr"/>
+        <c:lblOffset val="100"/>
+      </c:catAx>
+      <c:valAx>
+        <c:axId val="48994560"/>
+        <c:scaling>
+          <c:logBase val="10"/>
+          <c:orientation val="minMax"/>
+        </c:scaling>
+        <c:axPos val="l"/>
+        <c:majorGridlines/>
+        <c:title>
+          <c:tx>
+            <c:rich>
+              <a:bodyPr rot="-5400000" vert="horz"/>
+              <a:lstStyle/>
+              <a:p>
+                <a:pPr>
+                  <a:defRPr/>
+                </a:pPr>
+                <a:r>
+                  <a:rPr lang="de-DE" dirty="0" smtClean="0"/>
+                  <a:t>Laufzeit in [</a:t>
+                </a:r>
+                <a:r>
+                  <a:rPr lang="de-DE" dirty="0" err="1" smtClean="0"/>
+                  <a:t>ms</a:t>
+                </a:r>
+                <a:r>
+                  <a:rPr lang="de-DE" dirty="0" smtClean="0"/>
+                  <a:t>]</a:t>
+                </a:r>
+              </a:p>
+            </c:rich>
+          </c:tx>
+          <c:layout/>
+        </c:title>
+        <c:numFmt formatCode="General" sourceLinked="1"/>
+        <c:tickLblPos val="nextTo"/>
+        <c:crossAx val="48825856"/>
+        <c:crosses val="autoZero"/>
+        <c:crossBetween val="between"/>
+      </c:valAx>
+    </c:plotArea>
+    <c:legend>
+      <c:legendPos val="r"/>
+      <c:layout/>
+    </c:legend>
+    <c:plotVisOnly val="1"/>
+  </c:chart>
+  <c:txPr>
+    <a:bodyPr/>
+    <a:lstStyle/>
+    <a:p>
+      <a:pPr>
+        <a:defRPr sz="1800"/>
+      </a:pPr>
+      <a:endParaRPr lang="de-DE"/>
+    </a:p>
+  </c:txPr>
+  <c:externalData r:id="rId1"/>
+</c:chartSpace>
+</file>
+
+<file path=ppt/charts/chart3.xml><?xml version="1.0" encoding="utf-8"?>
+<c:chartSpace xmlns:c="http://schemas.openxmlformats.org/drawingml/2006/chart" xmlns:a="http://schemas.openxmlformats.org/drawingml/2006/main" xmlns:r="http://schemas.openxmlformats.org/officeDocument/2006/relationships">
+  <c:lang val="de-DE"/>
+  <c:chart>
+    <c:title>
+      <c:tx>
+        <c:rich>
+          <a:bodyPr/>
+          <a:lstStyle/>
+          <a:p>
+            <a:pPr>
+              <a:defRPr/>
+            </a:pPr>
+            <a:r>
+              <a:rPr lang="de-DE" dirty="0" smtClean="0"/>
+              <a:t>Extraktionsrate ARM</a:t>
+            </a:r>
+            <a:endParaRPr lang="de-DE" dirty="0"/>
+          </a:p>
+        </c:rich>
+      </c:tx>
+      <c:layout/>
+    </c:title>
+    <c:plotArea>
+      <c:layout/>
+      <c:barChart>
+        <c:barDir val="col"/>
+        <c:grouping val="clustered"/>
+        <c:ser>
+          <c:idx val="0"/>
+          <c:order val="0"/>
+          <c:tx>
+            <c:strRef>
+              <c:f>Tabelle1!$B$1</c:f>
+              <c:strCache>
+                <c:ptCount val="1"/>
+                <c:pt idx="0">
+                  <c:v>Referenz</c:v>
+                </c:pt>
+              </c:strCache>
+            </c:strRef>
+          </c:tx>
+          <c:dLbls>
+            <c:dLblPos val="outEnd"/>
+            <c:showVal val="1"/>
+          </c:dLbls>
+          <c:cat>
+            <c:strRef>
+              <c:f>Tabelle1!$A$2:$A$5</c:f>
+              <c:strCache>
+                <c:ptCount val="4"/>
+                <c:pt idx="0">
+                  <c:v>MCL1</c:v>
+                </c:pt>
+                <c:pt idx="1">
+                  <c:v>MCL2</c:v>
+                </c:pt>
+                <c:pt idx="2">
+                  <c:v>MCL3</c:v>
+                </c:pt>
+                <c:pt idx="3">
+                  <c:v>MCL4</c:v>
+                </c:pt>
+              </c:strCache>
+            </c:strRef>
+          </c:cat>
+          <c:val>
+            <c:numRef>
+              <c:f>Tabelle1!$B$2:$B$5</c:f>
+              <c:numCache>
+                <c:formatCode>0</c:formatCode>
+                <c:ptCount val="4"/>
+                <c:pt idx="0">
+                  <c:v>755.37172701461679</c:v>
+                </c:pt>
+                <c:pt idx="1">
+                  <c:v>706.65678896248562</c:v>
+                </c:pt>
+                <c:pt idx="2">
+                  <c:v>8981.6615726590735</c:v>
+                </c:pt>
+                <c:pt idx="3">
+                  <c:v>818.40104816097107</c:v>
+                </c:pt>
+              </c:numCache>
+            </c:numRef>
+          </c:val>
+        </c:ser>
+        <c:ser>
+          <c:idx val="1"/>
+          <c:order val="1"/>
+          <c:tx>
+            <c:strRef>
+              <c:f>Tabelle1!$C$1</c:f>
+              <c:strCache>
+                <c:ptCount val="1"/>
+                <c:pt idx="0">
+                  <c:v>Optimiert</c:v>
+                </c:pt>
+              </c:strCache>
+            </c:strRef>
+          </c:tx>
+          <c:dLbls>
+            <c:dLblPos val="outEnd"/>
+            <c:showVal val="1"/>
+          </c:dLbls>
+          <c:cat>
+            <c:strRef>
+              <c:f>Tabelle1!$A$2:$A$5</c:f>
+              <c:strCache>
+                <c:ptCount val="4"/>
+                <c:pt idx="0">
+                  <c:v>MCL1</c:v>
+                </c:pt>
+                <c:pt idx="1">
+                  <c:v>MCL2</c:v>
+                </c:pt>
+                <c:pt idx="2">
+                  <c:v>MCL3</c:v>
+                </c:pt>
+                <c:pt idx="3">
+                  <c:v>MCL4</c:v>
+                </c:pt>
+              </c:strCache>
+            </c:strRef>
+          </c:cat>
+          <c:val>
+            <c:numRef>
+              <c:f>Tabelle1!$C$2:$C$5</c:f>
+              <c:numCache>
+                <c:formatCode>0</c:formatCode>
+                <c:ptCount val="4"/>
+                <c:pt idx="0">
+                  <c:v>11578.758843019614</c:v>
+                </c:pt>
+                <c:pt idx="1">
+                  <c:v>4931.9825234197624</c:v>
+                </c:pt>
+                <c:pt idx="2">
+                  <c:v>22098.786532216713</c:v>
+                </c:pt>
+                <c:pt idx="3">
+                  <c:v>18450.342465753427</c:v>
+                </c:pt>
+              </c:numCache>
+            </c:numRef>
+          </c:val>
+        </c:ser>
+        <c:axId val="56318976"/>
+        <c:axId val="56333824"/>
+      </c:barChart>
+      <c:catAx>
+        <c:axId val="56318976"/>
+        <c:scaling>
+          <c:orientation val="minMax"/>
+        </c:scaling>
+        <c:axPos val="b"/>
+        <c:tickLblPos val="nextTo"/>
+        <c:crossAx val="56333824"/>
+        <c:crosses val="autoZero"/>
+        <c:auto val="1"/>
+        <c:lblAlgn val="ctr"/>
+        <c:lblOffset val="100"/>
+      </c:catAx>
+      <c:valAx>
+        <c:axId val="56333824"/>
+        <c:scaling>
+          <c:logBase val="10"/>
+          <c:orientation val="minMax"/>
+        </c:scaling>
+        <c:axPos val="l"/>
+        <c:majorGridlines/>
+        <c:title>
+          <c:tx>
+            <c:rich>
+              <a:bodyPr rot="-5400000" vert="horz"/>
+              <a:lstStyle/>
+              <a:p>
+                <a:pPr>
+                  <a:defRPr/>
+                </a:pPr>
+                <a:r>
+                  <a:rPr lang="de-DE" dirty="0" smtClean="0"/>
+                  <a:t>Extraktionsrate in [Fenster/s]</a:t>
+                </a:r>
+              </a:p>
+              <a:p>
+                <a:pPr>
+                  <a:defRPr/>
+                </a:pPr>
+                <a:endParaRPr lang="de-DE" dirty="0"/>
+              </a:p>
+            </c:rich>
+          </c:tx>
+          <c:layout/>
+        </c:title>
+        <c:numFmt formatCode="0" sourceLinked="1"/>
+        <c:tickLblPos val="nextTo"/>
+        <c:crossAx val="56318976"/>
+        <c:crosses val="autoZero"/>
+        <c:crossBetween val="between"/>
+      </c:valAx>
+    </c:plotArea>
+    <c:legend>
+      <c:legendPos val="r"/>
+      <c:layout/>
+    </c:legend>
+    <c:plotVisOnly val="1"/>
+  </c:chart>
+  <c:txPr>
+    <a:bodyPr/>
+    <a:lstStyle/>
+    <a:p>
+      <a:pPr>
+        <a:defRPr sz="1800"/>
+      </a:pPr>
+      <a:endParaRPr lang="de-DE"/>
+    </a:p>
+  </c:txPr>
+  <c:externalData r:id="rId1"/>
+</c:chartSpace>
+</file>
+
+<file path=ppt/charts/chart4.xml><?xml version="1.0" encoding="utf-8"?>
+<c:chartSpace xmlns:c="http://schemas.openxmlformats.org/drawingml/2006/chart" xmlns:a="http://schemas.openxmlformats.org/drawingml/2006/main" xmlns:r="http://schemas.openxmlformats.org/officeDocument/2006/relationships">
+  <c:lang val="de-DE"/>
+  <c:chart>
+    <c:title>
+      <c:tx>
+        <c:rich>
+          <a:bodyPr/>
+          <a:lstStyle/>
+          <a:p>
+            <a:pPr>
+              <a:defRPr/>
+            </a:pPr>
+            <a:r>
+              <a:rPr lang="de-DE" dirty="0" smtClean="0"/>
+              <a:t>Energie-Effizienz ARM</a:t>
+            </a:r>
+          </a:p>
+        </c:rich>
+      </c:tx>
+      <c:layout/>
+    </c:title>
+    <c:plotArea>
+      <c:layout/>
+      <c:barChart>
+        <c:barDir val="col"/>
+        <c:grouping val="clustered"/>
+        <c:ser>
+          <c:idx val="0"/>
+          <c:order val="0"/>
+          <c:tx>
+            <c:strRef>
+              <c:f>Tabelle1!$B$1</c:f>
+              <c:strCache>
+                <c:ptCount val="1"/>
+                <c:pt idx="0">
+                  <c:v>Referenz</c:v>
+                </c:pt>
+              </c:strCache>
+            </c:strRef>
+          </c:tx>
+          <c:dLbls>
+            <c:dLblPos val="outEnd"/>
+            <c:showVal val="1"/>
+          </c:dLbls>
+          <c:cat>
+            <c:strRef>
+              <c:f>Tabelle1!$A$2:$A$5</c:f>
+              <c:strCache>
+                <c:ptCount val="4"/>
+                <c:pt idx="0">
+                  <c:v>MCL1</c:v>
+                </c:pt>
+                <c:pt idx="1">
+                  <c:v>MCL2</c:v>
+                </c:pt>
+                <c:pt idx="2">
+                  <c:v>MCL3</c:v>
+                </c:pt>
+                <c:pt idx="3">
+                  <c:v>MCL4</c:v>
+                </c:pt>
+              </c:strCache>
+            </c:strRef>
+          </c:cat>
+          <c:val>
+            <c:numRef>
+              <c:f>Tabelle1!$B$2:$B$5</c:f>
+              <c:numCache>
+                <c:formatCode>0</c:formatCode>
+                <c:ptCount val="4"/>
+                <c:pt idx="0">
+                  <c:v>4469.6551894356016</c:v>
+                </c:pt>
+                <c:pt idx="1">
+                  <c:v>4181.4011181212163</c:v>
+                </c:pt>
+                <c:pt idx="2">
+                  <c:v>53145.926465438301</c:v>
+                </c:pt>
+                <c:pt idx="3">
+                  <c:v>4842.6097524317811</c:v>
+                </c:pt>
+              </c:numCache>
+            </c:numRef>
+          </c:val>
+        </c:ser>
+        <c:ser>
+          <c:idx val="1"/>
+          <c:order val="1"/>
+          <c:tx>
+            <c:strRef>
+              <c:f>Tabelle1!$C$1</c:f>
+              <c:strCache>
+                <c:ptCount val="1"/>
+                <c:pt idx="0">
+                  <c:v>Optimiert</c:v>
+                </c:pt>
+              </c:strCache>
+            </c:strRef>
+          </c:tx>
+          <c:dLbls>
+            <c:dLblPos val="outEnd"/>
+            <c:showVal val="1"/>
+          </c:dLbls>
+          <c:cat>
+            <c:strRef>
+              <c:f>Tabelle1!$A$2:$A$5</c:f>
+              <c:strCache>
+                <c:ptCount val="4"/>
+                <c:pt idx="0">
+                  <c:v>MCL1</c:v>
+                </c:pt>
+                <c:pt idx="1">
+                  <c:v>MCL2</c:v>
+                </c:pt>
+                <c:pt idx="2">
+                  <c:v>MCL3</c:v>
+                </c:pt>
+                <c:pt idx="3">
+                  <c:v>MCL4</c:v>
+                </c:pt>
+              </c:strCache>
+            </c:strRef>
+          </c:cat>
+          <c:val>
+            <c:numRef>
+              <c:f>Tabelle1!$C$2:$C$5</c:f>
+              <c:numCache>
+                <c:formatCode>0</c:formatCode>
+                <c:ptCount val="4"/>
+                <c:pt idx="0">
+                  <c:v>68513.365935027294</c:v>
+                </c:pt>
+                <c:pt idx="1">
+                  <c:v>29183.328540945338</c:v>
+                </c:pt>
+                <c:pt idx="2">
+                  <c:v>130762.05048648942</c:v>
+                </c:pt>
+                <c:pt idx="3">
+                  <c:v>109173.62405771257</c:v>
+                </c:pt>
+              </c:numCache>
+            </c:numRef>
+          </c:val>
+        </c:ser>
+        <c:axId val="71722496"/>
+        <c:axId val="71724416"/>
+      </c:barChart>
+      <c:catAx>
+        <c:axId val="71722496"/>
+        <c:scaling>
+          <c:orientation val="minMax"/>
+        </c:scaling>
+        <c:axPos val="b"/>
+        <c:tickLblPos val="nextTo"/>
+        <c:crossAx val="71724416"/>
+        <c:crosses val="autoZero"/>
+        <c:auto val="1"/>
+        <c:lblAlgn val="ctr"/>
+        <c:lblOffset val="100"/>
+      </c:catAx>
+      <c:valAx>
+        <c:axId val="71724416"/>
+        <c:scaling>
+          <c:logBase val="10"/>
+          <c:orientation val="minMax"/>
+        </c:scaling>
+        <c:axPos val="l"/>
+        <c:majorGridlines/>
+        <c:title>
+          <c:tx>
+            <c:rich>
+              <a:bodyPr rot="-5400000" vert="horz"/>
+              <a:lstStyle/>
+              <a:p>
+                <a:pPr>
+                  <a:defRPr/>
+                </a:pPr>
+                <a:r>
+                  <a:rPr lang="de-DE" dirty="0" smtClean="0"/>
+                  <a:t>Energie-Effizienz in [Fenster\J]</a:t>
+                </a:r>
+                <a:endParaRPr lang="de-DE" dirty="0"/>
+              </a:p>
+            </c:rich>
+          </c:tx>
+          <c:layout/>
+        </c:title>
+        <c:numFmt formatCode="0" sourceLinked="1"/>
+        <c:tickLblPos val="nextTo"/>
+        <c:crossAx val="71722496"/>
+        <c:crosses val="autoZero"/>
+        <c:crossBetween val="between"/>
+      </c:valAx>
+    </c:plotArea>
+    <c:legend>
+      <c:legendPos val="r"/>
+      <c:layout/>
+    </c:legend>
+    <c:plotVisOnly val="1"/>
+  </c:chart>
+  <c:txPr>
+    <a:bodyPr/>
+    <a:lstStyle/>
+    <a:p>
+      <a:pPr>
+        <a:defRPr sz="1800"/>
+      </a:pPr>
+      <a:endParaRPr lang="de-DE"/>
+    </a:p>
+  </c:txPr>
+  <c:externalData r:id="rId1"/>
+</c:chartSpace>
+</file>
+
+<file path=ppt/charts/chart5.xml><?xml version="1.0" encoding="utf-8"?>
+<c:chartSpace xmlns:c="http://schemas.openxmlformats.org/drawingml/2006/chart" xmlns:a="http://schemas.openxmlformats.org/drawingml/2006/main" xmlns:r="http://schemas.openxmlformats.org/officeDocument/2006/relationships">
+  <c:lang val="de-DE"/>
+  <c:chart>
+    <c:title>
+      <c:tx>
+        <c:rich>
+          <a:bodyPr/>
+          <a:lstStyle/>
+          <a:p>
+            <a:pPr>
+              <a:defRPr/>
+            </a:pPr>
+            <a:r>
+              <a:rPr lang="de-DE" dirty="0" smtClean="0"/>
+              <a:t>Extraktionsrate </a:t>
+            </a:r>
+            <a:r>
+              <a:rPr lang="de-DE" dirty="0" smtClean="0"/>
+              <a:t>DSP</a:t>
+            </a:r>
+            <a:endParaRPr lang="de-DE" dirty="0"/>
+          </a:p>
+        </c:rich>
+      </c:tx>
+      <c:layout/>
+    </c:title>
+    <c:plotArea>
+      <c:layout/>
+      <c:barChart>
+        <c:barDir val="col"/>
+        <c:grouping val="clustered"/>
+        <c:ser>
+          <c:idx val="0"/>
+          <c:order val="0"/>
+          <c:tx>
+            <c:strRef>
+              <c:f>Tabelle1!$B$1</c:f>
+              <c:strCache>
+                <c:ptCount val="1"/>
+                <c:pt idx="0">
+                  <c:v>Referenz</c:v>
+                </c:pt>
+              </c:strCache>
+            </c:strRef>
+          </c:tx>
+          <c:dLbls>
+            <c:dLblPos val="outEnd"/>
+            <c:showVal val="1"/>
+          </c:dLbls>
+          <c:cat>
+            <c:strRef>
+              <c:f>Tabelle1!$A$2:$A$5</c:f>
+              <c:strCache>
+                <c:ptCount val="4"/>
+                <c:pt idx="0">
+                  <c:v>MCL1</c:v>
+                </c:pt>
+                <c:pt idx="1">
+                  <c:v>MCL2</c:v>
+                </c:pt>
+                <c:pt idx="2">
+                  <c:v>MCL3</c:v>
+                </c:pt>
+                <c:pt idx="3">
+                  <c:v>MCL4</c:v>
+                </c:pt>
+              </c:strCache>
+            </c:strRef>
+          </c:cat>
+          <c:val>
+            <c:numRef>
+              <c:f>Tabelle1!$B$2:$B$5</c:f>
+              <c:numCache>
+                <c:formatCode>0</c:formatCode>
+                <c:ptCount val="4"/>
+                <c:pt idx="0">
+                  <c:v>2229.8447386528842</c:v>
+                </c:pt>
+                <c:pt idx="1">
+                  <c:v>1903.6607728052668</c:v>
+                </c:pt>
+                <c:pt idx="2">
+                  <c:v>39699.10961007062</c:v>
+                </c:pt>
+                <c:pt idx="3">
+                  <c:v>2381.601438170459</c:v>
+                </c:pt>
+              </c:numCache>
+            </c:numRef>
+          </c:val>
+        </c:ser>
+        <c:ser>
+          <c:idx val="1"/>
+          <c:order val="1"/>
+          <c:tx>
+            <c:strRef>
+              <c:f>Tabelle1!$C$1</c:f>
+              <c:strCache>
+                <c:ptCount val="1"/>
+                <c:pt idx="0">
+                  <c:v>Optimiert</c:v>
+                </c:pt>
+              </c:strCache>
+            </c:strRef>
+          </c:tx>
+          <c:dLbls>
+            <c:dLblPos val="outEnd"/>
+            <c:showVal val="1"/>
+          </c:dLbls>
+          <c:cat>
+            <c:strRef>
+              <c:f>Tabelle1!$A$2:$A$5</c:f>
+              <c:strCache>
+                <c:ptCount val="4"/>
+                <c:pt idx="0">
+                  <c:v>MCL1</c:v>
+                </c:pt>
+                <c:pt idx="1">
+                  <c:v>MCL2</c:v>
+                </c:pt>
+                <c:pt idx="2">
+                  <c:v>MCL3</c:v>
+                </c:pt>
+                <c:pt idx="3">
+                  <c:v>MCL4</c:v>
+                </c:pt>
+              </c:strCache>
+            </c:strRef>
+          </c:cat>
+          <c:val>
+            <c:numRef>
+              <c:f>Tabelle1!$C$2:$C$5</c:f>
+              <c:numCache>
+                <c:formatCode>0</c:formatCode>
+                <c:ptCount val="4"/>
+                <c:pt idx="0">
+                  <c:v>20982.084901986243</c:v>
+                </c:pt>
+                <c:pt idx="1">
+                  <c:v>13029.036859321683</c:v>
+                </c:pt>
+                <c:pt idx="2">
+                  <c:v>165960.72391220639</c:v>
+                </c:pt>
+                <c:pt idx="3">
+                  <c:v>24960.426238369175</c:v>
+                </c:pt>
+              </c:numCache>
+            </c:numRef>
+          </c:val>
+        </c:ser>
+        <c:axId val="71670016"/>
+        <c:axId val="71702016"/>
+      </c:barChart>
+      <c:catAx>
+        <c:axId val="71670016"/>
+        <c:scaling>
+          <c:orientation val="minMax"/>
+        </c:scaling>
+        <c:axPos val="b"/>
+        <c:tickLblPos val="nextTo"/>
+        <c:crossAx val="71702016"/>
+        <c:crosses val="autoZero"/>
+        <c:auto val="1"/>
+        <c:lblAlgn val="ctr"/>
+        <c:lblOffset val="100"/>
+      </c:catAx>
+      <c:valAx>
+        <c:axId val="71702016"/>
+        <c:scaling>
+          <c:logBase val="10"/>
+          <c:orientation val="minMax"/>
+        </c:scaling>
+        <c:axPos val="l"/>
+        <c:majorGridlines/>
+        <c:title>
+          <c:tx>
+            <c:rich>
+              <a:bodyPr rot="-5400000" vert="horz"/>
+              <a:lstStyle/>
+              <a:p>
+                <a:pPr>
+                  <a:defRPr/>
+                </a:pPr>
+                <a:r>
+                  <a:rPr lang="de-DE" dirty="0" smtClean="0"/>
+                  <a:t>Extraktionsrate in [Fenster/s]</a:t>
+                </a:r>
+              </a:p>
+              <a:p>
+                <a:pPr>
+                  <a:defRPr/>
+                </a:pPr>
+                <a:endParaRPr lang="de-DE" dirty="0"/>
+              </a:p>
+            </c:rich>
+          </c:tx>
+          <c:layout/>
+        </c:title>
+        <c:numFmt formatCode="0" sourceLinked="1"/>
+        <c:tickLblPos val="nextTo"/>
+        <c:crossAx val="71670016"/>
+        <c:crosses val="autoZero"/>
+        <c:crossBetween val="between"/>
+      </c:valAx>
+    </c:plotArea>
+    <c:legend>
+      <c:legendPos val="r"/>
+      <c:layout/>
+    </c:legend>
+    <c:plotVisOnly val="1"/>
+  </c:chart>
+  <c:txPr>
+    <a:bodyPr/>
+    <a:lstStyle/>
+    <a:p>
+      <a:pPr>
+        <a:defRPr sz="1800"/>
+      </a:pPr>
+      <a:endParaRPr lang="de-DE"/>
+    </a:p>
+  </c:txPr>
+  <c:externalData r:id="rId1"/>
+</c:chartSpace>
+</file>
+
+<file path=ppt/charts/chart6.xml><?xml version="1.0" encoding="utf-8"?>
+<c:chartSpace xmlns:c="http://schemas.openxmlformats.org/drawingml/2006/chart" xmlns:a="http://schemas.openxmlformats.org/drawingml/2006/main" xmlns:r="http://schemas.openxmlformats.org/officeDocument/2006/relationships">
+  <c:lang val="de-DE"/>
+  <c:chart>
+    <c:title>
+      <c:tx>
+        <c:rich>
+          <a:bodyPr/>
+          <a:lstStyle/>
+          <a:p>
+            <a:pPr>
+              <a:defRPr/>
+            </a:pPr>
+            <a:r>
+              <a:rPr lang="de-DE" dirty="0" smtClean="0"/>
+              <a:t>Energie-Effizienz </a:t>
+            </a:r>
+            <a:r>
+              <a:rPr lang="de-DE" dirty="0" smtClean="0"/>
+              <a:t>DSP</a:t>
+            </a:r>
+            <a:endParaRPr lang="de-DE" dirty="0" smtClean="0"/>
+          </a:p>
+        </c:rich>
+      </c:tx>
+      <c:layout/>
+    </c:title>
+    <c:plotArea>
+      <c:layout/>
+      <c:barChart>
+        <c:barDir val="col"/>
+        <c:grouping val="clustered"/>
+        <c:ser>
+          <c:idx val="0"/>
+          <c:order val="0"/>
+          <c:tx>
+            <c:strRef>
+              <c:f>Tabelle1!$B$1</c:f>
+              <c:strCache>
+                <c:ptCount val="1"/>
+                <c:pt idx="0">
+                  <c:v>Referenz</c:v>
+                </c:pt>
+              </c:strCache>
+            </c:strRef>
+          </c:tx>
+          <c:dLbls>
+            <c:dLblPos val="outEnd"/>
+            <c:showVal val="1"/>
+          </c:dLbls>
+          <c:cat>
+            <c:strRef>
+              <c:f>Tabelle1!$A$2:$A$5</c:f>
+              <c:strCache>
+                <c:ptCount val="4"/>
+                <c:pt idx="0">
+                  <c:v>MCL1</c:v>
+                </c:pt>
+                <c:pt idx="1">
+                  <c:v>MCL2</c:v>
+                </c:pt>
+                <c:pt idx="2">
+                  <c:v>MCL3</c:v>
+                </c:pt>
+                <c:pt idx="3">
+                  <c:v>MCL4</c:v>
+                </c:pt>
+              </c:strCache>
+            </c:strRef>
+          </c:cat>
+          <c:val>
+            <c:numRef>
+              <c:f>Tabelle1!$B$2:$B$5</c:f>
+              <c:numCache>
+                <c:formatCode>0</c:formatCode>
+                <c:ptCount val="4"/>
+                <c:pt idx="0">
+                  <c:v>11261.842114408508</c:v>
+                </c:pt>
+                <c:pt idx="1">
+                  <c:v>9614.4483475013476</c:v>
+                </c:pt>
+                <c:pt idx="2">
+                  <c:v>200500.55358621528</c:v>
+                </c:pt>
+                <c:pt idx="3">
+                  <c:v>12028.290091769995</c:v>
+                </c:pt>
+              </c:numCache>
+            </c:numRef>
+          </c:val>
+        </c:ser>
+        <c:ser>
+          <c:idx val="1"/>
+          <c:order val="1"/>
+          <c:tx>
+            <c:strRef>
+              <c:f>Tabelle1!$C$1</c:f>
+              <c:strCache>
+                <c:ptCount val="1"/>
+                <c:pt idx="0">
+                  <c:v>Optimiert</c:v>
+                </c:pt>
+              </c:strCache>
+            </c:strRef>
+          </c:tx>
+          <c:dLbls>
+            <c:dLblPos val="outEnd"/>
+            <c:showVal val="1"/>
+          </c:dLbls>
+          <c:cat>
+            <c:strRef>
+              <c:f>Tabelle1!$A$2:$A$5</c:f>
+              <c:strCache>
+                <c:ptCount val="4"/>
+                <c:pt idx="0">
+                  <c:v>MCL1</c:v>
+                </c:pt>
+                <c:pt idx="1">
+                  <c:v>MCL2</c:v>
+                </c:pt>
+                <c:pt idx="2">
+                  <c:v>MCL3</c:v>
+                </c:pt>
+                <c:pt idx="3">
+                  <c:v>MCL4</c:v>
+                </c:pt>
+              </c:strCache>
+            </c:strRef>
+          </c:cat>
+          <c:val>
+            <c:numRef>
+              <c:f>Tabelle1!$C$2:$C$5</c:f>
+              <c:numCache>
+                <c:formatCode>0</c:formatCode>
+                <c:ptCount val="4"/>
+                <c:pt idx="0">
+                  <c:v>105970.1257676073</c:v>
+                </c:pt>
+                <c:pt idx="1">
+                  <c:v>65803.216461220625</c:v>
+                </c:pt>
+                <c:pt idx="2">
+                  <c:v>838185.47430407279</c:v>
+                </c:pt>
+                <c:pt idx="3">
+                  <c:v>126062.7587796423</c:v>
+                </c:pt>
+              </c:numCache>
+            </c:numRef>
+          </c:val>
+        </c:ser>
+        <c:axId val="72307072"/>
+        <c:axId val="72308992"/>
+      </c:barChart>
+      <c:catAx>
+        <c:axId val="72307072"/>
+        <c:scaling>
+          <c:orientation val="minMax"/>
+        </c:scaling>
+        <c:axPos val="b"/>
+        <c:tickLblPos val="nextTo"/>
+        <c:crossAx val="72308992"/>
+        <c:crosses val="autoZero"/>
+        <c:auto val="1"/>
+        <c:lblAlgn val="ctr"/>
+        <c:lblOffset val="100"/>
+      </c:catAx>
+      <c:valAx>
+        <c:axId val="72308992"/>
+        <c:scaling>
+          <c:logBase val="10"/>
+          <c:orientation val="minMax"/>
+        </c:scaling>
+        <c:axPos val="l"/>
+        <c:majorGridlines/>
+        <c:title>
+          <c:tx>
+            <c:rich>
+              <a:bodyPr rot="-5400000" vert="horz"/>
+              <a:lstStyle/>
+              <a:p>
+                <a:pPr>
+                  <a:defRPr/>
+                </a:pPr>
+                <a:r>
+                  <a:rPr lang="de-DE" dirty="0" smtClean="0"/>
+                  <a:t>Energie-Effizienz in [Fenster\J]</a:t>
+                </a:r>
+                <a:endParaRPr lang="de-DE" dirty="0"/>
+              </a:p>
+            </c:rich>
+          </c:tx>
+          <c:layout/>
+        </c:title>
+        <c:numFmt formatCode="0" sourceLinked="1"/>
+        <c:tickLblPos val="nextTo"/>
+        <c:crossAx val="72307072"/>
+        <c:crosses val="autoZero"/>
+        <c:crossBetween val="between"/>
+      </c:valAx>
+    </c:plotArea>
+    <c:legend>
+      <c:legendPos val="r"/>
+      <c:layout/>
+    </c:legend>
+    <c:plotVisOnly val="1"/>
+  </c:chart>
+  <c:txPr>
+    <a:bodyPr/>
+    <a:lstStyle/>
+    <a:p>
+      <a:pPr>
+        <a:defRPr sz="1800"/>
+      </a:pPr>
+      <a:endParaRPr lang="de-DE"/>
+    </a:p>
+  </c:txPr>
+  <c:externalData r:id="rId1"/>
+</c:chartSpace>
+</file>
+
+<file path=ppt/charts/chart7.xml><?xml version="1.0" encoding="utf-8"?>
+<c:chartSpace xmlns:c="http://schemas.openxmlformats.org/drawingml/2006/chart" xmlns:a="http://schemas.openxmlformats.org/drawingml/2006/main" xmlns:r="http://schemas.openxmlformats.org/officeDocument/2006/relationships">
+  <c:lang val="de-DE"/>
+  <c:chart>
+    <c:title>
+      <c:tx>
+        <c:rich>
+          <a:bodyPr/>
+          <a:lstStyle/>
+          <a:p>
+            <a:pPr>
+              <a:defRPr/>
+            </a:pPr>
+            <a:r>
+              <a:rPr lang="de-DE" dirty="0" smtClean="0"/>
+              <a:t>Laufzeit</a:t>
+            </a:r>
+            <a:r>
+              <a:rPr lang="de-DE" baseline="0" dirty="0" smtClean="0"/>
+              <a:t> ARM vs. Heterogenes System</a:t>
+            </a:r>
+            <a:endParaRPr lang="de-DE" dirty="0"/>
+          </a:p>
+        </c:rich>
+      </c:tx>
+      <c:layout/>
+    </c:title>
+    <c:plotArea>
+      <c:layout/>
+      <c:barChart>
+        <c:barDir val="col"/>
+        <c:grouping val="clustered"/>
+        <c:ser>
+          <c:idx val="0"/>
+          <c:order val="0"/>
+          <c:tx>
+            <c:strRef>
+              <c:f>Tabelle1!$B$1</c:f>
+              <c:strCache>
+                <c:ptCount val="1"/>
+                <c:pt idx="0">
+                  <c:v>ARM</c:v>
+                </c:pt>
+              </c:strCache>
+            </c:strRef>
+          </c:tx>
+          <c:dLbls>
+            <c:dLblPos val="outEnd"/>
+            <c:showVal val="1"/>
+          </c:dLbls>
+          <c:cat>
+            <c:strRef>
+              <c:f>Tabelle1!$A$2:$A$5</c:f>
+              <c:strCache>
+                <c:ptCount val="4"/>
+                <c:pt idx="0">
+                  <c:v>MCL1</c:v>
+                </c:pt>
+                <c:pt idx="1">
+                  <c:v>MCL2</c:v>
+                </c:pt>
+                <c:pt idx="2">
+                  <c:v>MCL3</c:v>
+                </c:pt>
+                <c:pt idx="3">
+                  <c:v>MCL4</c:v>
+                </c:pt>
+              </c:strCache>
+            </c:strRef>
+          </c:cat>
+          <c:val>
+            <c:numRef>
+              <c:f>Tabelle1!$B$2:$B$5</c:f>
+              <c:numCache>
+                <c:formatCode>0</c:formatCode>
+                <c:ptCount val="4"/>
+                <c:pt idx="0">
+                  <c:v>115.52</c:v>
+                </c:pt>
+                <c:pt idx="1">
+                  <c:v>673.77</c:v>
+                </c:pt>
+                <c:pt idx="2">
+                  <c:v>69.080000000000013</c:v>
+                </c:pt>
+                <c:pt idx="3">
+                  <c:v>93.83</c:v>
+                </c:pt>
+              </c:numCache>
+            </c:numRef>
+          </c:val>
+        </c:ser>
+        <c:ser>
+          <c:idx val="1"/>
+          <c:order val="1"/>
+          <c:tx>
+            <c:strRef>
+              <c:f>Tabelle1!$C$1</c:f>
+              <c:strCache>
+                <c:ptCount val="1"/>
+                <c:pt idx="0">
+                  <c:v>heterogenes System</c:v>
+                </c:pt>
+              </c:strCache>
+            </c:strRef>
+          </c:tx>
+          <c:dLbls>
+            <c:dLblPos val="outEnd"/>
+            <c:showVal val="1"/>
+          </c:dLbls>
+          <c:cat>
+            <c:strRef>
+              <c:f>Tabelle1!$A$2:$A$5</c:f>
+              <c:strCache>
+                <c:ptCount val="4"/>
+                <c:pt idx="0">
+                  <c:v>MCL1</c:v>
+                </c:pt>
+                <c:pt idx="1">
+                  <c:v>MCL2</c:v>
+                </c:pt>
+                <c:pt idx="2">
+                  <c:v>MCL3</c:v>
+                </c:pt>
+                <c:pt idx="3">
+                  <c:v>MCL4</c:v>
+                </c:pt>
+              </c:strCache>
+            </c:strRef>
+          </c:cat>
+          <c:val>
+            <c:numRef>
+              <c:f>Tabelle1!$C$2:$C$5</c:f>
+              <c:numCache>
+                <c:formatCode>0</c:formatCode>
+                <c:ptCount val="4"/>
+                <c:pt idx="0">
+                  <c:v>69.47399999999999</c:v>
+                </c:pt>
+                <c:pt idx="1">
+                  <c:v>352.04300000000001</c:v>
+                </c:pt>
+                <c:pt idx="2">
+                  <c:v>22.361000000000001</c:v>
+                </c:pt>
+                <c:pt idx="3">
+                  <c:v>79.551999999999992</c:v>
+                </c:pt>
+              </c:numCache>
+            </c:numRef>
+          </c:val>
+        </c:ser>
+        <c:axId val="78240768"/>
+        <c:axId val="78715520"/>
+      </c:barChart>
+      <c:catAx>
+        <c:axId val="78240768"/>
+        <c:scaling>
+          <c:orientation val="minMax"/>
+        </c:scaling>
+        <c:axPos val="b"/>
+        <c:tickLblPos val="nextTo"/>
+        <c:crossAx val="78715520"/>
+        <c:crosses val="autoZero"/>
+        <c:auto val="1"/>
+        <c:lblAlgn val="ctr"/>
+        <c:lblOffset val="100"/>
+      </c:catAx>
+      <c:valAx>
+        <c:axId val="78715520"/>
+        <c:scaling>
+          <c:logBase val="10"/>
+          <c:orientation val="minMax"/>
+        </c:scaling>
+        <c:axPos val="l"/>
+        <c:majorGridlines/>
+        <c:title>
+          <c:tx>
+            <c:rich>
+              <a:bodyPr rot="-5400000" vert="horz"/>
+              <a:lstStyle/>
+              <a:p>
+                <a:pPr>
+                  <a:defRPr/>
+                </a:pPr>
+                <a:r>
+                  <a:rPr lang="de-DE" dirty="0" smtClean="0"/>
+                  <a:t>Laufzeit in [</a:t>
+                </a:r>
+                <a:r>
+                  <a:rPr lang="de-DE" dirty="0" err="1" smtClean="0"/>
+                  <a:t>ms</a:t>
+                </a:r>
+                <a:r>
+                  <a:rPr lang="de-DE" dirty="0" smtClean="0"/>
+                  <a:t>]</a:t>
+                </a:r>
+              </a:p>
+              <a:p>
+                <a:pPr>
+                  <a:defRPr/>
+                </a:pPr>
+                <a:endParaRPr lang="de-DE" dirty="0"/>
+              </a:p>
+            </c:rich>
+          </c:tx>
+          <c:layout/>
+        </c:title>
+        <c:numFmt formatCode="0" sourceLinked="1"/>
+        <c:tickLblPos val="nextTo"/>
+        <c:crossAx val="78240768"/>
+        <c:crosses val="autoZero"/>
+        <c:crossBetween val="between"/>
+      </c:valAx>
+    </c:plotArea>
+    <c:legend>
+      <c:legendPos val="r"/>
+      <c:layout/>
+    </c:legend>
+    <c:plotVisOnly val="1"/>
+  </c:chart>
+  <c:txPr>
+    <a:bodyPr/>
+    <a:lstStyle/>
+    <a:p>
+      <a:pPr>
+        <a:defRPr sz="1800"/>
+      </a:pPr>
+      <a:endParaRPr lang="de-DE"/>
+    </a:p>
+  </c:txPr>
+  <c:externalData r:id="rId1"/>
+</c:chartSpace>
+</file>
+
+<file path=ppt/charts/chart8.xml><?xml version="1.0" encoding="utf-8"?>
+<c:chartSpace xmlns:c="http://schemas.openxmlformats.org/drawingml/2006/chart" xmlns:a="http://schemas.openxmlformats.org/drawingml/2006/main" xmlns:r="http://schemas.openxmlformats.org/officeDocument/2006/relationships">
+  <c:lang val="de-DE"/>
+  <c:chart>
+    <c:title>
+      <c:tx>
+        <c:rich>
+          <a:bodyPr/>
+          <a:lstStyle/>
+          <a:p>
+            <a:pPr>
+              <a:defRPr/>
+            </a:pPr>
+            <a:r>
+              <a:rPr lang="de-DE" dirty="0" smtClean="0"/>
+              <a:t>Energie-Effizienz </a:t>
+            </a:r>
+            <a:r>
+              <a:rPr lang="de-DE" dirty="0" smtClean="0"/>
+              <a:t>ARM vs. Heterogenes System</a:t>
+            </a:r>
+            <a:endParaRPr lang="de-DE" dirty="0" smtClean="0"/>
+          </a:p>
+        </c:rich>
+      </c:tx>
+      <c:layout/>
+    </c:title>
+    <c:plotArea>
+      <c:layout/>
+      <c:barChart>
+        <c:barDir val="col"/>
+        <c:grouping val="clustered"/>
+        <c:ser>
+          <c:idx val="0"/>
+          <c:order val="0"/>
+          <c:tx>
+            <c:strRef>
+              <c:f>Tabelle1!$B$1</c:f>
+              <c:strCache>
+                <c:ptCount val="1"/>
+                <c:pt idx="0">
+                  <c:v>ARM</c:v>
+                </c:pt>
+              </c:strCache>
+            </c:strRef>
+          </c:tx>
+          <c:dLbls>
+            <c:dLblPos val="outEnd"/>
+            <c:showVal val="1"/>
+          </c:dLbls>
+          <c:cat>
+            <c:strRef>
+              <c:f>Tabelle1!$A$2:$A$5</c:f>
+              <c:strCache>
+                <c:ptCount val="4"/>
+                <c:pt idx="0">
+                  <c:v>MCL1</c:v>
+                </c:pt>
+                <c:pt idx="1">
+                  <c:v>MCL2</c:v>
+                </c:pt>
+                <c:pt idx="2">
+                  <c:v>MCL3</c:v>
+                </c:pt>
+                <c:pt idx="3">
+                  <c:v>MCL4</c:v>
+                </c:pt>
+              </c:strCache>
+            </c:strRef>
+          </c:cat>
+          <c:val>
+            <c:numRef>
+              <c:f>Tabelle1!$B$2:$B$5</c:f>
+              <c:numCache>
+                <c:formatCode>0</c:formatCode>
+                <c:ptCount val="4"/>
+                <c:pt idx="0">
+                  <c:v>51.221950859709224</c:v>
+                </c:pt>
+                <c:pt idx="1">
+                  <c:v>8.7821656697591308</c:v>
+                </c:pt>
+                <c:pt idx="2">
+                  <c:v>85.656626567944528</c:v>
+                </c:pt>
+                <c:pt idx="3">
+                  <c:v>63.062557426341357</c:v>
+                </c:pt>
+              </c:numCache>
+            </c:numRef>
+          </c:val>
+        </c:ser>
+        <c:ser>
+          <c:idx val="1"/>
+          <c:order val="1"/>
+          <c:tx>
+            <c:strRef>
+              <c:f>Tabelle1!$C$1</c:f>
+              <c:strCache>
+                <c:ptCount val="1"/>
+                <c:pt idx="0">
+                  <c:v>heterogenes System</c:v>
+                </c:pt>
+              </c:strCache>
+            </c:strRef>
+          </c:tx>
+          <c:dLbls>
+            <c:dLblPos val="outEnd"/>
+            <c:showVal val="1"/>
+          </c:dLbls>
+          <c:cat>
+            <c:strRef>
+              <c:f>Tabelle1!$A$2:$A$5</c:f>
+              <c:strCache>
+                <c:ptCount val="4"/>
+                <c:pt idx="0">
+                  <c:v>MCL1</c:v>
+                </c:pt>
+                <c:pt idx="1">
+                  <c:v>MCL2</c:v>
+                </c:pt>
+                <c:pt idx="2">
+                  <c:v>MCL3</c:v>
+                </c:pt>
+                <c:pt idx="3">
+                  <c:v>MCL4</c:v>
+                </c:pt>
+              </c:strCache>
+            </c:strRef>
+          </c:cat>
+          <c:val>
+            <c:numRef>
+              <c:f>Tabelle1!$C$2:$C$5</c:f>
+              <c:numCache>
+                <c:formatCode>0</c:formatCode>
+                <c:ptCount val="4"/>
+                <c:pt idx="0">
+                  <c:v>39.220365033350255</c:v>
+                </c:pt>
+                <c:pt idx="1">
+                  <c:v>7.7399512000720811</c:v>
+                </c:pt>
+                <c:pt idx="2">
+                  <c:v>121.85482046093536</c:v>
+                </c:pt>
+                <c:pt idx="3">
+                  <c:v>63.062557426341357</c:v>
+                </c:pt>
+              </c:numCache>
+            </c:numRef>
+          </c:val>
+        </c:ser>
+        <c:axId val="78897536"/>
+        <c:axId val="78899072"/>
+      </c:barChart>
+      <c:catAx>
+        <c:axId val="78897536"/>
+        <c:scaling>
+          <c:orientation val="minMax"/>
+        </c:scaling>
+        <c:axPos val="b"/>
+        <c:tickLblPos val="nextTo"/>
+        <c:crossAx val="78899072"/>
+        <c:crosses val="autoZero"/>
+        <c:auto val="1"/>
+        <c:lblAlgn val="ctr"/>
+        <c:lblOffset val="100"/>
+      </c:catAx>
+      <c:valAx>
+        <c:axId val="78899072"/>
+        <c:scaling>
+          <c:logBase val="10"/>
+          <c:orientation val="minMax"/>
+        </c:scaling>
+        <c:axPos val="l"/>
+        <c:majorGridlines/>
+        <c:title>
+          <c:tx>
+            <c:rich>
+              <a:bodyPr rot="-5400000" vert="horz"/>
+              <a:lstStyle/>
+              <a:p>
+                <a:pPr>
+                  <a:defRPr/>
+                </a:pPr>
+                <a:r>
+                  <a:rPr lang="de-DE" dirty="0" smtClean="0"/>
+                  <a:t>Energie-Effizienz in </a:t>
+                </a:r>
+                <a:r>
+                  <a:rPr lang="de-DE" dirty="0" smtClean="0"/>
+                  <a:t>[Klassifikationen\J</a:t>
+                </a:r>
+                <a:r>
+                  <a:rPr lang="de-DE" dirty="0" smtClean="0"/>
+                  <a:t>]</a:t>
+                </a:r>
+                <a:endParaRPr lang="de-DE" dirty="0"/>
+              </a:p>
+            </c:rich>
+          </c:tx>
+          <c:layout/>
+        </c:title>
+        <c:numFmt formatCode="0" sourceLinked="1"/>
+        <c:tickLblPos val="nextTo"/>
+        <c:crossAx val="78897536"/>
+        <c:crosses val="autoZero"/>
+        <c:crossBetween val="between"/>
+      </c:valAx>
+    </c:plotArea>
+    <c:legend>
+      <c:legendPos val="r"/>
+      <c:layout/>
+    </c:legend>
+    <c:plotVisOnly val="1"/>
+  </c:chart>
+  <c:txPr>
+    <a:bodyPr/>
+    <a:lstStyle/>
+    <a:p>
+      <a:pPr>
+        <a:defRPr sz="1800"/>
+      </a:pPr>
+      <a:endParaRPr lang="de-DE"/>
+    </a:p>
+  </c:txPr>
+  <c:externalData r:id="rId1"/>
+</c:chartSpace>
 </file>
 
 <file path=ppt/notesMasters/notesMaster1.xml><?xml version="1.0" encoding="utf-8"?>
@@ -3546,6 +5383,448 @@
 </p:sld>
 </file>
 
+<file path=ppt/slides/slide10.xml><?xml version="1.0" encoding="utf-8"?>
+<p:sld xmlns:a="http://schemas.openxmlformats.org/drawingml/2006/main" xmlns:r="http://schemas.openxmlformats.org/officeDocument/2006/relationships" xmlns:p="http://schemas.openxmlformats.org/presentationml/2006/main">
+  <p:cSld>
+    <p:spTree>
+      <p:nvGrpSpPr>
+        <p:cNvPr id="1" name=""/>
+        <p:cNvGrpSpPr/>
+        <p:nvPr/>
+      </p:nvGrpSpPr>
+      <p:grpSpPr>
+        <a:xfrm>
+          <a:off x="0" y="0"/>
+          <a:ext cx="0" cy="0"/>
+          <a:chOff x="0" y="0"/>
+          <a:chExt cx="0" cy="0"/>
+        </a:xfrm>
+      </p:grpSpPr>
+      <p:graphicFrame>
+        <p:nvGraphicFramePr>
+          <p:cNvPr id="4" name="Inhaltsplatzhalter 3"/>
+          <p:cNvGraphicFramePr>
+            <a:graphicFrameLocks noGrp="1"/>
+          </p:cNvGraphicFramePr>
+          <p:nvPr>
+            <p:ph idx="1"/>
+          </p:nvPr>
+        </p:nvGraphicFramePr>
+        <p:xfrm>
+          <a:off x="503238" y="1665288"/>
+          <a:ext cx="8412162" cy="4659312"/>
+        </p:xfrm>
+        <a:graphic>
+          <a:graphicData uri="http://schemas.openxmlformats.org/drawingml/2006/chart">
+            <c:chart xmlns:c="http://schemas.openxmlformats.org/drawingml/2006/chart" xmlns:r="http://schemas.openxmlformats.org/officeDocument/2006/relationships" r:id="rId2"/>
+          </a:graphicData>
+        </a:graphic>
+      </p:graphicFrame>
+      <p:sp>
+        <p:nvSpPr>
+          <p:cNvPr id="3" name="Titel 2"/>
+          <p:cNvSpPr>
+            <a:spLocks noGrp="1"/>
+          </p:cNvSpPr>
+          <p:nvPr>
+            <p:ph type="title"/>
+          </p:nvPr>
+        </p:nvSpPr>
+        <p:spPr/>
+        <p:txBody>
+          <a:bodyPr/>
+          <a:lstStyle/>
+          <a:p>
+            <a:r>
+              <a:rPr lang="de-DE" dirty="0" smtClean="0"/>
+              <a:t>Optimierung DSP</a:t>
+            </a:r>
+            <a:endParaRPr lang="de-DE" dirty="0"/>
+          </a:p>
+        </p:txBody>
+      </p:sp>
+    </p:spTree>
+  </p:cSld>
+  <p:clrMapOvr>
+    <a:masterClrMapping/>
+  </p:clrMapOvr>
+</p:sld>
+</file>
+
+<file path=ppt/slides/slide11.xml><?xml version="1.0" encoding="utf-8"?>
+<p:sld xmlns:a="http://schemas.openxmlformats.org/drawingml/2006/main" xmlns:r="http://schemas.openxmlformats.org/officeDocument/2006/relationships" xmlns:p="http://schemas.openxmlformats.org/presentationml/2006/main">
+  <p:cSld>
+    <p:spTree>
+      <p:nvGrpSpPr>
+        <p:cNvPr id="1" name=""/>
+        <p:cNvGrpSpPr/>
+        <p:nvPr/>
+      </p:nvGrpSpPr>
+      <p:grpSpPr>
+        <a:xfrm>
+          <a:off x="0" y="0"/>
+          <a:ext cx="0" cy="0"/>
+          <a:chOff x="0" y="0"/>
+          <a:chExt cx="0" cy="0"/>
+        </a:xfrm>
+      </p:grpSpPr>
+      <p:sp>
+        <p:nvSpPr>
+          <p:cNvPr id="3" name="Titel 2"/>
+          <p:cNvSpPr>
+            <a:spLocks noGrp="1"/>
+          </p:cNvSpPr>
+          <p:nvPr>
+            <p:ph type="title"/>
+          </p:nvPr>
+        </p:nvSpPr>
+        <p:spPr/>
+        <p:txBody>
+          <a:bodyPr/>
+          <a:lstStyle/>
+          <a:p>
+            <a:r>
+              <a:rPr lang="de-DE" dirty="0" smtClean="0"/>
+              <a:t>Evaluation ARM</a:t>
+            </a:r>
+            <a:endParaRPr lang="de-DE" dirty="0"/>
+          </a:p>
+        </p:txBody>
+      </p:sp>
+      <p:graphicFrame>
+        <p:nvGraphicFramePr>
+          <p:cNvPr id="6" name="Inhaltsplatzhalter 5"/>
+          <p:cNvGraphicFramePr>
+            <a:graphicFrameLocks noGrp="1"/>
+          </p:cNvGraphicFramePr>
+          <p:nvPr>
+            <p:ph idx="1"/>
+          </p:nvPr>
+        </p:nvGraphicFramePr>
+        <p:xfrm>
+          <a:off x="503238" y="1665288"/>
+          <a:ext cx="8412162" cy="2411784"/>
+        </p:xfrm>
+        <a:graphic>
+          <a:graphicData uri="http://schemas.openxmlformats.org/drawingml/2006/chart">
+            <c:chart xmlns:c="http://schemas.openxmlformats.org/drawingml/2006/chart" xmlns:r="http://schemas.openxmlformats.org/officeDocument/2006/relationships" r:id="rId2"/>
+          </a:graphicData>
+        </a:graphic>
+      </p:graphicFrame>
+      <p:graphicFrame>
+        <p:nvGraphicFramePr>
+          <p:cNvPr id="7" name="Diagramm 6"/>
+          <p:cNvGraphicFramePr/>
+          <p:nvPr/>
+        </p:nvGraphicFramePr>
+        <p:xfrm>
+          <a:off x="467544" y="3933056"/>
+          <a:ext cx="8352928" cy="2376264"/>
+        </p:xfrm>
+        <a:graphic>
+          <a:graphicData uri="http://schemas.openxmlformats.org/drawingml/2006/chart">
+            <c:chart xmlns:c="http://schemas.openxmlformats.org/drawingml/2006/chart" xmlns:r="http://schemas.openxmlformats.org/officeDocument/2006/relationships" r:id="rId3"/>
+          </a:graphicData>
+        </a:graphic>
+      </p:graphicFrame>
+    </p:spTree>
+  </p:cSld>
+  <p:clrMapOvr>
+    <a:masterClrMapping/>
+  </p:clrMapOvr>
+</p:sld>
+</file>
+
+<file path=ppt/slides/slide12.xml><?xml version="1.0" encoding="utf-8"?>
+<p:sld xmlns:a="http://schemas.openxmlformats.org/drawingml/2006/main" xmlns:r="http://schemas.openxmlformats.org/officeDocument/2006/relationships" xmlns:p="http://schemas.openxmlformats.org/presentationml/2006/main">
+  <p:cSld>
+    <p:spTree>
+      <p:nvGrpSpPr>
+        <p:cNvPr id="1" name=""/>
+        <p:cNvGrpSpPr/>
+        <p:nvPr/>
+      </p:nvGrpSpPr>
+      <p:grpSpPr>
+        <a:xfrm>
+          <a:off x="0" y="0"/>
+          <a:ext cx="0" cy="0"/>
+          <a:chOff x="0" y="0"/>
+          <a:chExt cx="0" cy="0"/>
+        </a:xfrm>
+      </p:grpSpPr>
+      <p:sp>
+        <p:nvSpPr>
+          <p:cNvPr id="3" name="Titel 2"/>
+          <p:cNvSpPr>
+            <a:spLocks noGrp="1"/>
+          </p:cNvSpPr>
+          <p:nvPr>
+            <p:ph type="title"/>
+          </p:nvPr>
+        </p:nvSpPr>
+        <p:spPr/>
+        <p:txBody>
+          <a:bodyPr/>
+          <a:lstStyle/>
+          <a:p>
+            <a:r>
+              <a:rPr lang="de-DE" dirty="0" smtClean="0"/>
+              <a:t>Evaluation DSP</a:t>
+            </a:r>
+            <a:endParaRPr lang="de-DE" dirty="0"/>
+          </a:p>
+        </p:txBody>
+      </p:sp>
+      <p:graphicFrame>
+        <p:nvGraphicFramePr>
+          <p:cNvPr id="6" name="Inhaltsplatzhalter 5"/>
+          <p:cNvGraphicFramePr>
+            <a:graphicFrameLocks noGrp="1"/>
+          </p:cNvGraphicFramePr>
+          <p:nvPr>
+            <p:ph idx="1"/>
+          </p:nvPr>
+        </p:nvGraphicFramePr>
+        <p:xfrm>
+          <a:off x="503238" y="1665288"/>
+          <a:ext cx="8412162" cy="2411784"/>
+        </p:xfrm>
+        <a:graphic>
+          <a:graphicData uri="http://schemas.openxmlformats.org/drawingml/2006/chart">
+            <c:chart xmlns:c="http://schemas.openxmlformats.org/drawingml/2006/chart" xmlns:r="http://schemas.openxmlformats.org/officeDocument/2006/relationships" r:id="rId2"/>
+          </a:graphicData>
+        </a:graphic>
+      </p:graphicFrame>
+      <p:graphicFrame>
+        <p:nvGraphicFramePr>
+          <p:cNvPr id="7" name="Diagramm 6"/>
+          <p:cNvGraphicFramePr/>
+          <p:nvPr/>
+        </p:nvGraphicFramePr>
+        <p:xfrm>
+          <a:off x="467544" y="3933056"/>
+          <a:ext cx="8352928" cy="2376264"/>
+        </p:xfrm>
+        <a:graphic>
+          <a:graphicData uri="http://schemas.openxmlformats.org/drawingml/2006/chart">
+            <c:chart xmlns:c="http://schemas.openxmlformats.org/drawingml/2006/chart" xmlns:r="http://schemas.openxmlformats.org/officeDocument/2006/relationships" r:id="rId3"/>
+          </a:graphicData>
+        </a:graphic>
+      </p:graphicFrame>
+    </p:spTree>
+  </p:cSld>
+  <p:clrMapOvr>
+    <a:masterClrMapping/>
+  </p:clrMapOvr>
+</p:sld>
+</file>
+
+<file path=ppt/slides/slide13.xml><?xml version="1.0" encoding="utf-8"?>
+<p:sld xmlns:a="http://schemas.openxmlformats.org/drawingml/2006/main" xmlns:r="http://schemas.openxmlformats.org/officeDocument/2006/relationships" xmlns:p="http://schemas.openxmlformats.org/presentationml/2006/main">
+  <p:cSld>
+    <p:spTree>
+      <p:nvGrpSpPr>
+        <p:cNvPr id="1" name=""/>
+        <p:cNvGrpSpPr/>
+        <p:nvPr/>
+      </p:nvGrpSpPr>
+      <p:grpSpPr>
+        <a:xfrm>
+          <a:off x="0" y="0"/>
+          <a:ext cx="0" cy="0"/>
+          <a:chOff x="0" y="0"/>
+          <a:chExt cx="0" cy="0"/>
+        </a:xfrm>
+      </p:grpSpPr>
+      <p:sp>
+        <p:nvSpPr>
+          <p:cNvPr id="3" name="Titel 2"/>
+          <p:cNvSpPr>
+            <a:spLocks noGrp="1"/>
+          </p:cNvSpPr>
+          <p:nvPr>
+            <p:ph type="title"/>
+          </p:nvPr>
+        </p:nvSpPr>
+        <p:spPr/>
+        <p:txBody>
+          <a:bodyPr/>
+          <a:lstStyle/>
+          <a:p>
+            <a:r>
+              <a:rPr lang="de-DE" dirty="0" smtClean="0"/>
+              <a:t>Evaluation heterogenes System</a:t>
+            </a:r>
+            <a:endParaRPr lang="de-DE" dirty="0"/>
+          </a:p>
+        </p:txBody>
+      </p:sp>
+      <p:graphicFrame>
+        <p:nvGraphicFramePr>
+          <p:cNvPr id="6" name="Inhaltsplatzhalter 5"/>
+          <p:cNvGraphicFramePr>
+            <a:graphicFrameLocks noGrp="1"/>
+          </p:cNvGraphicFramePr>
+          <p:nvPr>
+            <p:ph idx="1"/>
+          </p:nvPr>
+        </p:nvGraphicFramePr>
+        <p:xfrm>
+          <a:off x="503238" y="1665288"/>
+          <a:ext cx="8412162" cy="2411784"/>
+        </p:xfrm>
+        <a:graphic>
+          <a:graphicData uri="http://schemas.openxmlformats.org/drawingml/2006/chart">
+            <c:chart xmlns:c="http://schemas.openxmlformats.org/drawingml/2006/chart" xmlns:r="http://schemas.openxmlformats.org/officeDocument/2006/relationships" r:id="rId2"/>
+          </a:graphicData>
+        </a:graphic>
+      </p:graphicFrame>
+      <p:graphicFrame>
+        <p:nvGraphicFramePr>
+          <p:cNvPr id="7" name="Diagramm 6"/>
+          <p:cNvGraphicFramePr/>
+          <p:nvPr/>
+        </p:nvGraphicFramePr>
+        <p:xfrm>
+          <a:off x="467544" y="3933056"/>
+          <a:ext cx="8352928" cy="2376264"/>
+        </p:xfrm>
+        <a:graphic>
+          <a:graphicData uri="http://schemas.openxmlformats.org/drawingml/2006/chart">
+            <c:chart xmlns:c="http://schemas.openxmlformats.org/drawingml/2006/chart" xmlns:r="http://schemas.openxmlformats.org/officeDocument/2006/relationships" r:id="rId3"/>
+          </a:graphicData>
+        </a:graphic>
+      </p:graphicFrame>
+    </p:spTree>
+  </p:cSld>
+  <p:clrMapOvr>
+    <a:masterClrMapping/>
+  </p:clrMapOvr>
+</p:sld>
+</file>
+
+<file path=ppt/slides/slide14.xml><?xml version="1.0" encoding="utf-8"?>
+<p:sld xmlns:a="http://schemas.openxmlformats.org/drawingml/2006/main" xmlns:r="http://schemas.openxmlformats.org/officeDocument/2006/relationships" xmlns:p="http://schemas.openxmlformats.org/presentationml/2006/main">
+  <p:cSld>
+    <p:spTree>
+      <p:nvGrpSpPr>
+        <p:cNvPr id="1" name=""/>
+        <p:cNvGrpSpPr/>
+        <p:nvPr/>
+      </p:nvGrpSpPr>
+      <p:grpSpPr>
+        <a:xfrm>
+          <a:off x="0" y="0"/>
+          <a:ext cx="0" cy="0"/>
+          <a:chOff x="0" y="0"/>
+          <a:chExt cx="0" cy="0"/>
+        </a:xfrm>
+      </p:grpSpPr>
+      <p:sp>
+        <p:nvSpPr>
+          <p:cNvPr id="2" name="Inhaltsplatzhalter 1"/>
+          <p:cNvSpPr>
+            <a:spLocks noGrp="1"/>
+          </p:cNvSpPr>
+          <p:nvPr>
+            <p:ph idx="1"/>
+          </p:nvPr>
+        </p:nvSpPr>
+        <p:spPr/>
+        <p:txBody>
+          <a:bodyPr/>
+          <a:lstStyle/>
+          <a:p>
+            <a:pPr>
+              <a:buNone/>
+            </a:pPr>
+            <a:r>
+              <a:rPr lang="de-DE" dirty="0" smtClean="0"/>
+              <a:t>ARM vs. DSP:</a:t>
+            </a:r>
+          </a:p>
+          <a:p>
+            <a:r>
+              <a:rPr lang="de-DE" dirty="0" smtClean="0"/>
+              <a:t>Merkmalsextraktion auf dem DSP schneller als auf ARM</a:t>
+            </a:r>
+          </a:p>
+          <a:p>
+            <a:r>
+              <a:rPr lang="de-DE" dirty="0" smtClean="0"/>
+              <a:t>Merkmalsextraktion auf DSP ist Energie-effizienter</a:t>
+            </a:r>
+          </a:p>
+          <a:p>
+            <a:endParaRPr lang="de-DE" dirty="0" smtClean="0"/>
+          </a:p>
+          <a:p>
+            <a:pPr>
+              <a:buNone/>
+            </a:pPr>
+            <a:r>
+              <a:rPr lang="de-DE" dirty="0" smtClean="0"/>
+              <a:t>ARM vs. Heterogenes System:</a:t>
+            </a:r>
+          </a:p>
+          <a:p>
+            <a:r>
+              <a:rPr lang="de-DE" dirty="0" smtClean="0"/>
+              <a:t>Kein generell bessere Architektur</a:t>
+            </a:r>
+          </a:p>
+          <a:p>
+            <a:r>
+              <a:rPr lang="de-DE" dirty="0" smtClean="0"/>
+              <a:t>Heterogenes System besitzt bessere Laufzeit</a:t>
+            </a:r>
+          </a:p>
+          <a:p>
+            <a:r>
+              <a:rPr lang="de-DE" dirty="0" smtClean="0"/>
+              <a:t>ARM ist Energie-effizienter</a:t>
+            </a:r>
+          </a:p>
+          <a:p>
+            <a:r>
+              <a:rPr lang="de-DE" dirty="0" smtClean="0"/>
+              <a:t>Architektur muss hinsichtlich des Ziels gewählt werden</a:t>
+            </a:r>
+            <a:endParaRPr lang="de-DE" dirty="0"/>
+          </a:p>
+        </p:txBody>
+      </p:sp>
+      <p:sp>
+        <p:nvSpPr>
+          <p:cNvPr id="3" name="Titel 2"/>
+          <p:cNvSpPr>
+            <a:spLocks noGrp="1"/>
+          </p:cNvSpPr>
+          <p:nvPr>
+            <p:ph type="title"/>
+          </p:nvPr>
+        </p:nvSpPr>
+        <p:spPr/>
+        <p:txBody>
+          <a:bodyPr/>
+          <a:lstStyle/>
+          <a:p>
+            <a:r>
+              <a:rPr lang="de-DE" dirty="0" smtClean="0"/>
+              <a:t>Zusammenfassung</a:t>
+            </a:r>
+            <a:endParaRPr lang="de-DE" dirty="0"/>
+          </a:p>
+        </p:txBody>
+      </p:sp>
+    </p:spTree>
+  </p:cSld>
+  <p:clrMapOvr>
+    <a:masterClrMapping/>
+  </p:clrMapOvr>
+</p:sld>
+</file>
+
 <file path=ppt/slides/slide2.xml><?xml version="1.0" encoding="utf-8"?>
 <p:sld xmlns:a="http://schemas.openxmlformats.org/drawingml/2006/main" xmlns:r="http://schemas.openxmlformats.org/officeDocument/2006/relationships" xmlns:p="http://schemas.openxmlformats.org/presentationml/2006/main">
   <p:cSld>
@@ -3957,6 +6236,46 @@
           </a:graphicData>
         </a:graphic>
       </p:graphicFrame>
+      <p:graphicFrame>
+        <p:nvGraphicFramePr>
+          <p:cNvPr id="1027" name="Object 3"/>
+          <p:cNvGraphicFramePr>
+            <a:graphicFrameLocks noChangeAspect="1"/>
+          </p:cNvGraphicFramePr>
+          <p:nvPr/>
+        </p:nvGraphicFramePr>
+        <p:xfrm>
+          <a:off x="5148064" y="1700808"/>
+          <a:ext cx="3794837" cy="1296144"/>
+        </p:xfrm>
+        <a:graphic>
+          <a:graphicData uri="http://schemas.openxmlformats.org/presentationml/2006/ole">
+            <p:oleObj spid="_x0000_s1027" name="Visio" r:id="rId4" imgW="9944134" imgH="3397385" progId="Visio.Drawing.11">
+              <p:embed/>
+            </p:oleObj>
+          </a:graphicData>
+        </a:graphic>
+      </p:graphicFrame>
+      <p:graphicFrame>
+        <p:nvGraphicFramePr>
+          <p:cNvPr id="1028" name="Object 4"/>
+          <p:cNvGraphicFramePr>
+            <a:graphicFrameLocks noChangeAspect="1"/>
+          </p:cNvGraphicFramePr>
+          <p:nvPr/>
+        </p:nvGraphicFramePr>
+        <p:xfrm>
+          <a:off x="4932040" y="3140968"/>
+          <a:ext cx="3096344" cy="1463434"/>
+        </p:xfrm>
+        <a:graphic>
+          <a:graphicData uri="http://schemas.openxmlformats.org/presentationml/2006/ole">
+            <p:oleObj spid="_x0000_s1028" name="Visio" r:id="rId5" imgW="6827880" imgH="3227962" progId="Visio.Drawing.11">
+              <p:embed/>
+            </p:oleObj>
+          </a:graphicData>
+        </a:graphic>
+      </p:graphicFrame>
     </p:spTree>
   </p:cSld>
   <p:clrMapOvr>
@@ -4006,37 +6325,39 @@
           <a:p>
             <a:r>
               <a:rPr lang="de-DE" dirty="0" smtClean="0"/>
-              <a:t>Fensterung des Eingangssignals mit fester Breite N und Überlappung </a:t>
-            </a:r>
-            <a:r>
-              <a:rPr lang="de-DE" dirty="0" err="1" smtClean="0"/>
-              <a:t>Nhop</a:t>
-            </a:r>
-            <a:endParaRPr lang="de-DE" dirty="0" smtClean="0"/>
+              <a:t>Portierung und Implementierung des Referenz-Programm-Codes auf ARM und DSP</a:t>
+            </a:r>
           </a:p>
           <a:p>
             <a:r>
               <a:rPr lang="de-DE" dirty="0" smtClean="0"/>
-              <a:t>Verwendung sog. Merkmalssätze</a:t>
+              <a:t>Architekturspezifische Optimierung der beiden Implementierungen</a:t>
             </a:r>
           </a:p>
           <a:p>
             <a:r>
               <a:rPr lang="de-DE" dirty="0" smtClean="0"/>
-              <a:t>Fensterweise Extraktion der Merkmale nach vorgegebenen Algorithmen</a:t>
-            </a:r>
-          </a:p>
-          <a:p>
-            <a:pPr>
-              <a:buNone/>
-            </a:pPr>
-            <a:r>
-              <a:rPr lang="de-DE" b="1" u="sng" dirty="0" smtClean="0"/>
-              <a:t>Ergebnis:</a:t>
-            </a:r>
+              <a:t>Untersuchung der Laufzeit und Energie-Effizienz von zwei Prozessorarchitekturen:</a:t>
+            </a:r>
+          </a:p>
+          <a:p>
+            <a:pPr lvl="1"/>
             <a:r>
               <a:rPr lang="de-DE" dirty="0" smtClean="0"/>
-              <a:t> Eine Merkmalsreihe pro Merkmal über alle Fenster</a:t>
+              <a:t>ARM Cortex-A8</a:t>
+            </a:r>
+          </a:p>
+          <a:p>
+            <a:pPr lvl="1"/>
+            <a:r>
+              <a:rPr lang="de-DE" dirty="0" smtClean="0"/>
+              <a:t>Heterogenes System aus ARM Cortex-A8 und TI C674x DSP</a:t>
+            </a:r>
+          </a:p>
+          <a:p>
+            <a:r>
+              <a:rPr lang="de-DE" dirty="0" smtClean="0"/>
+              <a:t>Bewertung und Vergleich beider Architekturen</a:t>
             </a:r>
           </a:p>
           <a:p>
@@ -4044,12 +6365,6 @@
               <a:buNone/>
             </a:pPr>
             <a:endParaRPr lang="de-DE" dirty="0" smtClean="0"/>
-          </a:p>
-          <a:p>
-            <a:pPr>
-              <a:buNone/>
-            </a:pPr>
-            <a:endParaRPr lang="de-DE" dirty="0"/>
           </a:p>
         </p:txBody>
       </p:sp>
@@ -4070,32 +6385,12 @@
           <a:p>
             <a:r>
               <a:rPr lang="de-DE" dirty="0" smtClean="0"/>
-              <a:t>Merkmalsextraktion</a:t>
+              <a:t>Aufgabenstellung</a:t>
             </a:r>
             <a:endParaRPr lang="de-DE" dirty="0"/>
           </a:p>
         </p:txBody>
       </p:sp>
-      <p:graphicFrame>
-        <p:nvGraphicFramePr>
-          <p:cNvPr id="4" name="Objekt 3"/>
-          <p:cNvGraphicFramePr>
-            <a:graphicFrameLocks noChangeAspect="1"/>
-          </p:cNvGraphicFramePr>
-          <p:nvPr/>
-        </p:nvGraphicFramePr>
-        <p:xfrm>
-          <a:off x="323528" y="3573016"/>
-          <a:ext cx="8496944" cy="2903123"/>
-        </p:xfrm>
-        <a:graphic>
-          <a:graphicData uri="http://schemas.openxmlformats.org/presentationml/2006/ole">
-            <p:oleObj spid="_x0000_s2051" name="Visio" r:id="rId3" imgW="9944134" imgH="3397385" progId="Visio.Drawing.11">
-              <p:embed/>
-            </p:oleObj>
-          </a:graphicData>
-        </a:graphic>
-      </p:graphicFrame>
     </p:spTree>
   </p:cSld>
   <p:clrMapOvr>
@@ -4123,117 +6418,6 @@
       </p:grpSpPr>
       <p:sp>
         <p:nvSpPr>
-          <p:cNvPr id="2" name="Inhaltsplatzhalter 1"/>
-          <p:cNvSpPr>
-            <a:spLocks noGrp="1"/>
-          </p:cNvSpPr>
-          <p:nvPr>
-            <p:ph idx="1"/>
-          </p:nvPr>
-        </p:nvSpPr>
-        <p:spPr/>
-        <p:txBody>
-          <a:bodyPr/>
-          <a:lstStyle/>
-          <a:p>
-            <a:pPr>
-              <a:buNone/>
-            </a:pPr>
-            <a:endParaRPr lang="de-DE" dirty="0" smtClean="0"/>
-          </a:p>
-          <a:p>
-            <a:r>
-              <a:rPr lang="de-DE" dirty="0" err="1" smtClean="0"/>
-              <a:t>Prozessierung</a:t>
-            </a:r>
-            <a:r>
-              <a:rPr lang="de-DE" dirty="0" smtClean="0"/>
-              <a:t> der extrahierten Merkmalsreihen nach </a:t>
-            </a:r>
-            <a:r>
-              <a:rPr lang="de-DE" dirty="0" err="1" smtClean="0"/>
-              <a:t>Prozessierungsverfahren</a:t>
-            </a:r>
-            <a:endParaRPr lang="de-DE" dirty="0" smtClean="0"/>
-          </a:p>
-          <a:p>
-            <a:r>
-              <a:rPr lang="de-DE" dirty="0" smtClean="0"/>
-              <a:t>Verwendete Verfahren:</a:t>
-            </a:r>
-          </a:p>
-          <a:p>
-            <a:pPr lvl="1"/>
-            <a:r>
-              <a:rPr lang="en-US" dirty="0" smtClean="0"/>
-              <a:t>Running Mean and </a:t>
-            </a:r>
-            <a:r>
-              <a:rPr lang="en-US" dirty="0" err="1" smtClean="0"/>
-              <a:t>Runnind</a:t>
-            </a:r>
-            <a:r>
-              <a:rPr lang="en-US" dirty="0" smtClean="0"/>
-              <a:t> Deviation (RMD</a:t>
-            </a:r>
-            <a:r>
-              <a:rPr lang="en-US" dirty="0" smtClean="0"/>
-              <a:t>)</a:t>
-            </a:r>
-          </a:p>
-          <a:p>
-            <a:pPr lvl="1"/>
-            <a:r>
-              <a:rPr lang="de-DE" dirty="0" smtClean="0"/>
-              <a:t>Modulation </a:t>
-            </a:r>
-            <a:r>
-              <a:rPr lang="de-DE" dirty="0" err="1" smtClean="0"/>
-              <a:t>Spectral</a:t>
-            </a:r>
-            <a:r>
-              <a:rPr lang="de-DE" dirty="0" smtClean="0"/>
-              <a:t> Analysis (MDA</a:t>
-            </a:r>
-            <a:r>
-              <a:rPr lang="de-DE" dirty="0" smtClean="0"/>
-              <a:t>)</a:t>
-            </a:r>
-          </a:p>
-          <a:p>
-            <a:pPr lvl="1"/>
-            <a:endParaRPr lang="de-DE" dirty="0" smtClean="0"/>
-          </a:p>
-          <a:p>
-            <a:pPr>
-              <a:buNone/>
-            </a:pPr>
-            <a:r>
-              <a:rPr lang="de-DE" b="1" u="sng" dirty="0" smtClean="0"/>
-              <a:t>Ergebnis:</a:t>
-            </a:r>
-          </a:p>
-          <a:p>
-            <a:pPr>
-              <a:buNone/>
-            </a:pPr>
-            <a:r>
-              <a:rPr lang="de-DE" dirty="0" smtClean="0"/>
-              <a:t>Ein Merkmalsvektor pro </a:t>
-            </a:r>
-            <a:r>
-              <a:rPr lang="de-DE" dirty="0" err="1" smtClean="0"/>
-              <a:t>Mustikstück</a:t>
-            </a:r>
-            <a:endParaRPr lang="de-DE" dirty="0" smtClean="0"/>
-          </a:p>
-          <a:p>
-            <a:endParaRPr lang="de-DE" dirty="0"/>
-          </a:p>
-        </p:txBody>
-      </p:sp>
-      <p:sp>
-        <p:nvSpPr>
           <p:cNvPr id="3" name="Titel 2"/>
           <p:cNvSpPr>
             <a:spLocks noGrp="1"/>
@@ -4249,12 +6433,38 @@
           <a:p>
             <a:r>
               <a:rPr lang="de-DE" dirty="0" err="1" smtClean="0"/>
-              <a:t>Prozessierung</a:t>
+              <a:t>DaVinci</a:t>
+            </a:r>
+            <a:r>
+              <a:rPr lang="de-DE" dirty="0" smtClean="0"/>
+              <a:t> Video Prozessor</a:t>
             </a:r>
             <a:endParaRPr lang="de-DE" dirty="0"/>
           </a:p>
         </p:txBody>
       </p:sp>
+      <p:graphicFrame>
+        <p:nvGraphicFramePr>
+          <p:cNvPr id="4" name="Inhaltsplatzhalter 3"/>
+          <p:cNvGraphicFramePr>
+            <a:graphicFrameLocks noChangeAspect="1"/>
+          </p:cNvGraphicFramePr>
+          <p:nvPr>
+            <p:ph idx="1"/>
+          </p:nvPr>
+        </p:nvGraphicFramePr>
+        <p:xfrm>
+          <a:off x="2483768" y="1484784"/>
+          <a:ext cx="3954766" cy="4659312"/>
+        </p:xfrm>
+        <a:graphic>
+          <a:graphicData uri="http://schemas.openxmlformats.org/presentationml/2006/ole">
+            <p:oleObj spid="_x0000_s20482" name="Visio" r:id="rId3" imgW="5667300" imgH="6677115" progId="Visio.Drawing.11">
+              <p:embed/>
+            </p:oleObj>
+          </a:graphicData>
+        </a:graphic>
+      </p:graphicFrame>
     </p:spTree>
   </p:cSld>
   <p:clrMapOvr>
@@ -4282,12 +6492,12 @@
       </p:grpSpPr>
       <p:sp>
         <p:nvSpPr>
-          <p:cNvPr id="2" name="Inhaltsplatzhalter 1"/>
+          <p:cNvPr id="3" name="Titel 2"/>
           <p:cNvSpPr>
             <a:spLocks noGrp="1"/>
           </p:cNvSpPr>
           <p:nvPr>
-            <p:ph idx="1"/>
+            <p:ph type="title"/>
           </p:nvPr>
         </p:nvSpPr>
         <p:spPr/>
@@ -4297,66 +6507,59 @@
           <a:p>
             <a:r>
               <a:rPr lang="de-DE" dirty="0" smtClean="0"/>
-              <a:t>Klassifikation in zwei Schritten:</a:t>
-            </a:r>
-          </a:p>
-          <a:p>
-            <a:pPr lvl="1"/>
-            <a:r>
-              <a:rPr lang="de-DE" dirty="0" smtClean="0"/>
-              <a:t>Trainingsphase</a:t>
-            </a:r>
-          </a:p>
-          <a:p>
-            <a:pPr lvl="1"/>
-            <a:r>
-              <a:rPr lang="de-DE" dirty="0" smtClean="0"/>
-              <a:t>Klassifizierungsphase</a:t>
-            </a:r>
-          </a:p>
-          <a:p>
-            <a:r>
-              <a:rPr lang="de-DE" dirty="0" smtClean="0"/>
-              <a:t>Support Vektor Maschine (SVM) als </a:t>
-            </a:r>
-            <a:r>
-              <a:rPr lang="de-DE" dirty="0" err="1" smtClean="0"/>
-              <a:t>Klassifikator</a:t>
-            </a:r>
-            <a:endParaRPr lang="de-DE" dirty="0" smtClean="0"/>
-          </a:p>
-          <a:p>
-            <a:pPr>
-              <a:buNone/>
-            </a:pPr>
-            <a:r>
-              <a:rPr lang="de-DE" b="1" u="sng" dirty="0" smtClean="0"/>
-              <a:t>Ergebnis:</a:t>
-            </a:r>
-            <a:r>
-              <a:rPr lang="de-DE" dirty="0" smtClean="0"/>
-              <a:t> </a:t>
-            </a:r>
-            <a:r>
-              <a:rPr lang="de-DE" dirty="0" smtClean="0"/>
-              <a:t>Zuordnung Musikstück        Klasse</a:t>
-            </a:r>
-            <a:endParaRPr lang="de-DE" b="1" u="sng" dirty="0" smtClean="0"/>
-          </a:p>
-          <a:p>
-            <a:pPr>
-              <a:buNone/>
-            </a:pPr>
-            <a:endParaRPr lang="de-DE" dirty="0" smtClean="0"/>
-          </a:p>
-          <a:p>
-            <a:pPr>
-              <a:buNone/>
-            </a:pPr>
+              <a:t>ARM Subsystem</a:t>
+            </a:r>
             <a:endParaRPr lang="de-DE" dirty="0"/>
           </a:p>
         </p:txBody>
       </p:sp>
+      <p:graphicFrame>
+        <p:nvGraphicFramePr>
+          <p:cNvPr id="4" name="Inhaltsplatzhalter 3"/>
+          <p:cNvGraphicFramePr>
+            <a:graphicFrameLocks noChangeAspect="1"/>
+          </p:cNvGraphicFramePr>
+          <p:nvPr>
+            <p:ph idx="1"/>
+          </p:nvPr>
+        </p:nvGraphicFramePr>
+        <p:xfrm>
+          <a:off x="467544" y="1988840"/>
+          <a:ext cx="8296275" cy="2809875"/>
+        </p:xfrm>
+        <a:graphic>
+          <a:graphicData uri="http://schemas.openxmlformats.org/presentationml/2006/ole">
+            <p:oleObj spid="_x0000_s21506" name="Visio" r:id="rId3" imgW="8296290" imgH="2809785" progId="Visio.Drawing.11">
+              <p:embed/>
+            </p:oleObj>
+          </a:graphicData>
+        </a:graphic>
+      </p:graphicFrame>
+    </p:spTree>
+  </p:cSld>
+  <p:clrMapOvr>
+    <a:masterClrMapping/>
+  </p:clrMapOvr>
+</p:sld>
+</file>
+
+<file path=ppt/slides/slide8.xml><?xml version="1.0" encoding="utf-8"?>
+<p:sld xmlns:a="http://schemas.openxmlformats.org/drawingml/2006/main" xmlns:r="http://schemas.openxmlformats.org/officeDocument/2006/relationships" xmlns:p="http://schemas.openxmlformats.org/presentationml/2006/main">
+  <p:cSld>
+    <p:spTree>
+      <p:nvGrpSpPr>
+        <p:cNvPr id="1" name=""/>
+        <p:cNvGrpSpPr/>
+        <p:nvPr/>
+      </p:nvGrpSpPr>
+      <p:grpSpPr>
+        <a:xfrm>
+          <a:off x="0" y="0"/>
+          <a:ext cx="0" cy="0"/>
+          <a:chOff x="0" y="0"/>
+          <a:chExt cx="0" cy="0"/>
+        </a:xfrm>
+      </p:grpSpPr>
       <p:sp>
         <p:nvSpPr>
           <p:cNvPr id="3" name="Titel 2"/>
@@ -4374,7 +6577,7 @@
           <a:p>
             <a:r>
               <a:rPr lang="de-DE" dirty="0" smtClean="0"/>
-              <a:t>Klassifikation</a:t>
+              <a:t>DSP Subsystem</a:t>
             </a:r>
             <a:endParaRPr lang="de-DE" dirty="0"/>
           </a:p>
@@ -4382,53 +6585,94 @@
       </p:sp>
       <p:graphicFrame>
         <p:nvGraphicFramePr>
-          <p:cNvPr id="4" name="Objekt 3"/>
+          <p:cNvPr id="4" name="Inhaltsplatzhalter 3"/>
           <p:cNvGraphicFramePr>
             <a:graphicFrameLocks noChangeAspect="1"/>
           </p:cNvGraphicFramePr>
-          <p:nvPr/>
+          <p:nvPr>
+            <p:ph idx="1"/>
+          </p:nvPr>
         </p:nvGraphicFramePr>
         <p:xfrm>
-          <a:off x="1907704" y="3933056"/>
-          <a:ext cx="5040560" cy="2382576"/>
+          <a:off x="755576" y="2276872"/>
+          <a:ext cx="7192424" cy="2903364"/>
         </p:xfrm>
         <a:graphic>
           <a:graphicData uri="http://schemas.openxmlformats.org/presentationml/2006/ole">
-            <p:oleObj spid="_x0000_s3074" name="Visio" r:id="rId3" imgW="6827880" imgH="3227962" progId="Visio.Drawing.11">
+            <p:oleObj spid="_x0000_s22530" name="Visio" r:id="rId3" imgW="6229440" imgH="2514600" progId="Visio.Drawing.11">
               <p:embed/>
             </p:oleObj>
           </a:graphicData>
         </a:graphic>
       </p:graphicFrame>
-      <p:cxnSp>
-        <p:nvCxnSpPr>
-          <p:cNvPr id="6" name="Gerade Verbindung mit Pfeil 5"/>
-          <p:cNvCxnSpPr/>
-          <p:nvPr/>
-        </p:nvCxnSpPr>
-        <p:spPr bwMode="auto">
-          <a:xfrm>
-            <a:off x="3563888" y="3573016"/>
-            <a:ext cx="432048" cy="0"/>
-          </a:xfrm>
-          <a:prstGeom prst="straightConnector1">
-            <a:avLst/>
-          </a:prstGeom>
-          <a:solidFill>
-            <a:schemeClr val="accent1"/>
-          </a:solidFill>
-          <a:ln w="9525" cap="flat" cmpd="sng" algn="ctr">
-            <a:solidFill>
-              <a:schemeClr val="tx1"/>
-            </a:solidFill>
-            <a:prstDash val="solid"/>
-            <a:round/>
-            <a:headEnd type="arrow"/>
-            <a:tailEnd type="arrow"/>
-          </a:ln>
-          <a:effectLst/>
-        </p:spPr>
-      </p:cxnSp>
+    </p:spTree>
+  </p:cSld>
+  <p:clrMapOvr>
+    <a:masterClrMapping/>
+  </p:clrMapOvr>
+</p:sld>
+</file>
+
+<file path=ppt/slides/slide9.xml><?xml version="1.0" encoding="utf-8"?>
+<p:sld xmlns:a="http://schemas.openxmlformats.org/drawingml/2006/main" xmlns:r="http://schemas.openxmlformats.org/officeDocument/2006/relationships" xmlns:p="http://schemas.openxmlformats.org/presentationml/2006/main">
+  <p:cSld>
+    <p:spTree>
+      <p:nvGrpSpPr>
+        <p:cNvPr id="1" name=""/>
+        <p:cNvGrpSpPr/>
+        <p:nvPr/>
+      </p:nvGrpSpPr>
+      <p:grpSpPr>
+        <a:xfrm>
+          <a:off x="0" y="0"/>
+          <a:ext cx="0" cy="0"/>
+          <a:chOff x="0" y="0"/>
+          <a:chExt cx="0" cy="0"/>
+        </a:xfrm>
+      </p:grpSpPr>
+      <p:graphicFrame>
+        <p:nvGraphicFramePr>
+          <p:cNvPr id="4" name="Inhaltsplatzhalter 3"/>
+          <p:cNvGraphicFramePr>
+            <a:graphicFrameLocks noGrp="1"/>
+          </p:cNvGraphicFramePr>
+          <p:nvPr>
+            <p:ph idx="1"/>
+          </p:nvPr>
+        </p:nvGraphicFramePr>
+        <p:xfrm>
+          <a:off x="503238" y="1665288"/>
+          <a:ext cx="8412162" cy="4659312"/>
+        </p:xfrm>
+        <a:graphic>
+          <a:graphicData uri="http://schemas.openxmlformats.org/drawingml/2006/chart">
+            <c:chart xmlns:c="http://schemas.openxmlformats.org/drawingml/2006/chart" xmlns:r="http://schemas.openxmlformats.org/officeDocument/2006/relationships" r:id="rId2"/>
+          </a:graphicData>
+        </a:graphic>
+      </p:graphicFrame>
+      <p:sp>
+        <p:nvSpPr>
+          <p:cNvPr id="3" name="Titel 2"/>
+          <p:cNvSpPr>
+            <a:spLocks noGrp="1"/>
+          </p:cNvSpPr>
+          <p:nvPr>
+            <p:ph type="title"/>
+          </p:nvPr>
+        </p:nvSpPr>
+        <p:spPr/>
+        <p:txBody>
+          <a:bodyPr/>
+          <a:lstStyle/>
+          <a:p>
+            <a:r>
+              <a:rPr lang="de-DE" dirty="0" smtClean="0"/>
+              <a:t>Optimierung ARM</a:t>
+            </a:r>
+            <a:endParaRPr lang="de-DE" dirty="0"/>
+          </a:p>
+        </p:txBody>
+      </p:sp>
     </p:spTree>
   </p:cSld>
   <p:clrMapOvr>

--- a/Speech/Präsentation1.pptx
+++ b/Speech/Präsentation1.pptx
@@ -5,23 +5,25 @@
     <p:sldMasterId id="2147483648" r:id="rId1"/>
   </p:sldMasterIdLst>
   <p:notesMasterIdLst>
-    <p:notesMasterId r:id="rId16"/>
+    <p:notesMasterId r:id="rId18"/>
   </p:notesMasterIdLst>
   <p:sldIdLst>
     <p:sldId id="267" r:id="rId2"/>
     <p:sldId id="268" r:id="rId3"/>
     <p:sldId id="269" r:id="rId4"/>
-    <p:sldId id="270" r:id="rId5"/>
-    <p:sldId id="271" r:id="rId6"/>
-    <p:sldId id="272" r:id="rId7"/>
-    <p:sldId id="273" r:id="rId8"/>
-    <p:sldId id="274" r:id="rId9"/>
-    <p:sldId id="275" r:id="rId10"/>
-    <p:sldId id="276" r:id="rId11"/>
-    <p:sldId id="277" r:id="rId12"/>
-    <p:sldId id="278" r:id="rId13"/>
-    <p:sldId id="279" r:id="rId14"/>
-    <p:sldId id="280" r:id="rId15"/>
+    <p:sldId id="271" r:id="rId5"/>
+    <p:sldId id="272" r:id="rId6"/>
+    <p:sldId id="273" r:id="rId7"/>
+    <p:sldId id="274" r:id="rId8"/>
+    <p:sldId id="275" r:id="rId9"/>
+    <p:sldId id="276" r:id="rId10"/>
+    <p:sldId id="277" r:id="rId11"/>
+    <p:sldId id="278" r:id="rId12"/>
+    <p:sldId id="279" r:id="rId13"/>
+    <p:sldId id="281" r:id="rId14"/>
+    <p:sldId id="282" r:id="rId15"/>
+    <p:sldId id="283" r:id="rId16"/>
+    <p:sldId id="280" r:id="rId17"/>
   </p:sldIdLst>
   <p:sldSz cx="9144000" cy="6858000" type="screen4x3"/>
   <p:notesSz cx="6797675" cy="9926638"/>
@@ -151,1836 +153,6 @@
     </a:lvl9pPr>
   </p:defaultTextStyle>
 </p:presentation>
-</file>
-
-<file path=ppt/charts/chart1.xml><?xml version="1.0" encoding="utf-8"?>
-<c:chartSpace xmlns:c="http://schemas.openxmlformats.org/drawingml/2006/chart" xmlns:a="http://schemas.openxmlformats.org/drawingml/2006/main" xmlns:r="http://schemas.openxmlformats.org/officeDocument/2006/relationships">
-  <c:lang val="de-DE"/>
-  <c:chart>
-    <c:title>
-      <c:tx>
-        <c:rich>
-          <a:bodyPr/>
-          <a:lstStyle/>
-          <a:p>
-            <a:pPr>
-              <a:defRPr/>
-            </a:pPr>
-            <a:r>
-              <a:rPr lang="de-DE" dirty="0" smtClean="0"/>
-              <a:t>Laufzeit der Merkmalsextraktion</a:t>
-            </a:r>
-            <a:endParaRPr lang="de-DE" dirty="0"/>
-          </a:p>
-        </c:rich>
-      </c:tx>
-      <c:layout/>
-    </c:title>
-    <c:plotArea>
-      <c:layout/>
-      <c:barChart>
-        <c:barDir val="col"/>
-        <c:grouping val="clustered"/>
-        <c:ser>
-          <c:idx val="0"/>
-          <c:order val="0"/>
-          <c:tx>
-            <c:strRef>
-              <c:f>Tabelle1!$B$1</c:f>
-              <c:strCache>
-                <c:ptCount val="1"/>
-                <c:pt idx="0">
-                  <c:v>Referenz</c:v>
-                </c:pt>
-              </c:strCache>
-            </c:strRef>
-          </c:tx>
-          <c:dLbls>
-            <c:dLblPos val="outEnd"/>
-            <c:showVal val="1"/>
-          </c:dLbls>
-          <c:cat>
-            <c:strRef>
-              <c:f>Tabelle1!$A$2:$A$5</c:f>
-              <c:strCache>
-                <c:ptCount val="4"/>
-                <c:pt idx="0">
-                  <c:v>FSet1</c:v>
-                </c:pt>
-                <c:pt idx="1">
-                  <c:v>FSet2</c:v>
-                </c:pt>
-                <c:pt idx="2">
-                  <c:v>FSet3</c:v>
-                </c:pt>
-                <c:pt idx="3">
-                  <c:v>Fset4</c:v>
-                </c:pt>
-              </c:strCache>
-            </c:strRef>
-          </c:cat>
-          <c:val>
-            <c:numRef>
-              <c:f>Tabelle1!$B$2:$B$5</c:f>
-              <c:numCache>
-                <c:formatCode>General</c:formatCode>
-                <c:ptCount val="4"/>
-                <c:pt idx="0">
-                  <c:v>1711.7399999999998</c:v>
-                </c:pt>
-                <c:pt idx="1">
-                  <c:v>3658.0700000000006</c:v>
-                </c:pt>
-                <c:pt idx="2">
-                  <c:v>143.95999999999998</c:v>
-                </c:pt>
-                <c:pt idx="3">
-                  <c:v>1579.9100000000003</c:v>
-                </c:pt>
-              </c:numCache>
-            </c:numRef>
-          </c:val>
-        </c:ser>
-        <c:ser>
-          <c:idx val="1"/>
-          <c:order val="1"/>
-          <c:tx>
-            <c:strRef>
-              <c:f>Tabelle1!$C$1</c:f>
-              <c:strCache>
-                <c:ptCount val="1"/>
-                <c:pt idx="0">
-                  <c:v>Optimierung</c:v>
-                </c:pt>
-              </c:strCache>
-            </c:strRef>
-          </c:tx>
-          <c:dLbls>
-            <c:dLblPos val="outEnd"/>
-            <c:showVal val="1"/>
-          </c:dLbls>
-          <c:cat>
-            <c:strRef>
-              <c:f>Tabelle1!$A$2:$A$5</c:f>
-              <c:strCache>
-                <c:ptCount val="4"/>
-                <c:pt idx="0">
-                  <c:v>FSet1</c:v>
-                </c:pt>
-                <c:pt idx="1">
-                  <c:v>FSet2</c:v>
-                </c:pt>
-                <c:pt idx="2">
-                  <c:v>FSet3</c:v>
-                </c:pt>
-                <c:pt idx="3">
-                  <c:v>Fset4</c:v>
-                </c:pt>
-              </c:strCache>
-            </c:strRef>
-          </c:cat>
-          <c:val>
-            <c:numRef>
-              <c:f>Tabelle1!$C$2:$C$5</c:f>
-              <c:numCache>
-                <c:formatCode>General</c:formatCode>
-                <c:ptCount val="4"/>
-                <c:pt idx="0">
-                  <c:v>111.66999999999999</c:v>
-                </c:pt>
-                <c:pt idx="1">
-                  <c:v>524.13</c:v>
-                </c:pt>
-                <c:pt idx="2">
-                  <c:v>58.510000000000005</c:v>
-                </c:pt>
-                <c:pt idx="3">
-                  <c:v>70.08</c:v>
-                </c:pt>
-              </c:numCache>
-            </c:numRef>
-          </c:val>
-        </c:ser>
-        <c:axId val="51774208"/>
-        <c:axId val="81961728"/>
-      </c:barChart>
-      <c:catAx>
-        <c:axId val="51774208"/>
-        <c:scaling>
-          <c:orientation val="minMax"/>
-        </c:scaling>
-        <c:axPos val="b"/>
-        <c:tickLblPos val="nextTo"/>
-        <c:crossAx val="81961728"/>
-        <c:crosses val="autoZero"/>
-        <c:auto val="1"/>
-        <c:lblAlgn val="ctr"/>
-        <c:lblOffset val="100"/>
-      </c:catAx>
-      <c:valAx>
-        <c:axId val="81961728"/>
-        <c:scaling>
-          <c:logBase val="10"/>
-          <c:orientation val="minMax"/>
-        </c:scaling>
-        <c:axPos val="l"/>
-        <c:majorGridlines/>
-        <c:title>
-          <c:tx>
-            <c:rich>
-              <a:bodyPr rot="-5400000" vert="horz"/>
-              <a:lstStyle/>
-              <a:p>
-                <a:pPr>
-                  <a:defRPr/>
-                </a:pPr>
-                <a:r>
-                  <a:rPr lang="de-DE" dirty="0" smtClean="0"/>
-                  <a:t>Laufzeit in [</a:t>
-                </a:r>
-                <a:r>
-                  <a:rPr lang="de-DE" dirty="0" err="1" smtClean="0"/>
-                  <a:t>ms</a:t>
-                </a:r>
-                <a:r>
-                  <a:rPr lang="de-DE" dirty="0" smtClean="0"/>
-                  <a:t>]</a:t>
-                </a:r>
-              </a:p>
-            </c:rich>
-          </c:tx>
-          <c:layout/>
-        </c:title>
-        <c:numFmt formatCode="General" sourceLinked="1"/>
-        <c:tickLblPos val="nextTo"/>
-        <c:crossAx val="51774208"/>
-        <c:crosses val="autoZero"/>
-        <c:crossBetween val="between"/>
-      </c:valAx>
-    </c:plotArea>
-    <c:legend>
-      <c:legendPos val="r"/>
-      <c:layout/>
-    </c:legend>
-    <c:plotVisOnly val="1"/>
-  </c:chart>
-  <c:txPr>
-    <a:bodyPr/>
-    <a:lstStyle/>
-    <a:p>
-      <a:pPr>
-        <a:defRPr sz="1800"/>
-      </a:pPr>
-      <a:endParaRPr lang="de-DE"/>
-    </a:p>
-  </c:txPr>
-  <c:externalData r:id="rId1"/>
-</c:chartSpace>
-</file>
-
-<file path=ppt/charts/chart2.xml><?xml version="1.0" encoding="utf-8"?>
-<c:chartSpace xmlns:c="http://schemas.openxmlformats.org/drawingml/2006/chart" xmlns:a="http://schemas.openxmlformats.org/drawingml/2006/main" xmlns:r="http://schemas.openxmlformats.org/officeDocument/2006/relationships">
-  <c:lang val="de-DE"/>
-  <c:chart>
-    <c:title>
-      <c:tx>
-        <c:rich>
-          <a:bodyPr/>
-          <a:lstStyle/>
-          <a:p>
-            <a:pPr>
-              <a:defRPr/>
-            </a:pPr>
-            <a:r>
-              <a:rPr lang="de-DE" dirty="0" smtClean="0"/>
-              <a:t>Laufzeit</a:t>
-            </a:r>
-            <a:r>
-              <a:rPr lang="de-DE" baseline="0" dirty="0" smtClean="0"/>
-              <a:t> der Merkmalsextraktion</a:t>
-            </a:r>
-            <a:endParaRPr lang="de-DE" dirty="0"/>
-          </a:p>
-        </c:rich>
-      </c:tx>
-      <c:layout/>
-    </c:title>
-    <c:plotArea>
-      <c:layout/>
-      <c:barChart>
-        <c:barDir val="col"/>
-        <c:grouping val="clustered"/>
-        <c:ser>
-          <c:idx val="0"/>
-          <c:order val="0"/>
-          <c:tx>
-            <c:strRef>
-              <c:f>Tabelle1!$B$1</c:f>
-              <c:strCache>
-                <c:ptCount val="1"/>
-                <c:pt idx="0">
-                  <c:v>Referenz</c:v>
-                </c:pt>
-              </c:strCache>
-            </c:strRef>
-          </c:tx>
-          <c:dLbls>
-            <c:dLblPos val="outEnd"/>
-            <c:showVal val="1"/>
-          </c:dLbls>
-          <c:cat>
-            <c:strRef>
-              <c:f>Tabelle1!$A$2:$A$5</c:f>
-              <c:strCache>
-                <c:ptCount val="4"/>
-                <c:pt idx="0">
-                  <c:v>FSet1</c:v>
-                </c:pt>
-                <c:pt idx="1">
-                  <c:v>FSet2</c:v>
-                </c:pt>
-                <c:pt idx="2">
-                  <c:v>FSet3</c:v>
-                </c:pt>
-                <c:pt idx="3">
-                  <c:v>FSet4</c:v>
-                </c:pt>
-              </c:strCache>
-            </c:strRef>
-          </c:cat>
-          <c:val>
-            <c:numRef>
-              <c:f>Tabelle1!$B$2:$B$5</c:f>
-              <c:numCache>
-                <c:formatCode>General</c:formatCode>
-                <c:ptCount val="4"/>
-                <c:pt idx="0">
-                  <c:v>579.86099999999999</c:v>
-                </c:pt>
-                <c:pt idx="1">
-                  <c:v>1357.91</c:v>
-                </c:pt>
-                <c:pt idx="2">
-                  <c:v>32.57</c:v>
-                </c:pt>
-                <c:pt idx="3">
-                  <c:v>542.91199999999992</c:v>
-                </c:pt>
-              </c:numCache>
-            </c:numRef>
-          </c:val>
-        </c:ser>
-        <c:ser>
-          <c:idx val="1"/>
-          <c:order val="1"/>
-          <c:tx>
-            <c:strRef>
-              <c:f>Tabelle1!$C$1</c:f>
-              <c:strCache>
-                <c:ptCount val="1"/>
-                <c:pt idx="0">
-                  <c:v>Optimierung</c:v>
-                </c:pt>
-              </c:strCache>
-            </c:strRef>
-          </c:tx>
-          <c:dLbls>
-            <c:dLbl>
-              <c:idx val="1"/>
-              <c:layout>
-                <c:manualLayout>
-                  <c:x val="1.2077751236840129E-2"/>
-                  <c:y val="-5.4514486258915983E-3"/>
-                </c:manualLayout>
-              </c:layout>
-              <c:dLblPos val="outEnd"/>
-              <c:showVal val="1"/>
-            </c:dLbl>
-            <c:dLbl>
-              <c:idx val="3"/>
-              <c:layout>
-                <c:manualLayout>
-                  <c:x val="7.548594523025115E-3"/>
-                  <c:y val="-5.451448625891548E-3"/>
-                </c:manualLayout>
-              </c:layout>
-              <c:dLblPos val="outEnd"/>
-              <c:showVal val="1"/>
-            </c:dLbl>
-            <c:dLblPos val="outEnd"/>
-            <c:showVal val="1"/>
-          </c:dLbls>
-          <c:cat>
-            <c:strRef>
-              <c:f>Tabelle1!$A$2:$A$5</c:f>
-              <c:strCache>
-                <c:ptCount val="4"/>
-                <c:pt idx="0">
-                  <c:v>FSet1</c:v>
-                </c:pt>
-                <c:pt idx="1">
-                  <c:v>FSet2</c:v>
-                </c:pt>
-                <c:pt idx="2">
-                  <c:v>FSet3</c:v>
-                </c:pt>
-                <c:pt idx="3">
-                  <c:v>FSet4</c:v>
-                </c:pt>
-              </c:strCache>
-            </c:strRef>
-          </c:cat>
-          <c:val>
-            <c:numRef>
-              <c:f>Tabelle1!$C$2:$C$5</c:f>
-              <c:numCache>
-                <c:formatCode>General</c:formatCode>
-                <c:ptCount val="4"/>
-                <c:pt idx="0">
-                  <c:v>61.623999999999995</c:v>
-                </c:pt>
-                <c:pt idx="1">
-                  <c:v>198.40300000000002</c:v>
-                </c:pt>
-                <c:pt idx="2">
-                  <c:v>7.7910000000000004</c:v>
-                </c:pt>
-                <c:pt idx="3">
-                  <c:v>51.802</c:v>
-                </c:pt>
-              </c:numCache>
-            </c:numRef>
-          </c:val>
-        </c:ser>
-        <c:axId val="48825856"/>
-        <c:axId val="48994560"/>
-      </c:barChart>
-      <c:catAx>
-        <c:axId val="48825856"/>
-        <c:scaling>
-          <c:orientation val="minMax"/>
-        </c:scaling>
-        <c:axPos val="b"/>
-        <c:tickLblPos val="nextTo"/>
-        <c:crossAx val="48994560"/>
-        <c:crosses val="autoZero"/>
-        <c:auto val="1"/>
-        <c:lblAlgn val="ctr"/>
-        <c:lblOffset val="100"/>
-      </c:catAx>
-      <c:valAx>
-        <c:axId val="48994560"/>
-        <c:scaling>
-          <c:logBase val="10"/>
-          <c:orientation val="minMax"/>
-        </c:scaling>
-        <c:axPos val="l"/>
-        <c:majorGridlines/>
-        <c:title>
-          <c:tx>
-            <c:rich>
-              <a:bodyPr rot="-5400000" vert="horz"/>
-              <a:lstStyle/>
-              <a:p>
-                <a:pPr>
-                  <a:defRPr/>
-                </a:pPr>
-                <a:r>
-                  <a:rPr lang="de-DE" dirty="0" smtClean="0"/>
-                  <a:t>Laufzeit in [</a:t>
-                </a:r>
-                <a:r>
-                  <a:rPr lang="de-DE" dirty="0" err="1" smtClean="0"/>
-                  <a:t>ms</a:t>
-                </a:r>
-                <a:r>
-                  <a:rPr lang="de-DE" dirty="0" smtClean="0"/>
-                  <a:t>]</a:t>
-                </a:r>
-              </a:p>
-            </c:rich>
-          </c:tx>
-          <c:layout/>
-        </c:title>
-        <c:numFmt formatCode="General" sourceLinked="1"/>
-        <c:tickLblPos val="nextTo"/>
-        <c:crossAx val="48825856"/>
-        <c:crosses val="autoZero"/>
-        <c:crossBetween val="between"/>
-      </c:valAx>
-    </c:plotArea>
-    <c:legend>
-      <c:legendPos val="r"/>
-      <c:layout/>
-    </c:legend>
-    <c:plotVisOnly val="1"/>
-  </c:chart>
-  <c:txPr>
-    <a:bodyPr/>
-    <a:lstStyle/>
-    <a:p>
-      <a:pPr>
-        <a:defRPr sz="1800"/>
-      </a:pPr>
-      <a:endParaRPr lang="de-DE"/>
-    </a:p>
-  </c:txPr>
-  <c:externalData r:id="rId1"/>
-</c:chartSpace>
-</file>
-
-<file path=ppt/charts/chart3.xml><?xml version="1.0" encoding="utf-8"?>
-<c:chartSpace xmlns:c="http://schemas.openxmlformats.org/drawingml/2006/chart" xmlns:a="http://schemas.openxmlformats.org/drawingml/2006/main" xmlns:r="http://schemas.openxmlformats.org/officeDocument/2006/relationships">
-  <c:lang val="de-DE"/>
-  <c:chart>
-    <c:title>
-      <c:tx>
-        <c:rich>
-          <a:bodyPr/>
-          <a:lstStyle/>
-          <a:p>
-            <a:pPr>
-              <a:defRPr/>
-            </a:pPr>
-            <a:r>
-              <a:rPr lang="de-DE" dirty="0" smtClean="0"/>
-              <a:t>Extraktionsrate ARM</a:t>
-            </a:r>
-            <a:endParaRPr lang="de-DE" dirty="0"/>
-          </a:p>
-        </c:rich>
-      </c:tx>
-      <c:layout/>
-    </c:title>
-    <c:plotArea>
-      <c:layout/>
-      <c:barChart>
-        <c:barDir val="col"/>
-        <c:grouping val="clustered"/>
-        <c:ser>
-          <c:idx val="0"/>
-          <c:order val="0"/>
-          <c:tx>
-            <c:strRef>
-              <c:f>Tabelle1!$B$1</c:f>
-              <c:strCache>
-                <c:ptCount val="1"/>
-                <c:pt idx="0">
-                  <c:v>Referenz</c:v>
-                </c:pt>
-              </c:strCache>
-            </c:strRef>
-          </c:tx>
-          <c:dLbls>
-            <c:dLblPos val="outEnd"/>
-            <c:showVal val="1"/>
-          </c:dLbls>
-          <c:cat>
-            <c:strRef>
-              <c:f>Tabelle1!$A$2:$A$5</c:f>
-              <c:strCache>
-                <c:ptCount val="4"/>
-                <c:pt idx="0">
-                  <c:v>MCL1</c:v>
-                </c:pt>
-                <c:pt idx="1">
-                  <c:v>MCL2</c:v>
-                </c:pt>
-                <c:pt idx="2">
-                  <c:v>MCL3</c:v>
-                </c:pt>
-                <c:pt idx="3">
-                  <c:v>MCL4</c:v>
-                </c:pt>
-              </c:strCache>
-            </c:strRef>
-          </c:cat>
-          <c:val>
-            <c:numRef>
-              <c:f>Tabelle1!$B$2:$B$5</c:f>
-              <c:numCache>
-                <c:formatCode>0</c:formatCode>
-                <c:ptCount val="4"/>
-                <c:pt idx="0">
-                  <c:v>755.37172701461679</c:v>
-                </c:pt>
-                <c:pt idx="1">
-                  <c:v>706.65678896248562</c:v>
-                </c:pt>
-                <c:pt idx="2">
-                  <c:v>8981.6615726590735</c:v>
-                </c:pt>
-                <c:pt idx="3">
-                  <c:v>818.40104816097107</c:v>
-                </c:pt>
-              </c:numCache>
-            </c:numRef>
-          </c:val>
-        </c:ser>
-        <c:ser>
-          <c:idx val="1"/>
-          <c:order val="1"/>
-          <c:tx>
-            <c:strRef>
-              <c:f>Tabelle1!$C$1</c:f>
-              <c:strCache>
-                <c:ptCount val="1"/>
-                <c:pt idx="0">
-                  <c:v>Optimiert</c:v>
-                </c:pt>
-              </c:strCache>
-            </c:strRef>
-          </c:tx>
-          <c:dLbls>
-            <c:dLblPos val="outEnd"/>
-            <c:showVal val="1"/>
-          </c:dLbls>
-          <c:cat>
-            <c:strRef>
-              <c:f>Tabelle1!$A$2:$A$5</c:f>
-              <c:strCache>
-                <c:ptCount val="4"/>
-                <c:pt idx="0">
-                  <c:v>MCL1</c:v>
-                </c:pt>
-                <c:pt idx="1">
-                  <c:v>MCL2</c:v>
-                </c:pt>
-                <c:pt idx="2">
-                  <c:v>MCL3</c:v>
-                </c:pt>
-                <c:pt idx="3">
-                  <c:v>MCL4</c:v>
-                </c:pt>
-              </c:strCache>
-            </c:strRef>
-          </c:cat>
-          <c:val>
-            <c:numRef>
-              <c:f>Tabelle1!$C$2:$C$5</c:f>
-              <c:numCache>
-                <c:formatCode>0</c:formatCode>
-                <c:ptCount val="4"/>
-                <c:pt idx="0">
-                  <c:v>11578.758843019614</c:v>
-                </c:pt>
-                <c:pt idx="1">
-                  <c:v>4931.9825234197624</c:v>
-                </c:pt>
-                <c:pt idx="2">
-                  <c:v>22098.786532216713</c:v>
-                </c:pt>
-                <c:pt idx="3">
-                  <c:v>18450.342465753427</c:v>
-                </c:pt>
-              </c:numCache>
-            </c:numRef>
-          </c:val>
-        </c:ser>
-        <c:axId val="56318976"/>
-        <c:axId val="56333824"/>
-      </c:barChart>
-      <c:catAx>
-        <c:axId val="56318976"/>
-        <c:scaling>
-          <c:orientation val="minMax"/>
-        </c:scaling>
-        <c:axPos val="b"/>
-        <c:tickLblPos val="nextTo"/>
-        <c:crossAx val="56333824"/>
-        <c:crosses val="autoZero"/>
-        <c:auto val="1"/>
-        <c:lblAlgn val="ctr"/>
-        <c:lblOffset val="100"/>
-      </c:catAx>
-      <c:valAx>
-        <c:axId val="56333824"/>
-        <c:scaling>
-          <c:logBase val="10"/>
-          <c:orientation val="minMax"/>
-        </c:scaling>
-        <c:axPos val="l"/>
-        <c:majorGridlines/>
-        <c:title>
-          <c:tx>
-            <c:rich>
-              <a:bodyPr rot="-5400000" vert="horz"/>
-              <a:lstStyle/>
-              <a:p>
-                <a:pPr>
-                  <a:defRPr/>
-                </a:pPr>
-                <a:r>
-                  <a:rPr lang="de-DE" dirty="0" smtClean="0"/>
-                  <a:t>Extraktionsrate in [Fenster/s]</a:t>
-                </a:r>
-              </a:p>
-              <a:p>
-                <a:pPr>
-                  <a:defRPr/>
-                </a:pPr>
-                <a:endParaRPr lang="de-DE" dirty="0"/>
-              </a:p>
-            </c:rich>
-          </c:tx>
-          <c:layout/>
-        </c:title>
-        <c:numFmt formatCode="0" sourceLinked="1"/>
-        <c:tickLblPos val="nextTo"/>
-        <c:crossAx val="56318976"/>
-        <c:crosses val="autoZero"/>
-        <c:crossBetween val="between"/>
-      </c:valAx>
-    </c:plotArea>
-    <c:legend>
-      <c:legendPos val="r"/>
-      <c:layout/>
-    </c:legend>
-    <c:plotVisOnly val="1"/>
-  </c:chart>
-  <c:txPr>
-    <a:bodyPr/>
-    <a:lstStyle/>
-    <a:p>
-      <a:pPr>
-        <a:defRPr sz="1800"/>
-      </a:pPr>
-      <a:endParaRPr lang="de-DE"/>
-    </a:p>
-  </c:txPr>
-  <c:externalData r:id="rId1"/>
-</c:chartSpace>
-</file>
-
-<file path=ppt/charts/chart4.xml><?xml version="1.0" encoding="utf-8"?>
-<c:chartSpace xmlns:c="http://schemas.openxmlformats.org/drawingml/2006/chart" xmlns:a="http://schemas.openxmlformats.org/drawingml/2006/main" xmlns:r="http://schemas.openxmlformats.org/officeDocument/2006/relationships">
-  <c:lang val="de-DE"/>
-  <c:chart>
-    <c:title>
-      <c:tx>
-        <c:rich>
-          <a:bodyPr/>
-          <a:lstStyle/>
-          <a:p>
-            <a:pPr>
-              <a:defRPr/>
-            </a:pPr>
-            <a:r>
-              <a:rPr lang="de-DE" dirty="0" smtClean="0"/>
-              <a:t>Energie-Effizienz ARM</a:t>
-            </a:r>
-          </a:p>
-        </c:rich>
-      </c:tx>
-      <c:layout/>
-    </c:title>
-    <c:plotArea>
-      <c:layout/>
-      <c:barChart>
-        <c:barDir val="col"/>
-        <c:grouping val="clustered"/>
-        <c:ser>
-          <c:idx val="0"/>
-          <c:order val="0"/>
-          <c:tx>
-            <c:strRef>
-              <c:f>Tabelle1!$B$1</c:f>
-              <c:strCache>
-                <c:ptCount val="1"/>
-                <c:pt idx="0">
-                  <c:v>Referenz</c:v>
-                </c:pt>
-              </c:strCache>
-            </c:strRef>
-          </c:tx>
-          <c:dLbls>
-            <c:dLblPos val="outEnd"/>
-            <c:showVal val="1"/>
-          </c:dLbls>
-          <c:cat>
-            <c:strRef>
-              <c:f>Tabelle1!$A$2:$A$5</c:f>
-              <c:strCache>
-                <c:ptCount val="4"/>
-                <c:pt idx="0">
-                  <c:v>MCL1</c:v>
-                </c:pt>
-                <c:pt idx="1">
-                  <c:v>MCL2</c:v>
-                </c:pt>
-                <c:pt idx="2">
-                  <c:v>MCL3</c:v>
-                </c:pt>
-                <c:pt idx="3">
-                  <c:v>MCL4</c:v>
-                </c:pt>
-              </c:strCache>
-            </c:strRef>
-          </c:cat>
-          <c:val>
-            <c:numRef>
-              <c:f>Tabelle1!$B$2:$B$5</c:f>
-              <c:numCache>
-                <c:formatCode>0</c:formatCode>
-                <c:ptCount val="4"/>
-                <c:pt idx="0">
-                  <c:v>4469.6551894356016</c:v>
-                </c:pt>
-                <c:pt idx="1">
-                  <c:v>4181.4011181212163</c:v>
-                </c:pt>
-                <c:pt idx="2">
-                  <c:v>53145.926465438301</c:v>
-                </c:pt>
-                <c:pt idx="3">
-                  <c:v>4842.6097524317811</c:v>
-                </c:pt>
-              </c:numCache>
-            </c:numRef>
-          </c:val>
-        </c:ser>
-        <c:ser>
-          <c:idx val="1"/>
-          <c:order val="1"/>
-          <c:tx>
-            <c:strRef>
-              <c:f>Tabelle1!$C$1</c:f>
-              <c:strCache>
-                <c:ptCount val="1"/>
-                <c:pt idx="0">
-                  <c:v>Optimiert</c:v>
-                </c:pt>
-              </c:strCache>
-            </c:strRef>
-          </c:tx>
-          <c:dLbls>
-            <c:dLblPos val="outEnd"/>
-            <c:showVal val="1"/>
-          </c:dLbls>
-          <c:cat>
-            <c:strRef>
-              <c:f>Tabelle1!$A$2:$A$5</c:f>
-              <c:strCache>
-                <c:ptCount val="4"/>
-                <c:pt idx="0">
-                  <c:v>MCL1</c:v>
-                </c:pt>
-                <c:pt idx="1">
-                  <c:v>MCL2</c:v>
-                </c:pt>
-                <c:pt idx="2">
-                  <c:v>MCL3</c:v>
-                </c:pt>
-                <c:pt idx="3">
-                  <c:v>MCL4</c:v>
-                </c:pt>
-              </c:strCache>
-            </c:strRef>
-          </c:cat>
-          <c:val>
-            <c:numRef>
-              <c:f>Tabelle1!$C$2:$C$5</c:f>
-              <c:numCache>
-                <c:formatCode>0</c:formatCode>
-                <c:ptCount val="4"/>
-                <c:pt idx="0">
-                  <c:v>68513.365935027294</c:v>
-                </c:pt>
-                <c:pt idx="1">
-                  <c:v>29183.328540945338</c:v>
-                </c:pt>
-                <c:pt idx="2">
-                  <c:v>130762.05048648942</c:v>
-                </c:pt>
-                <c:pt idx="3">
-                  <c:v>109173.62405771257</c:v>
-                </c:pt>
-              </c:numCache>
-            </c:numRef>
-          </c:val>
-        </c:ser>
-        <c:axId val="71722496"/>
-        <c:axId val="71724416"/>
-      </c:barChart>
-      <c:catAx>
-        <c:axId val="71722496"/>
-        <c:scaling>
-          <c:orientation val="minMax"/>
-        </c:scaling>
-        <c:axPos val="b"/>
-        <c:tickLblPos val="nextTo"/>
-        <c:crossAx val="71724416"/>
-        <c:crosses val="autoZero"/>
-        <c:auto val="1"/>
-        <c:lblAlgn val="ctr"/>
-        <c:lblOffset val="100"/>
-      </c:catAx>
-      <c:valAx>
-        <c:axId val="71724416"/>
-        <c:scaling>
-          <c:logBase val="10"/>
-          <c:orientation val="minMax"/>
-        </c:scaling>
-        <c:axPos val="l"/>
-        <c:majorGridlines/>
-        <c:title>
-          <c:tx>
-            <c:rich>
-              <a:bodyPr rot="-5400000" vert="horz"/>
-              <a:lstStyle/>
-              <a:p>
-                <a:pPr>
-                  <a:defRPr/>
-                </a:pPr>
-                <a:r>
-                  <a:rPr lang="de-DE" dirty="0" smtClean="0"/>
-                  <a:t>Energie-Effizienz in [Fenster\J]</a:t>
-                </a:r>
-                <a:endParaRPr lang="de-DE" dirty="0"/>
-              </a:p>
-            </c:rich>
-          </c:tx>
-          <c:layout/>
-        </c:title>
-        <c:numFmt formatCode="0" sourceLinked="1"/>
-        <c:tickLblPos val="nextTo"/>
-        <c:crossAx val="71722496"/>
-        <c:crosses val="autoZero"/>
-        <c:crossBetween val="between"/>
-      </c:valAx>
-    </c:plotArea>
-    <c:legend>
-      <c:legendPos val="r"/>
-      <c:layout/>
-    </c:legend>
-    <c:plotVisOnly val="1"/>
-  </c:chart>
-  <c:txPr>
-    <a:bodyPr/>
-    <a:lstStyle/>
-    <a:p>
-      <a:pPr>
-        <a:defRPr sz="1800"/>
-      </a:pPr>
-      <a:endParaRPr lang="de-DE"/>
-    </a:p>
-  </c:txPr>
-  <c:externalData r:id="rId1"/>
-</c:chartSpace>
-</file>
-
-<file path=ppt/charts/chart5.xml><?xml version="1.0" encoding="utf-8"?>
-<c:chartSpace xmlns:c="http://schemas.openxmlformats.org/drawingml/2006/chart" xmlns:a="http://schemas.openxmlformats.org/drawingml/2006/main" xmlns:r="http://schemas.openxmlformats.org/officeDocument/2006/relationships">
-  <c:lang val="de-DE"/>
-  <c:chart>
-    <c:title>
-      <c:tx>
-        <c:rich>
-          <a:bodyPr/>
-          <a:lstStyle/>
-          <a:p>
-            <a:pPr>
-              <a:defRPr/>
-            </a:pPr>
-            <a:r>
-              <a:rPr lang="de-DE" dirty="0" smtClean="0"/>
-              <a:t>Extraktionsrate </a:t>
-            </a:r>
-            <a:r>
-              <a:rPr lang="de-DE" dirty="0" smtClean="0"/>
-              <a:t>DSP</a:t>
-            </a:r>
-            <a:endParaRPr lang="de-DE" dirty="0"/>
-          </a:p>
-        </c:rich>
-      </c:tx>
-      <c:layout/>
-    </c:title>
-    <c:plotArea>
-      <c:layout/>
-      <c:barChart>
-        <c:barDir val="col"/>
-        <c:grouping val="clustered"/>
-        <c:ser>
-          <c:idx val="0"/>
-          <c:order val="0"/>
-          <c:tx>
-            <c:strRef>
-              <c:f>Tabelle1!$B$1</c:f>
-              <c:strCache>
-                <c:ptCount val="1"/>
-                <c:pt idx="0">
-                  <c:v>Referenz</c:v>
-                </c:pt>
-              </c:strCache>
-            </c:strRef>
-          </c:tx>
-          <c:dLbls>
-            <c:dLblPos val="outEnd"/>
-            <c:showVal val="1"/>
-          </c:dLbls>
-          <c:cat>
-            <c:strRef>
-              <c:f>Tabelle1!$A$2:$A$5</c:f>
-              <c:strCache>
-                <c:ptCount val="4"/>
-                <c:pt idx="0">
-                  <c:v>MCL1</c:v>
-                </c:pt>
-                <c:pt idx="1">
-                  <c:v>MCL2</c:v>
-                </c:pt>
-                <c:pt idx="2">
-                  <c:v>MCL3</c:v>
-                </c:pt>
-                <c:pt idx="3">
-                  <c:v>MCL4</c:v>
-                </c:pt>
-              </c:strCache>
-            </c:strRef>
-          </c:cat>
-          <c:val>
-            <c:numRef>
-              <c:f>Tabelle1!$B$2:$B$5</c:f>
-              <c:numCache>
-                <c:formatCode>0</c:formatCode>
-                <c:ptCount val="4"/>
-                <c:pt idx="0">
-                  <c:v>2229.8447386528842</c:v>
-                </c:pt>
-                <c:pt idx="1">
-                  <c:v>1903.6607728052668</c:v>
-                </c:pt>
-                <c:pt idx="2">
-                  <c:v>39699.10961007062</c:v>
-                </c:pt>
-                <c:pt idx="3">
-                  <c:v>2381.601438170459</c:v>
-                </c:pt>
-              </c:numCache>
-            </c:numRef>
-          </c:val>
-        </c:ser>
-        <c:ser>
-          <c:idx val="1"/>
-          <c:order val="1"/>
-          <c:tx>
-            <c:strRef>
-              <c:f>Tabelle1!$C$1</c:f>
-              <c:strCache>
-                <c:ptCount val="1"/>
-                <c:pt idx="0">
-                  <c:v>Optimiert</c:v>
-                </c:pt>
-              </c:strCache>
-            </c:strRef>
-          </c:tx>
-          <c:dLbls>
-            <c:dLblPos val="outEnd"/>
-            <c:showVal val="1"/>
-          </c:dLbls>
-          <c:cat>
-            <c:strRef>
-              <c:f>Tabelle1!$A$2:$A$5</c:f>
-              <c:strCache>
-                <c:ptCount val="4"/>
-                <c:pt idx="0">
-                  <c:v>MCL1</c:v>
-                </c:pt>
-                <c:pt idx="1">
-                  <c:v>MCL2</c:v>
-                </c:pt>
-                <c:pt idx="2">
-                  <c:v>MCL3</c:v>
-                </c:pt>
-                <c:pt idx="3">
-                  <c:v>MCL4</c:v>
-                </c:pt>
-              </c:strCache>
-            </c:strRef>
-          </c:cat>
-          <c:val>
-            <c:numRef>
-              <c:f>Tabelle1!$C$2:$C$5</c:f>
-              <c:numCache>
-                <c:formatCode>0</c:formatCode>
-                <c:ptCount val="4"/>
-                <c:pt idx="0">
-                  <c:v>20982.084901986243</c:v>
-                </c:pt>
-                <c:pt idx="1">
-                  <c:v>13029.036859321683</c:v>
-                </c:pt>
-                <c:pt idx="2">
-                  <c:v>165960.72391220639</c:v>
-                </c:pt>
-                <c:pt idx="3">
-                  <c:v>24960.426238369175</c:v>
-                </c:pt>
-              </c:numCache>
-            </c:numRef>
-          </c:val>
-        </c:ser>
-        <c:axId val="71670016"/>
-        <c:axId val="71702016"/>
-      </c:barChart>
-      <c:catAx>
-        <c:axId val="71670016"/>
-        <c:scaling>
-          <c:orientation val="minMax"/>
-        </c:scaling>
-        <c:axPos val="b"/>
-        <c:tickLblPos val="nextTo"/>
-        <c:crossAx val="71702016"/>
-        <c:crosses val="autoZero"/>
-        <c:auto val="1"/>
-        <c:lblAlgn val="ctr"/>
-        <c:lblOffset val="100"/>
-      </c:catAx>
-      <c:valAx>
-        <c:axId val="71702016"/>
-        <c:scaling>
-          <c:logBase val="10"/>
-          <c:orientation val="minMax"/>
-        </c:scaling>
-        <c:axPos val="l"/>
-        <c:majorGridlines/>
-        <c:title>
-          <c:tx>
-            <c:rich>
-              <a:bodyPr rot="-5400000" vert="horz"/>
-              <a:lstStyle/>
-              <a:p>
-                <a:pPr>
-                  <a:defRPr/>
-                </a:pPr>
-                <a:r>
-                  <a:rPr lang="de-DE" dirty="0" smtClean="0"/>
-                  <a:t>Extraktionsrate in [Fenster/s]</a:t>
-                </a:r>
-              </a:p>
-              <a:p>
-                <a:pPr>
-                  <a:defRPr/>
-                </a:pPr>
-                <a:endParaRPr lang="de-DE" dirty="0"/>
-              </a:p>
-            </c:rich>
-          </c:tx>
-          <c:layout/>
-        </c:title>
-        <c:numFmt formatCode="0" sourceLinked="1"/>
-        <c:tickLblPos val="nextTo"/>
-        <c:crossAx val="71670016"/>
-        <c:crosses val="autoZero"/>
-        <c:crossBetween val="between"/>
-      </c:valAx>
-    </c:plotArea>
-    <c:legend>
-      <c:legendPos val="r"/>
-      <c:layout/>
-    </c:legend>
-    <c:plotVisOnly val="1"/>
-  </c:chart>
-  <c:txPr>
-    <a:bodyPr/>
-    <a:lstStyle/>
-    <a:p>
-      <a:pPr>
-        <a:defRPr sz="1800"/>
-      </a:pPr>
-      <a:endParaRPr lang="de-DE"/>
-    </a:p>
-  </c:txPr>
-  <c:externalData r:id="rId1"/>
-</c:chartSpace>
-</file>
-
-<file path=ppt/charts/chart6.xml><?xml version="1.0" encoding="utf-8"?>
-<c:chartSpace xmlns:c="http://schemas.openxmlformats.org/drawingml/2006/chart" xmlns:a="http://schemas.openxmlformats.org/drawingml/2006/main" xmlns:r="http://schemas.openxmlformats.org/officeDocument/2006/relationships">
-  <c:lang val="de-DE"/>
-  <c:chart>
-    <c:title>
-      <c:tx>
-        <c:rich>
-          <a:bodyPr/>
-          <a:lstStyle/>
-          <a:p>
-            <a:pPr>
-              <a:defRPr/>
-            </a:pPr>
-            <a:r>
-              <a:rPr lang="de-DE" dirty="0" smtClean="0"/>
-              <a:t>Energie-Effizienz </a:t>
-            </a:r>
-            <a:r>
-              <a:rPr lang="de-DE" dirty="0" smtClean="0"/>
-              <a:t>DSP</a:t>
-            </a:r>
-            <a:endParaRPr lang="de-DE" dirty="0" smtClean="0"/>
-          </a:p>
-        </c:rich>
-      </c:tx>
-      <c:layout/>
-    </c:title>
-    <c:plotArea>
-      <c:layout/>
-      <c:barChart>
-        <c:barDir val="col"/>
-        <c:grouping val="clustered"/>
-        <c:ser>
-          <c:idx val="0"/>
-          <c:order val="0"/>
-          <c:tx>
-            <c:strRef>
-              <c:f>Tabelle1!$B$1</c:f>
-              <c:strCache>
-                <c:ptCount val="1"/>
-                <c:pt idx="0">
-                  <c:v>Referenz</c:v>
-                </c:pt>
-              </c:strCache>
-            </c:strRef>
-          </c:tx>
-          <c:dLbls>
-            <c:dLblPos val="outEnd"/>
-            <c:showVal val="1"/>
-          </c:dLbls>
-          <c:cat>
-            <c:strRef>
-              <c:f>Tabelle1!$A$2:$A$5</c:f>
-              <c:strCache>
-                <c:ptCount val="4"/>
-                <c:pt idx="0">
-                  <c:v>MCL1</c:v>
-                </c:pt>
-                <c:pt idx="1">
-                  <c:v>MCL2</c:v>
-                </c:pt>
-                <c:pt idx="2">
-                  <c:v>MCL3</c:v>
-                </c:pt>
-                <c:pt idx="3">
-                  <c:v>MCL4</c:v>
-                </c:pt>
-              </c:strCache>
-            </c:strRef>
-          </c:cat>
-          <c:val>
-            <c:numRef>
-              <c:f>Tabelle1!$B$2:$B$5</c:f>
-              <c:numCache>
-                <c:formatCode>0</c:formatCode>
-                <c:ptCount val="4"/>
-                <c:pt idx="0">
-                  <c:v>11261.842114408508</c:v>
-                </c:pt>
-                <c:pt idx="1">
-                  <c:v>9614.4483475013476</c:v>
-                </c:pt>
-                <c:pt idx="2">
-                  <c:v>200500.55358621528</c:v>
-                </c:pt>
-                <c:pt idx="3">
-                  <c:v>12028.290091769995</c:v>
-                </c:pt>
-              </c:numCache>
-            </c:numRef>
-          </c:val>
-        </c:ser>
-        <c:ser>
-          <c:idx val="1"/>
-          <c:order val="1"/>
-          <c:tx>
-            <c:strRef>
-              <c:f>Tabelle1!$C$1</c:f>
-              <c:strCache>
-                <c:ptCount val="1"/>
-                <c:pt idx="0">
-                  <c:v>Optimiert</c:v>
-                </c:pt>
-              </c:strCache>
-            </c:strRef>
-          </c:tx>
-          <c:dLbls>
-            <c:dLblPos val="outEnd"/>
-            <c:showVal val="1"/>
-          </c:dLbls>
-          <c:cat>
-            <c:strRef>
-              <c:f>Tabelle1!$A$2:$A$5</c:f>
-              <c:strCache>
-                <c:ptCount val="4"/>
-                <c:pt idx="0">
-                  <c:v>MCL1</c:v>
-                </c:pt>
-                <c:pt idx="1">
-                  <c:v>MCL2</c:v>
-                </c:pt>
-                <c:pt idx="2">
-                  <c:v>MCL3</c:v>
-                </c:pt>
-                <c:pt idx="3">
-                  <c:v>MCL4</c:v>
-                </c:pt>
-              </c:strCache>
-            </c:strRef>
-          </c:cat>
-          <c:val>
-            <c:numRef>
-              <c:f>Tabelle1!$C$2:$C$5</c:f>
-              <c:numCache>
-                <c:formatCode>0</c:formatCode>
-                <c:ptCount val="4"/>
-                <c:pt idx="0">
-                  <c:v>105970.1257676073</c:v>
-                </c:pt>
-                <c:pt idx="1">
-                  <c:v>65803.216461220625</c:v>
-                </c:pt>
-                <c:pt idx="2">
-                  <c:v>838185.47430407279</c:v>
-                </c:pt>
-                <c:pt idx="3">
-                  <c:v>126062.7587796423</c:v>
-                </c:pt>
-              </c:numCache>
-            </c:numRef>
-          </c:val>
-        </c:ser>
-        <c:axId val="72307072"/>
-        <c:axId val="72308992"/>
-      </c:barChart>
-      <c:catAx>
-        <c:axId val="72307072"/>
-        <c:scaling>
-          <c:orientation val="minMax"/>
-        </c:scaling>
-        <c:axPos val="b"/>
-        <c:tickLblPos val="nextTo"/>
-        <c:crossAx val="72308992"/>
-        <c:crosses val="autoZero"/>
-        <c:auto val="1"/>
-        <c:lblAlgn val="ctr"/>
-        <c:lblOffset val="100"/>
-      </c:catAx>
-      <c:valAx>
-        <c:axId val="72308992"/>
-        <c:scaling>
-          <c:logBase val="10"/>
-          <c:orientation val="minMax"/>
-        </c:scaling>
-        <c:axPos val="l"/>
-        <c:majorGridlines/>
-        <c:title>
-          <c:tx>
-            <c:rich>
-              <a:bodyPr rot="-5400000" vert="horz"/>
-              <a:lstStyle/>
-              <a:p>
-                <a:pPr>
-                  <a:defRPr/>
-                </a:pPr>
-                <a:r>
-                  <a:rPr lang="de-DE" dirty="0" smtClean="0"/>
-                  <a:t>Energie-Effizienz in [Fenster\J]</a:t>
-                </a:r>
-                <a:endParaRPr lang="de-DE" dirty="0"/>
-              </a:p>
-            </c:rich>
-          </c:tx>
-          <c:layout/>
-        </c:title>
-        <c:numFmt formatCode="0" sourceLinked="1"/>
-        <c:tickLblPos val="nextTo"/>
-        <c:crossAx val="72307072"/>
-        <c:crosses val="autoZero"/>
-        <c:crossBetween val="between"/>
-      </c:valAx>
-    </c:plotArea>
-    <c:legend>
-      <c:legendPos val="r"/>
-      <c:layout/>
-    </c:legend>
-    <c:plotVisOnly val="1"/>
-  </c:chart>
-  <c:txPr>
-    <a:bodyPr/>
-    <a:lstStyle/>
-    <a:p>
-      <a:pPr>
-        <a:defRPr sz="1800"/>
-      </a:pPr>
-      <a:endParaRPr lang="de-DE"/>
-    </a:p>
-  </c:txPr>
-  <c:externalData r:id="rId1"/>
-</c:chartSpace>
-</file>
-
-<file path=ppt/charts/chart7.xml><?xml version="1.0" encoding="utf-8"?>
-<c:chartSpace xmlns:c="http://schemas.openxmlformats.org/drawingml/2006/chart" xmlns:a="http://schemas.openxmlformats.org/drawingml/2006/main" xmlns:r="http://schemas.openxmlformats.org/officeDocument/2006/relationships">
-  <c:lang val="de-DE"/>
-  <c:chart>
-    <c:title>
-      <c:tx>
-        <c:rich>
-          <a:bodyPr/>
-          <a:lstStyle/>
-          <a:p>
-            <a:pPr>
-              <a:defRPr/>
-            </a:pPr>
-            <a:r>
-              <a:rPr lang="de-DE" dirty="0" smtClean="0"/>
-              <a:t>Laufzeit</a:t>
-            </a:r>
-            <a:r>
-              <a:rPr lang="de-DE" baseline="0" dirty="0" smtClean="0"/>
-              <a:t> ARM vs. Heterogenes System</a:t>
-            </a:r>
-            <a:endParaRPr lang="de-DE" dirty="0"/>
-          </a:p>
-        </c:rich>
-      </c:tx>
-      <c:layout/>
-    </c:title>
-    <c:plotArea>
-      <c:layout/>
-      <c:barChart>
-        <c:barDir val="col"/>
-        <c:grouping val="clustered"/>
-        <c:ser>
-          <c:idx val="0"/>
-          <c:order val="0"/>
-          <c:tx>
-            <c:strRef>
-              <c:f>Tabelle1!$B$1</c:f>
-              <c:strCache>
-                <c:ptCount val="1"/>
-                <c:pt idx="0">
-                  <c:v>ARM</c:v>
-                </c:pt>
-              </c:strCache>
-            </c:strRef>
-          </c:tx>
-          <c:dLbls>
-            <c:dLblPos val="outEnd"/>
-            <c:showVal val="1"/>
-          </c:dLbls>
-          <c:cat>
-            <c:strRef>
-              <c:f>Tabelle1!$A$2:$A$5</c:f>
-              <c:strCache>
-                <c:ptCount val="4"/>
-                <c:pt idx="0">
-                  <c:v>MCL1</c:v>
-                </c:pt>
-                <c:pt idx="1">
-                  <c:v>MCL2</c:v>
-                </c:pt>
-                <c:pt idx="2">
-                  <c:v>MCL3</c:v>
-                </c:pt>
-                <c:pt idx="3">
-                  <c:v>MCL4</c:v>
-                </c:pt>
-              </c:strCache>
-            </c:strRef>
-          </c:cat>
-          <c:val>
-            <c:numRef>
-              <c:f>Tabelle1!$B$2:$B$5</c:f>
-              <c:numCache>
-                <c:formatCode>0</c:formatCode>
-                <c:ptCount val="4"/>
-                <c:pt idx="0">
-                  <c:v>115.52</c:v>
-                </c:pt>
-                <c:pt idx="1">
-                  <c:v>673.77</c:v>
-                </c:pt>
-                <c:pt idx="2">
-                  <c:v>69.080000000000013</c:v>
-                </c:pt>
-                <c:pt idx="3">
-                  <c:v>93.83</c:v>
-                </c:pt>
-              </c:numCache>
-            </c:numRef>
-          </c:val>
-        </c:ser>
-        <c:ser>
-          <c:idx val="1"/>
-          <c:order val="1"/>
-          <c:tx>
-            <c:strRef>
-              <c:f>Tabelle1!$C$1</c:f>
-              <c:strCache>
-                <c:ptCount val="1"/>
-                <c:pt idx="0">
-                  <c:v>heterogenes System</c:v>
-                </c:pt>
-              </c:strCache>
-            </c:strRef>
-          </c:tx>
-          <c:dLbls>
-            <c:dLblPos val="outEnd"/>
-            <c:showVal val="1"/>
-          </c:dLbls>
-          <c:cat>
-            <c:strRef>
-              <c:f>Tabelle1!$A$2:$A$5</c:f>
-              <c:strCache>
-                <c:ptCount val="4"/>
-                <c:pt idx="0">
-                  <c:v>MCL1</c:v>
-                </c:pt>
-                <c:pt idx="1">
-                  <c:v>MCL2</c:v>
-                </c:pt>
-                <c:pt idx="2">
-                  <c:v>MCL3</c:v>
-                </c:pt>
-                <c:pt idx="3">
-                  <c:v>MCL4</c:v>
-                </c:pt>
-              </c:strCache>
-            </c:strRef>
-          </c:cat>
-          <c:val>
-            <c:numRef>
-              <c:f>Tabelle1!$C$2:$C$5</c:f>
-              <c:numCache>
-                <c:formatCode>0</c:formatCode>
-                <c:ptCount val="4"/>
-                <c:pt idx="0">
-                  <c:v>69.47399999999999</c:v>
-                </c:pt>
-                <c:pt idx="1">
-                  <c:v>352.04300000000001</c:v>
-                </c:pt>
-                <c:pt idx="2">
-                  <c:v>22.361000000000001</c:v>
-                </c:pt>
-                <c:pt idx="3">
-                  <c:v>79.551999999999992</c:v>
-                </c:pt>
-              </c:numCache>
-            </c:numRef>
-          </c:val>
-        </c:ser>
-        <c:axId val="78240768"/>
-        <c:axId val="78715520"/>
-      </c:barChart>
-      <c:catAx>
-        <c:axId val="78240768"/>
-        <c:scaling>
-          <c:orientation val="minMax"/>
-        </c:scaling>
-        <c:axPos val="b"/>
-        <c:tickLblPos val="nextTo"/>
-        <c:crossAx val="78715520"/>
-        <c:crosses val="autoZero"/>
-        <c:auto val="1"/>
-        <c:lblAlgn val="ctr"/>
-        <c:lblOffset val="100"/>
-      </c:catAx>
-      <c:valAx>
-        <c:axId val="78715520"/>
-        <c:scaling>
-          <c:logBase val="10"/>
-          <c:orientation val="minMax"/>
-        </c:scaling>
-        <c:axPos val="l"/>
-        <c:majorGridlines/>
-        <c:title>
-          <c:tx>
-            <c:rich>
-              <a:bodyPr rot="-5400000" vert="horz"/>
-              <a:lstStyle/>
-              <a:p>
-                <a:pPr>
-                  <a:defRPr/>
-                </a:pPr>
-                <a:r>
-                  <a:rPr lang="de-DE" dirty="0" smtClean="0"/>
-                  <a:t>Laufzeit in [</a:t>
-                </a:r>
-                <a:r>
-                  <a:rPr lang="de-DE" dirty="0" err="1" smtClean="0"/>
-                  <a:t>ms</a:t>
-                </a:r>
-                <a:r>
-                  <a:rPr lang="de-DE" dirty="0" smtClean="0"/>
-                  <a:t>]</a:t>
-                </a:r>
-              </a:p>
-              <a:p>
-                <a:pPr>
-                  <a:defRPr/>
-                </a:pPr>
-                <a:endParaRPr lang="de-DE" dirty="0"/>
-              </a:p>
-            </c:rich>
-          </c:tx>
-          <c:layout/>
-        </c:title>
-        <c:numFmt formatCode="0" sourceLinked="1"/>
-        <c:tickLblPos val="nextTo"/>
-        <c:crossAx val="78240768"/>
-        <c:crosses val="autoZero"/>
-        <c:crossBetween val="between"/>
-      </c:valAx>
-    </c:plotArea>
-    <c:legend>
-      <c:legendPos val="r"/>
-      <c:layout/>
-    </c:legend>
-    <c:plotVisOnly val="1"/>
-  </c:chart>
-  <c:txPr>
-    <a:bodyPr/>
-    <a:lstStyle/>
-    <a:p>
-      <a:pPr>
-        <a:defRPr sz="1800"/>
-      </a:pPr>
-      <a:endParaRPr lang="de-DE"/>
-    </a:p>
-  </c:txPr>
-  <c:externalData r:id="rId1"/>
-</c:chartSpace>
-</file>
-
-<file path=ppt/charts/chart8.xml><?xml version="1.0" encoding="utf-8"?>
-<c:chartSpace xmlns:c="http://schemas.openxmlformats.org/drawingml/2006/chart" xmlns:a="http://schemas.openxmlformats.org/drawingml/2006/main" xmlns:r="http://schemas.openxmlformats.org/officeDocument/2006/relationships">
-  <c:lang val="de-DE"/>
-  <c:chart>
-    <c:title>
-      <c:tx>
-        <c:rich>
-          <a:bodyPr/>
-          <a:lstStyle/>
-          <a:p>
-            <a:pPr>
-              <a:defRPr/>
-            </a:pPr>
-            <a:r>
-              <a:rPr lang="de-DE" dirty="0" smtClean="0"/>
-              <a:t>Energie-Effizienz </a:t>
-            </a:r>
-            <a:r>
-              <a:rPr lang="de-DE" dirty="0" smtClean="0"/>
-              <a:t>ARM vs. Heterogenes System</a:t>
-            </a:r>
-            <a:endParaRPr lang="de-DE" dirty="0" smtClean="0"/>
-          </a:p>
-        </c:rich>
-      </c:tx>
-      <c:layout/>
-    </c:title>
-    <c:plotArea>
-      <c:layout/>
-      <c:barChart>
-        <c:barDir val="col"/>
-        <c:grouping val="clustered"/>
-        <c:ser>
-          <c:idx val="0"/>
-          <c:order val="0"/>
-          <c:tx>
-            <c:strRef>
-              <c:f>Tabelle1!$B$1</c:f>
-              <c:strCache>
-                <c:ptCount val="1"/>
-                <c:pt idx="0">
-                  <c:v>ARM</c:v>
-                </c:pt>
-              </c:strCache>
-            </c:strRef>
-          </c:tx>
-          <c:dLbls>
-            <c:dLblPos val="outEnd"/>
-            <c:showVal val="1"/>
-          </c:dLbls>
-          <c:cat>
-            <c:strRef>
-              <c:f>Tabelle1!$A$2:$A$5</c:f>
-              <c:strCache>
-                <c:ptCount val="4"/>
-                <c:pt idx="0">
-                  <c:v>MCL1</c:v>
-                </c:pt>
-                <c:pt idx="1">
-                  <c:v>MCL2</c:v>
-                </c:pt>
-                <c:pt idx="2">
-                  <c:v>MCL3</c:v>
-                </c:pt>
-                <c:pt idx="3">
-                  <c:v>MCL4</c:v>
-                </c:pt>
-              </c:strCache>
-            </c:strRef>
-          </c:cat>
-          <c:val>
-            <c:numRef>
-              <c:f>Tabelle1!$B$2:$B$5</c:f>
-              <c:numCache>
-                <c:formatCode>0</c:formatCode>
-                <c:ptCount val="4"/>
-                <c:pt idx="0">
-                  <c:v>51.221950859709224</c:v>
-                </c:pt>
-                <c:pt idx="1">
-                  <c:v>8.7821656697591308</c:v>
-                </c:pt>
-                <c:pt idx="2">
-                  <c:v>85.656626567944528</c:v>
-                </c:pt>
-                <c:pt idx="3">
-                  <c:v>63.062557426341357</c:v>
-                </c:pt>
-              </c:numCache>
-            </c:numRef>
-          </c:val>
-        </c:ser>
-        <c:ser>
-          <c:idx val="1"/>
-          <c:order val="1"/>
-          <c:tx>
-            <c:strRef>
-              <c:f>Tabelle1!$C$1</c:f>
-              <c:strCache>
-                <c:ptCount val="1"/>
-                <c:pt idx="0">
-                  <c:v>heterogenes System</c:v>
-                </c:pt>
-              </c:strCache>
-            </c:strRef>
-          </c:tx>
-          <c:dLbls>
-            <c:dLblPos val="outEnd"/>
-            <c:showVal val="1"/>
-          </c:dLbls>
-          <c:cat>
-            <c:strRef>
-              <c:f>Tabelle1!$A$2:$A$5</c:f>
-              <c:strCache>
-                <c:ptCount val="4"/>
-                <c:pt idx="0">
-                  <c:v>MCL1</c:v>
-                </c:pt>
-                <c:pt idx="1">
-                  <c:v>MCL2</c:v>
-                </c:pt>
-                <c:pt idx="2">
-                  <c:v>MCL3</c:v>
-                </c:pt>
-                <c:pt idx="3">
-                  <c:v>MCL4</c:v>
-                </c:pt>
-              </c:strCache>
-            </c:strRef>
-          </c:cat>
-          <c:val>
-            <c:numRef>
-              <c:f>Tabelle1!$C$2:$C$5</c:f>
-              <c:numCache>
-                <c:formatCode>0</c:formatCode>
-                <c:ptCount val="4"/>
-                <c:pt idx="0">
-                  <c:v>39.220365033350255</c:v>
-                </c:pt>
-                <c:pt idx="1">
-                  <c:v>7.7399512000720811</c:v>
-                </c:pt>
-                <c:pt idx="2">
-                  <c:v>121.85482046093536</c:v>
-                </c:pt>
-                <c:pt idx="3">
-                  <c:v>63.062557426341357</c:v>
-                </c:pt>
-              </c:numCache>
-            </c:numRef>
-          </c:val>
-        </c:ser>
-        <c:axId val="78897536"/>
-        <c:axId val="78899072"/>
-      </c:barChart>
-      <c:catAx>
-        <c:axId val="78897536"/>
-        <c:scaling>
-          <c:orientation val="minMax"/>
-        </c:scaling>
-        <c:axPos val="b"/>
-        <c:tickLblPos val="nextTo"/>
-        <c:crossAx val="78899072"/>
-        <c:crosses val="autoZero"/>
-        <c:auto val="1"/>
-        <c:lblAlgn val="ctr"/>
-        <c:lblOffset val="100"/>
-      </c:catAx>
-      <c:valAx>
-        <c:axId val="78899072"/>
-        <c:scaling>
-          <c:logBase val="10"/>
-          <c:orientation val="minMax"/>
-        </c:scaling>
-        <c:axPos val="l"/>
-        <c:majorGridlines/>
-        <c:title>
-          <c:tx>
-            <c:rich>
-              <a:bodyPr rot="-5400000" vert="horz"/>
-              <a:lstStyle/>
-              <a:p>
-                <a:pPr>
-                  <a:defRPr/>
-                </a:pPr>
-                <a:r>
-                  <a:rPr lang="de-DE" dirty="0" smtClean="0"/>
-                  <a:t>Energie-Effizienz in </a:t>
-                </a:r>
-                <a:r>
-                  <a:rPr lang="de-DE" dirty="0" smtClean="0"/>
-                  <a:t>[Klassifikationen\J</a:t>
-                </a:r>
-                <a:r>
-                  <a:rPr lang="de-DE" dirty="0" smtClean="0"/>
-                  <a:t>]</a:t>
-                </a:r>
-                <a:endParaRPr lang="de-DE" dirty="0"/>
-              </a:p>
-            </c:rich>
-          </c:tx>
-          <c:layout/>
-        </c:title>
-        <c:numFmt formatCode="0" sourceLinked="1"/>
-        <c:tickLblPos val="nextTo"/>
-        <c:crossAx val="78897536"/>
-        <c:crosses val="autoZero"/>
-        <c:crossBetween val="between"/>
-      </c:valAx>
-    </c:plotArea>
-    <c:legend>
-      <c:legendPos val="r"/>
-      <c:layout/>
-    </c:legend>
-    <c:plotVisOnly val="1"/>
-  </c:chart>
-  <c:txPr>
-    <a:bodyPr/>
-    <a:lstStyle/>
-    <a:p>
-      <a:pPr>
-        <a:defRPr sz="1800"/>
-      </a:pPr>
-      <a:endParaRPr lang="de-DE"/>
-    </a:p>
-  </c:txPr>
-  <c:externalData r:id="rId1"/>
-</c:chartSpace>
 </file>
 
 <file path=ppt/notesMasters/notesMaster1.xml><?xml version="1.0" encoding="utf-8"?>
@@ -5400,26 +3572,25 @@
           <a:chExt cx="0" cy="0"/>
         </a:xfrm>
       </p:grpSpPr>
-      <p:graphicFrame>
-        <p:nvGraphicFramePr>
-          <p:cNvPr id="4" name="Inhaltsplatzhalter 3"/>
-          <p:cNvGraphicFramePr>
-            <a:graphicFrameLocks noGrp="1"/>
-          </p:cNvGraphicFramePr>
+      <p:sp>
+        <p:nvSpPr>
+          <p:cNvPr id="5" name="Inhaltsplatzhalter 4"/>
+          <p:cNvSpPr>
+            <a:spLocks noGrp="1"/>
+          </p:cNvSpPr>
           <p:nvPr>
             <p:ph idx="1"/>
           </p:nvPr>
-        </p:nvGraphicFramePr>
-        <p:xfrm>
-          <a:off x="503238" y="1665288"/>
-          <a:ext cx="8412162" cy="4659312"/>
-        </p:xfrm>
-        <a:graphic>
-          <a:graphicData uri="http://schemas.openxmlformats.org/drawingml/2006/chart">
-            <c:chart xmlns:c="http://schemas.openxmlformats.org/drawingml/2006/chart" xmlns:r="http://schemas.openxmlformats.org/officeDocument/2006/relationships" r:id="rId2"/>
-          </a:graphicData>
-        </a:graphic>
-      </p:graphicFrame>
+        </p:nvSpPr>
+        <p:spPr/>
+        <p:txBody>
+          <a:bodyPr/>
+          <a:lstStyle/>
+          <a:p>
+            <a:endParaRPr lang="de-DE" dirty="0"/>
+          </a:p>
+        </p:txBody>
+      </p:sp>
       <p:sp>
         <p:nvSpPr>
           <p:cNvPr id="3" name="Titel 2"/>
@@ -5437,7 +3608,7 @@
           <a:p>
             <a:r>
               <a:rPr lang="de-DE" dirty="0" smtClean="0"/>
-              <a:t>Optimierung DSP</a:t>
+              <a:t>MFCC: DSP-Optimierung</a:t>
             </a:r>
             <a:endParaRPr lang="de-DE" dirty="0"/>
           </a:p>
@@ -5485,48 +3656,897 @@
           <a:p>
             <a:r>
               <a:rPr lang="de-DE" dirty="0" smtClean="0"/>
-              <a:t>Evaluation ARM</a:t>
+              <a:t>Merkmalssätze und Bewertungsmetriken</a:t>
             </a:r>
             <a:endParaRPr lang="de-DE" dirty="0"/>
           </a:p>
         </p:txBody>
       </p:sp>
-      <p:graphicFrame>
-        <p:nvGraphicFramePr>
-          <p:cNvPr id="6" name="Inhaltsplatzhalter 5"/>
-          <p:cNvGraphicFramePr>
-            <a:graphicFrameLocks noGrp="1"/>
-          </p:cNvGraphicFramePr>
+      <p:sp>
+        <p:nvSpPr>
+          <p:cNvPr id="5" name="Inhaltsplatzhalter 4"/>
+          <p:cNvSpPr>
+            <a:spLocks noGrp="1"/>
+          </p:cNvSpPr>
           <p:nvPr>
             <p:ph idx="1"/>
           </p:nvPr>
+        </p:nvSpPr>
+        <p:spPr>
+          <a:xfrm>
+            <a:off x="503238" y="1665288"/>
+            <a:ext cx="8412162" cy="2123752"/>
+          </a:xfrm>
+          <a:ln>
+            <a:noFill/>
+          </a:ln>
+        </p:spPr>
+        <p:txBody>
+          <a:bodyPr numCol="4"/>
+          <a:lstStyle/>
+          <a:p>
+            <a:r>
+              <a:rPr lang="de-DE" dirty="0" err="1" smtClean="0"/>
+              <a:t>Spectral</a:t>
+            </a:r>
+            <a:r>
+              <a:rPr lang="de-DE" dirty="0" smtClean="0"/>
+              <a:t> </a:t>
+            </a:r>
+            <a:r>
+              <a:rPr lang="de-DE" dirty="0" err="1" smtClean="0"/>
+              <a:t>Contrast</a:t>
+            </a:r>
+            <a:endParaRPr lang="de-DE" dirty="0" smtClean="0"/>
+          </a:p>
+          <a:p>
+            <a:r>
+              <a:rPr lang="de-DE" dirty="0" err="1" smtClean="0"/>
+              <a:t>Spectral</a:t>
+            </a:r>
+            <a:r>
+              <a:rPr lang="de-DE" dirty="0" smtClean="0"/>
+              <a:t> </a:t>
+            </a:r>
+            <a:r>
+              <a:rPr lang="de-DE" dirty="0" err="1" smtClean="0"/>
+              <a:t>Rolloff</a:t>
+            </a:r>
+            <a:endParaRPr lang="de-DE" dirty="0" smtClean="0"/>
+          </a:p>
+          <a:p>
+            <a:r>
+              <a:rPr lang="de-DE" dirty="0" err="1" smtClean="0"/>
+              <a:t>Spectral</a:t>
+            </a:r>
+            <a:r>
+              <a:rPr lang="de-DE" dirty="0" smtClean="0"/>
+              <a:t> </a:t>
+            </a:r>
+            <a:r>
+              <a:rPr lang="de-DE" dirty="0" err="1" smtClean="0"/>
+              <a:t>Flux</a:t>
+            </a:r>
+            <a:endParaRPr lang="de-DE" dirty="0" smtClean="0"/>
+          </a:p>
+          <a:p>
+            <a:r>
+              <a:rPr lang="de-DE" dirty="0" smtClean="0"/>
+              <a:t>MFCC</a:t>
+            </a:r>
+          </a:p>
+          <a:p>
+            <a:r>
+              <a:rPr lang="de-DE" dirty="0" smtClean="0"/>
+              <a:t>NASE</a:t>
+            </a:r>
+          </a:p>
+          <a:p>
+            <a:r>
+              <a:rPr lang="de-DE" dirty="0" smtClean="0"/>
+              <a:t>Octave </a:t>
+            </a:r>
+            <a:r>
+              <a:rPr lang="de-DE" dirty="0" err="1" smtClean="0"/>
+              <a:t>Spactral</a:t>
+            </a:r>
+            <a:r>
+              <a:rPr lang="de-DE" dirty="0" smtClean="0"/>
+              <a:t> </a:t>
+            </a:r>
+            <a:r>
+              <a:rPr lang="de-DE" dirty="0" err="1" smtClean="0"/>
+              <a:t>Contrast</a:t>
+            </a:r>
+            <a:endParaRPr lang="de-DE" dirty="0" smtClean="0"/>
+          </a:p>
+          <a:p>
+            <a:r>
+              <a:rPr lang="de-DE" dirty="0" smtClean="0"/>
+              <a:t>Low </a:t>
+            </a:r>
+            <a:r>
+              <a:rPr lang="de-DE" dirty="0" err="1" smtClean="0"/>
+              <a:t>Energy</a:t>
+            </a:r>
+            <a:endParaRPr lang="de-DE" dirty="0" smtClean="0"/>
+          </a:p>
+          <a:p>
+            <a:r>
+              <a:rPr lang="de-DE" dirty="0" smtClean="0"/>
+              <a:t>Root </a:t>
+            </a:r>
+            <a:r>
+              <a:rPr lang="de-DE" dirty="0" err="1" smtClean="0"/>
+              <a:t>Mean</a:t>
+            </a:r>
+            <a:r>
+              <a:rPr lang="de-DE" dirty="0" smtClean="0"/>
+              <a:t> Square</a:t>
+            </a:r>
+          </a:p>
+          <a:p>
+            <a:r>
+              <a:rPr lang="de-DE" dirty="0" smtClean="0"/>
+              <a:t>Zero </a:t>
+            </a:r>
+            <a:r>
+              <a:rPr lang="de-DE" dirty="0" err="1" smtClean="0"/>
+              <a:t>Crossing</a:t>
+            </a:r>
+            <a:r>
+              <a:rPr lang="de-DE" dirty="0" smtClean="0"/>
+              <a:t> Rate</a:t>
+            </a:r>
+          </a:p>
+          <a:p>
+            <a:r>
+              <a:rPr lang="de-DE" dirty="0" smtClean="0"/>
+              <a:t>Amplitude of Maximum in Chromagram</a:t>
+            </a:r>
+          </a:p>
+          <a:p>
+            <a:r>
+              <a:rPr lang="de-DE" dirty="0" err="1" smtClean="0"/>
+              <a:t>Spectral</a:t>
+            </a:r>
+            <a:r>
+              <a:rPr lang="de-DE" dirty="0" smtClean="0"/>
+              <a:t> </a:t>
+            </a:r>
+            <a:r>
+              <a:rPr lang="de-DE" dirty="0" err="1" smtClean="0"/>
+              <a:t>Crest</a:t>
+            </a:r>
+            <a:r>
+              <a:rPr lang="de-DE" dirty="0" smtClean="0"/>
+              <a:t> </a:t>
+            </a:r>
+            <a:r>
+              <a:rPr lang="de-DE" dirty="0" err="1" smtClean="0"/>
+              <a:t>Factor</a:t>
+            </a:r>
+            <a:endParaRPr lang="de-DE" dirty="0" smtClean="0"/>
+          </a:p>
+          <a:p>
+            <a:r>
+              <a:rPr lang="de-DE" dirty="0" smtClean="0"/>
+              <a:t>Sub-band </a:t>
+            </a:r>
+            <a:r>
+              <a:rPr lang="de-DE" dirty="0" err="1" smtClean="0"/>
+              <a:t>Energy</a:t>
+            </a:r>
+            <a:r>
+              <a:rPr lang="de-DE" dirty="0" smtClean="0"/>
+              <a:t> Ratio</a:t>
+            </a:r>
+          </a:p>
+          <a:p>
+            <a:r>
+              <a:rPr lang="de-DE" dirty="0" smtClean="0"/>
+              <a:t>RMD</a:t>
+            </a:r>
+          </a:p>
+          <a:p>
+            <a:r>
+              <a:rPr lang="de-DE" dirty="0" smtClean="0"/>
+              <a:t>MDA</a:t>
+            </a:r>
+          </a:p>
+          <a:p>
+            <a:r>
+              <a:rPr lang="de-DE" dirty="0" smtClean="0"/>
+              <a:t>SVM</a:t>
+            </a:r>
+            <a:endParaRPr lang="de-DE" dirty="0"/>
+          </a:p>
+        </p:txBody>
+      </p:sp>
+      <p:grpSp>
+        <p:nvGrpSpPr>
+          <p:cNvPr id="25" name="Gruppieren 24"/>
+          <p:cNvGrpSpPr/>
+          <p:nvPr/>
+        </p:nvGrpSpPr>
+        <p:grpSpPr>
+          <a:xfrm>
+            <a:off x="467544" y="1628800"/>
+            <a:ext cx="8208912" cy="2088232"/>
+            <a:chOff x="467544" y="1628800"/>
+            <a:chExt cx="8208912" cy="2088232"/>
+          </a:xfrm>
+        </p:grpSpPr>
+        <p:cxnSp>
+          <p:nvCxnSpPr>
+            <p:cNvPr id="9" name="Gerade Verbindung 8"/>
+            <p:cNvCxnSpPr/>
+            <p:nvPr/>
+          </p:nvCxnSpPr>
+          <p:spPr bwMode="auto">
+            <a:xfrm>
+              <a:off x="467544" y="1628800"/>
+              <a:ext cx="0" cy="2088232"/>
+            </a:xfrm>
+            <a:prstGeom prst="line">
+              <a:avLst/>
+            </a:prstGeom>
+            <a:solidFill>
+              <a:schemeClr val="accent1"/>
+            </a:solidFill>
+            <a:ln w="9525" cap="flat" cmpd="sng" algn="ctr">
+              <a:solidFill>
+                <a:schemeClr val="tx1"/>
+              </a:solidFill>
+              <a:prstDash val="solid"/>
+              <a:round/>
+              <a:headEnd type="none" w="med" len="med"/>
+              <a:tailEnd type="none" w="med" len="med"/>
+            </a:ln>
+            <a:effectLst/>
+          </p:spPr>
+        </p:cxnSp>
+        <p:cxnSp>
+          <p:nvCxnSpPr>
+            <p:cNvPr id="11" name="Gerade Verbindung 10"/>
+            <p:cNvCxnSpPr/>
+            <p:nvPr/>
+          </p:nvCxnSpPr>
+          <p:spPr bwMode="auto">
+            <a:xfrm>
+              <a:off x="467544" y="3717032"/>
+              <a:ext cx="6048672" cy="0"/>
+            </a:xfrm>
+            <a:prstGeom prst="line">
+              <a:avLst/>
+            </a:prstGeom>
+            <a:solidFill>
+              <a:schemeClr val="accent1"/>
+            </a:solidFill>
+            <a:ln w="9525" cap="flat" cmpd="sng" algn="ctr">
+              <a:solidFill>
+                <a:schemeClr val="tx1"/>
+              </a:solidFill>
+              <a:prstDash val="solid"/>
+              <a:round/>
+              <a:headEnd type="none" w="med" len="med"/>
+              <a:tailEnd type="none" w="med" len="med"/>
+            </a:ln>
+            <a:effectLst/>
+          </p:spPr>
+        </p:cxnSp>
+        <p:cxnSp>
+          <p:nvCxnSpPr>
+            <p:cNvPr id="13" name="Gerade Verbindung 12"/>
+            <p:cNvCxnSpPr/>
+            <p:nvPr/>
+          </p:nvCxnSpPr>
+          <p:spPr bwMode="auto">
+            <a:xfrm flipV="1">
+              <a:off x="6516216" y="2420888"/>
+              <a:ext cx="0" cy="1296144"/>
+            </a:xfrm>
+            <a:prstGeom prst="line">
+              <a:avLst/>
+            </a:prstGeom>
+            <a:solidFill>
+              <a:schemeClr val="accent1"/>
+            </a:solidFill>
+            <a:ln w="9525" cap="flat" cmpd="sng" algn="ctr">
+              <a:solidFill>
+                <a:schemeClr val="tx1"/>
+              </a:solidFill>
+              <a:prstDash val="solid"/>
+              <a:round/>
+              <a:headEnd type="none" w="med" len="med"/>
+              <a:tailEnd type="none" w="med" len="med"/>
+            </a:ln>
+            <a:effectLst/>
+          </p:spPr>
+        </p:cxnSp>
+        <p:cxnSp>
+          <p:nvCxnSpPr>
+            <p:cNvPr id="15" name="Gerade Verbindung 14"/>
+            <p:cNvCxnSpPr/>
+            <p:nvPr/>
+          </p:nvCxnSpPr>
+          <p:spPr bwMode="auto">
+            <a:xfrm>
+              <a:off x="6516216" y="2420888"/>
+              <a:ext cx="2160240" cy="0"/>
+            </a:xfrm>
+            <a:prstGeom prst="line">
+              <a:avLst/>
+            </a:prstGeom>
+            <a:solidFill>
+              <a:schemeClr val="accent1"/>
+            </a:solidFill>
+            <a:ln w="9525" cap="flat" cmpd="sng" algn="ctr">
+              <a:solidFill>
+                <a:schemeClr val="tx1"/>
+              </a:solidFill>
+              <a:prstDash val="solid"/>
+              <a:round/>
+              <a:headEnd type="none" w="med" len="med"/>
+              <a:tailEnd type="none" w="med" len="med"/>
+            </a:ln>
+            <a:effectLst/>
+          </p:spPr>
+        </p:cxnSp>
+        <p:cxnSp>
+          <p:nvCxnSpPr>
+            <p:cNvPr id="17" name="Gerade Verbindung 16"/>
+            <p:cNvCxnSpPr/>
+            <p:nvPr/>
+          </p:nvCxnSpPr>
+          <p:spPr bwMode="auto">
+            <a:xfrm flipV="1">
+              <a:off x="8676456" y="1628800"/>
+              <a:ext cx="0" cy="792088"/>
+            </a:xfrm>
+            <a:prstGeom prst="line">
+              <a:avLst/>
+            </a:prstGeom>
+            <a:solidFill>
+              <a:schemeClr val="accent1"/>
+            </a:solidFill>
+            <a:ln w="9525" cap="flat" cmpd="sng" algn="ctr">
+              <a:solidFill>
+                <a:schemeClr val="tx1"/>
+              </a:solidFill>
+              <a:prstDash val="solid"/>
+              <a:round/>
+              <a:headEnd type="none" w="med" len="med"/>
+              <a:tailEnd type="none" w="med" len="med"/>
+            </a:ln>
+            <a:effectLst/>
+          </p:spPr>
+        </p:cxnSp>
+        <p:cxnSp>
+          <p:nvCxnSpPr>
+            <p:cNvPr id="19" name="Gerade Verbindung 18"/>
+            <p:cNvCxnSpPr/>
+            <p:nvPr/>
+          </p:nvCxnSpPr>
+          <p:spPr bwMode="auto">
+            <a:xfrm flipH="1">
+              <a:off x="467544" y="1628800"/>
+              <a:ext cx="8208912" cy="0"/>
+            </a:xfrm>
+            <a:prstGeom prst="line">
+              <a:avLst/>
+            </a:prstGeom>
+            <a:solidFill>
+              <a:schemeClr val="accent1"/>
+            </a:solidFill>
+            <a:ln w="9525" cap="flat" cmpd="sng" algn="ctr">
+              <a:solidFill>
+                <a:schemeClr val="tx1"/>
+              </a:solidFill>
+              <a:prstDash val="solid"/>
+              <a:round/>
+              <a:headEnd type="none" w="med" len="med"/>
+              <a:tailEnd type="none" w="med" len="med"/>
+            </a:ln>
+            <a:effectLst/>
+          </p:spPr>
+        </p:cxnSp>
+      </p:grpSp>
+      <p:cxnSp>
+        <p:nvCxnSpPr>
+          <p:cNvPr id="27" name="Gerade Verbindung 26"/>
+          <p:cNvCxnSpPr/>
+          <p:nvPr/>
+        </p:nvCxnSpPr>
+        <p:spPr bwMode="auto">
+          <a:xfrm>
+            <a:off x="6588224" y="2492896"/>
+            <a:ext cx="0" cy="720080"/>
+          </a:xfrm>
+          <a:prstGeom prst="line">
+            <a:avLst/>
+          </a:prstGeom>
+          <a:solidFill>
+            <a:schemeClr val="accent1"/>
+          </a:solidFill>
+          <a:ln w="9525" cap="flat" cmpd="sng" algn="ctr">
+            <a:solidFill>
+              <a:schemeClr val="tx1"/>
+            </a:solidFill>
+            <a:prstDash val="solid"/>
+            <a:round/>
+            <a:headEnd type="none" w="med" len="med"/>
+            <a:tailEnd type="none" w="med" len="med"/>
+          </a:ln>
+          <a:effectLst/>
+        </p:spPr>
+      </p:cxnSp>
+      <p:cxnSp>
+        <p:nvCxnSpPr>
+          <p:cNvPr id="29" name="Gerade Verbindung 28"/>
+          <p:cNvCxnSpPr/>
+          <p:nvPr/>
+        </p:nvCxnSpPr>
+        <p:spPr bwMode="auto">
+          <a:xfrm>
+            <a:off x="6588224" y="3212976"/>
+            <a:ext cx="2088232" cy="0"/>
+          </a:xfrm>
+          <a:prstGeom prst="line">
+            <a:avLst/>
+          </a:prstGeom>
+          <a:solidFill>
+            <a:schemeClr val="accent1"/>
+          </a:solidFill>
+          <a:ln w="9525" cap="flat" cmpd="sng" algn="ctr">
+            <a:solidFill>
+              <a:schemeClr val="tx1"/>
+            </a:solidFill>
+            <a:prstDash val="solid"/>
+            <a:round/>
+            <a:headEnd type="none" w="med" len="med"/>
+            <a:tailEnd type="none" w="med" len="med"/>
+          </a:ln>
+          <a:effectLst/>
+        </p:spPr>
+      </p:cxnSp>
+      <p:cxnSp>
+        <p:nvCxnSpPr>
+          <p:cNvPr id="31" name="Gerade Verbindung 30"/>
+          <p:cNvCxnSpPr/>
+          <p:nvPr/>
+        </p:nvCxnSpPr>
+        <p:spPr bwMode="auto">
+          <a:xfrm>
+            <a:off x="6588224" y="2492896"/>
+            <a:ext cx="2088232" cy="0"/>
+          </a:xfrm>
+          <a:prstGeom prst="line">
+            <a:avLst/>
+          </a:prstGeom>
+          <a:solidFill>
+            <a:schemeClr val="accent1"/>
+          </a:solidFill>
+          <a:ln w="9525" cap="flat" cmpd="sng" algn="ctr">
+            <a:solidFill>
+              <a:schemeClr val="tx1"/>
+            </a:solidFill>
+            <a:prstDash val="solid"/>
+            <a:round/>
+            <a:headEnd type="none" w="med" len="med"/>
+            <a:tailEnd type="none" w="med" len="med"/>
+          </a:ln>
+          <a:effectLst/>
+        </p:spPr>
+      </p:cxnSp>
+      <p:cxnSp>
+        <p:nvCxnSpPr>
+          <p:cNvPr id="33" name="Gerade Verbindung 32"/>
+          <p:cNvCxnSpPr/>
+          <p:nvPr/>
+        </p:nvCxnSpPr>
+        <p:spPr bwMode="auto">
+          <a:xfrm>
+            <a:off x="8676456" y="2492896"/>
+            <a:ext cx="0" cy="720080"/>
+          </a:xfrm>
+          <a:prstGeom prst="line">
+            <a:avLst/>
+          </a:prstGeom>
+          <a:solidFill>
+            <a:schemeClr val="accent1"/>
+          </a:solidFill>
+          <a:ln w="9525" cap="flat" cmpd="sng" algn="ctr">
+            <a:solidFill>
+              <a:schemeClr val="tx1"/>
+            </a:solidFill>
+            <a:prstDash val="solid"/>
+            <a:round/>
+            <a:headEnd type="none" w="med" len="med"/>
+            <a:tailEnd type="none" w="med" len="med"/>
+          </a:ln>
+          <a:effectLst/>
+        </p:spPr>
+      </p:cxnSp>
+      <p:cxnSp>
+        <p:nvCxnSpPr>
+          <p:cNvPr id="35" name="Gerade Verbindung 34"/>
+          <p:cNvCxnSpPr/>
+          <p:nvPr/>
+        </p:nvCxnSpPr>
+        <p:spPr bwMode="auto">
+          <a:xfrm>
+            <a:off x="6588224" y="3284984"/>
+            <a:ext cx="0" cy="432048"/>
+          </a:xfrm>
+          <a:prstGeom prst="line">
+            <a:avLst/>
+          </a:prstGeom>
+          <a:solidFill>
+            <a:schemeClr val="accent1"/>
+          </a:solidFill>
+          <a:ln w="9525" cap="flat" cmpd="sng" algn="ctr">
+            <a:solidFill>
+              <a:schemeClr val="tx1"/>
+            </a:solidFill>
+            <a:prstDash val="solid"/>
+            <a:round/>
+            <a:headEnd type="none" w="med" len="med"/>
+            <a:tailEnd type="none" w="med" len="med"/>
+          </a:ln>
+          <a:effectLst/>
+        </p:spPr>
+      </p:cxnSp>
+      <p:cxnSp>
+        <p:nvCxnSpPr>
+          <p:cNvPr id="37" name="Gerade Verbindung 36"/>
+          <p:cNvCxnSpPr/>
+          <p:nvPr/>
+        </p:nvCxnSpPr>
+        <p:spPr bwMode="auto">
+          <a:xfrm>
+            <a:off x="6588224" y="3284984"/>
+            <a:ext cx="2088232" cy="0"/>
+          </a:xfrm>
+          <a:prstGeom prst="line">
+            <a:avLst/>
+          </a:prstGeom>
+          <a:solidFill>
+            <a:schemeClr val="accent1"/>
+          </a:solidFill>
+          <a:ln w="9525" cap="flat" cmpd="sng" algn="ctr">
+            <a:solidFill>
+              <a:schemeClr val="tx1"/>
+            </a:solidFill>
+            <a:prstDash val="solid"/>
+            <a:round/>
+            <a:headEnd type="none" w="med" len="med"/>
+            <a:tailEnd type="none" w="med" len="med"/>
+          </a:ln>
+          <a:effectLst/>
+        </p:spPr>
+      </p:cxnSp>
+      <p:cxnSp>
+        <p:nvCxnSpPr>
+          <p:cNvPr id="39" name="Gerade Verbindung 38"/>
+          <p:cNvCxnSpPr/>
+          <p:nvPr/>
+        </p:nvCxnSpPr>
+        <p:spPr bwMode="auto">
+          <a:xfrm>
+            <a:off x="6588224" y="3717032"/>
+            <a:ext cx="2088232" cy="0"/>
+          </a:xfrm>
+          <a:prstGeom prst="line">
+            <a:avLst/>
+          </a:prstGeom>
+          <a:solidFill>
+            <a:schemeClr val="accent1"/>
+          </a:solidFill>
+          <a:ln w="9525" cap="flat" cmpd="sng" algn="ctr">
+            <a:solidFill>
+              <a:schemeClr val="tx1"/>
+            </a:solidFill>
+            <a:prstDash val="solid"/>
+            <a:round/>
+            <a:headEnd type="none" w="med" len="med"/>
+            <a:tailEnd type="none" w="med" len="med"/>
+          </a:ln>
+          <a:effectLst/>
+        </p:spPr>
+      </p:cxnSp>
+      <p:cxnSp>
+        <p:nvCxnSpPr>
+          <p:cNvPr id="41" name="Gerade Verbindung 40"/>
+          <p:cNvCxnSpPr/>
+          <p:nvPr/>
+        </p:nvCxnSpPr>
+        <p:spPr bwMode="auto">
+          <a:xfrm>
+            <a:off x="8676456" y="3284984"/>
+            <a:ext cx="0" cy="432048"/>
+          </a:xfrm>
+          <a:prstGeom prst="line">
+            <a:avLst/>
+          </a:prstGeom>
+          <a:solidFill>
+            <a:schemeClr val="accent1"/>
+          </a:solidFill>
+          <a:ln w="9525" cap="flat" cmpd="sng" algn="ctr">
+            <a:solidFill>
+              <a:schemeClr val="tx1"/>
+            </a:solidFill>
+            <a:prstDash val="solid"/>
+            <a:round/>
+            <a:headEnd type="none" w="med" len="med"/>
+            <a:tailEnd type="none" w="med" len="med"/>
+          </a:ln>
+          <a:effectLst/>
+        </p:spPr>
+      </p:cxnSp>
+      <p:graphicFrame>
+        <p:nvGraphicFramePr>
+          <p:cNvPr id="68" name="Objekt 67"/>
+          <p:cNvGraphicFramePr>
+            <a:graphicFrameLocks noChangeAspect="1"/>
+          </p:cNvGraphicFramePr>
+          <p:nvPr/>
         </p:nvGraphicFramePr>
         <p:xfrm>
-          <a:off x="503238" y="1665288"/>
-          <a:ext cx="8412162" cy="2411784"/>
+          <a:off x="467544" y="5373216"/>
+          <a:ext cx="2016224" cy="825923"/>
         </p:xfrm>
         <a:graphic>
-          <a:graphicData uri="http://schemas.openxmlformats.org/drawingml/2006/chart">
-            <c:chart xmlns:c="http://schemas.openxmlformats.org/drawingml/2006/chart" xmlns:r="http://schemas.openxmlformats.org/officeDocument/2006/relationships" r:id="rId2"/>
+          <a:graphicData uri="http://schemas.openxmlformats.org/presentationml/2006/ole">
+            <p:oleObj spid="_x0000_s1026" name="Formel" r:id="rId3" imgW="1054080" imgH="431640" progId="Equation.3">
+              <p:embed/>
+            </p:oleObj>
           </a:graphicData>
         </a:graphic>
       </p:graphicFrame>
       <p:graphicFrame>
         <p:nvGraphicFramePr>
-          <p:cNvPr id="7" name="Diagramm 6"/>
-          <p:cNvGraphicFramePr/>
+          <p:cNvPr id="69" name="Objekt 68"/>
+          <p:cNvGraphicFramePr>
+            <a:graphicFrameLocks noChangeAspect="1"/>
+          </p:cNvGraphicFramePr>
           <p:nvPr/>
         </p:nvGraphicFramePr>
         <p:xfrm>
-          <a:off x="467544" y="3933056"/>
-          <a:ext cx="8352928" cy="2376264"/>
+          <a:off x="3131840" y="5373216"/>
+          <a:ext cx="2600325" cy="766763"/>
         </p:xfrm>
         <a:graphic>
-          <a:graphicData uri="http://schemas.openxmlformats.org/drawingml/2006/chart">
-            <c:chart xmlns:c="http://schemas.openxmlformats.org/drawingml/2006/chart" xmlns:r="http://schemas.openxmlformats.org/officeDocument/2006/relationships" r:id="rId3"/>
+          <a:graphicData uri="http://schemas.openxmlformats.org/presentationml/2006/ole">
+            <p:oleObj spid="_x0000_s1027" name="Formel" r:id="rId4" imgW="927000" imgH="393480" progId="Equation.3">
+              <p:embed/>
+            </p:oleObj>
           </a:graphicData>
         </a:graphic>
       </p:graphicFrame>
+      <p:graphicFrame>
+        <p:nvGraphicFramePr>
+          <p:cNvPr id="71" name="Objekt 70"/>
+          <p:cNvGraphicFramePr>
+            <a:graphicFrameLocks noChangeAspect="1"/>
+          </p:cNvGraphicFramePr>
+          <p:nvPr/>
+        </p:nvGraphicFramePr>
+        <p:xfrm>
+          <a:off x="6444208" y="5301208"/>
+          <a:ext cx="1656184" cy="841667"/>
+        </p:xfrm>
+        <a:graphic>
+          <a:graphicData uri="http://schemas.openxmlformats.org/presentationml/2006/ole">
+            <p:oleObj spid="_x0000_s1029" name="Formel" r:id="rId5" imgW="774360" imgH="393480" progId="Equation.3">
+              <p:embed/>
+            </p:oleObj>
+          </a:graphicData>
+        </a:graphic>
+      </p:graphicFrame>
+      <p:sp>
+        <p:nvSpPr>
+          <p:cNvPr id="72" name="Textfeld 71"/>
+          <p:cNvSpPr txBox="1"/>
+          <p:nvPr/>
+        </p:nvSpPr>
+        <p:spPr>
+          <a:xfrm>
+            <a:off x="395536" y="4725144"/>
+            <a:ext cx="2160240" cy="461665"/>
+          </a:xfrm>
+          <a:prstGeom prst="rect">
+            <a:avLst/>
+          </a:prstGeom>
+          <a:noFill/>
+        </p:spPr>
+        <p:txBody>
+          <a:bodyPr wrap="square" rtlCol="0">
+            <a:spAutoFit/>
+          </a:bodyPr>
+          <a:lstStyle/>
+          <a:p>
+            <a:pPr algn="ctr"/>
+            <a:r>
+              <a:rPr lang="de-DE" dirty="0" smtClean="0">
+                <a:latin typeface="+mn-lt"/>
+              </a:rPr>
+              <a:t>Extraktionsrate</a:t>
+            </a:r>
+            <a:endParaRPr lang="de-DE" dirty="0">
+              <a:latin typeface="+mn-lt"/>
+            </a:endParaRPr>
+          </a:p>
+        </p:txBody>
+      </p:sp>
+      <p:sp>
+        <p:nvSpPr>
+          <p:cNvPr id="74" name="Textfeld 73"/>
+          <p:cNvSpPr txBox="1"/>
+          <p:nvPr/>
+        </p:nvSpPr>
+        <p:spPr>
+          <a:xfrm>
+            <a:off x="4716016" y="4797152"/>
+            <a:ext cx="2160240" cy="461665"/>
+          </a:xfrm>
+          <a:prstGeom prst="rect">
+            <a:avLst/>
+          </a:prstGeom>
+          <a:noFill/>
+        </p:spPr>
+        <p:txBody>
+          <a:bodyPr wrap="square" rtlCol="0">
+            <a:spAutoFit/>
+          </a:bodyPr>
+          <a:lstStyle/>
+          <a:p>
+            <a:r>
+              <a:rPr lang="de-DE" dirty="0" smtClean="0">
+                <a:latin typeface="+mn-lt"/>
+              </a:rPr>
+              <a:t>Energie-</a:t>
+            </a:r>
+            <a:r>
+              <a:rPr lang="de-DE" dirty="0" err="1" smtClean="0">
+                <a:latin typeface="+mn-lt"/>
+              </a:rPr>
+              <a:t>Effizienzen</a:t>
+            </a:r>
+            <a:endParaRPr lang="de-DE" dirty="0">
+              <a:latin typeface="+mn-lt"/>
+            </a:endParaRPr>
+          </a:p>
+        </p:txBody>
+      </p:sp>
+      <p:sp>
+        <p:nvSpPr>
+          <p:cNvPr id="75" name="Rechteck 74"/>
+          <p:cNvSpPr/>
+          <p:nvPr/>
+        </p:nvSpPr>
+        <p:spPr bwMode="auto">
+          <a:xfrm>
+            <a:off x="467544" y="4725144"/>
+            <a:ext cx="2160240" cy="1512168"/>
+          </a:xfrm>
+          <a:prstGeom prst="rect">
+            <a:avLst/>
+          </a:prstGeom>
+          <a:noFill/>
+          <a:ln w="9525" cap="flat" cmpd="sng" algn="ctr">
+            <a:solidFill>
+              <a:schemeClr val="tx1"/>
+            </a:solidFill>
+            <a:prstDash val="solid"/>
+            <a:round/>
+            <a:headEnd type="none" w="med" len="med"/>
+            <a:tailEnd type="none" w="med" len="med"/>
+          </a:ln>
+          <a:effectLst/>
+        </p:spPr>
+        <p:txBody>
+          <a:bodyPr vert="horz" wrap="square" lIns="91440" tIns="45720" rIns="91440" bIns="45720" numCol="1" rtlCol="0" anchor="t" anchorCtr="0" compatLnSpc="1">
+            <a:prstTxWarp prst="textNoShape">
+              <a:avLst/>
+            </a:prstTxWarp>
+          </a:bodyPr>
+          <a:lstStyle/>
+          <a:p>
+            <a:pPr marL="0" marR="0" indent="0" algn="l" defTabSz="914400" rtl="0" eaLnBrk="0" fontAlgn="base" latinLnBrk="0" hangingPunct="0">
+              <a:lnSpc>
+                <a:spcPct val="100000"/>
+              </a:lnSpc>
+              <a:spcBef>
+                <a:spcPct val="0"/>
+              </a:spcBef>
+              <a:spcAft>
+                <a:spcPct val="0"/>
+              </a:spcAft>
+              <a:buClrTx/>
+              <a:buSzTx/>
+              <a:buFontTx/>
+              <a:buNone/>
+              <a:tabLst/>
+            </a:pPr>
+            <a:endParaRPr kumimoji="0" lang="de-DE" sz="2400" b="0" i="0" u="none" strike="noStrike" cap="none" normalizeH="0" baseline="0" smtClean="0">
+              <a:ln>
+                <a:noFill/>
+              </a:ln>
+              <a:solidFill>
+                <a:schemeClr val="tx1"/>
+              </a:solidFill>
+              <a:effectLst/>
+              <a:latin typeface="Arial" charset="0"/>
+              <a:ea typeface="ＭＳ Ｐゴシック" pitchFamily="1" charset="-128"/>
+            </a:endParaRPr>
+          </a:p>
+        </p:txBody>
+      </p:sp>
+      <p:sp>
+        <p:nvSpPr>
+          <p:cNvPr id="76" name="Rechteck 75"/>
+          <p:cNvSpPr/>
+          <p:nvPr/>
+        </p:nvSpPr>
+        <p:spPr bwMode="auto">
+          <a:xfrm>
+            <a:off x="3131840" y="4725144"/>
+            <a:ext cx="5472608" cy="1512168"/>
+          </a:xfrm>
+          <a:prstGeom prst="rect">
+            <a:avLst/>
+          </a:prstGeom>
+          <a:noFill/>
+          <a:ln w="9525" cap="flat" cmpd="sng" algn="ctr">
+            <a:solidFill>
+              <a:schemeClr val="tx1"/>
+            </a:solidFill>
+            <a:prstDash val="solid"/>
+            <a:round/>
+            <a:headEnd type="none" w="med" len="med"/>
+            <a:tailEnd type="none" w="med" len="med"/>
+          </a:ln>
+          <a:effectLst/>
+        </p:spPr>
+        <p:txBody>
+          <a:bodyPr vert="horz" wrap="square" lIns="91440" tIns="45720" rIns="91440" bIns="45720" numCol="1" rtlCol="0" anchor="t" anchorCtr="0" compatLnSpc="1">
+            <a:prstTxWarp prst="textNoShape">
+              <a:avLst/>
+            </a:prstTxWarp>
+          </a:bodyPr>
+          <a:lstStyle/>
+          <a:p>
+            <a:pPr marL="0" marR="0" indent="0" algn="l" defTabSz="914400" rtl="0" eaLnBrk="0" fontAlgn="base" latinLnBrk="0" hangingPunct="0">
+              <a:lnSpc>
+                <a:spcPct val="100000"/>
+              </a:lnSpc>
+              <a:spcBef>
+                <a:spcPct val="0"/>
+              </a:spcBef>
+              <a:spcAft>
+                <a:spcPct val="0"/>
+              </a:spcAft>
+              <a:buClrTx/>
+              <a:buSzTx/>
+              <a:buFontTx/>
+              <a:buNone/>
+              <a:tabLst/>
+            </a:pPr>
+            <a:endParaRPr kumimoji="0" lang="de-DE" sz="2400" b="0" i="0" u="none" strike="noStrike" cap="none" normalizeH="0" baseline="0" smtClean="0">
+              <a:ln>
+                <a:noFill/>
+              </a:ln>
+              <a:solidFill>
+                <a:schemeClr val="tx1"/>
+              </a:solidFill>
+              <a:effectLst/>
+              <a:latin typeface="Arial" charset="0"/>
+              <a:ea typeface="ＭＳ Ｐゴシック" pitchFamily="1" charset="-128"/>
+            </a:endParaRPr>
+          </a:p>
+        </p:txBody>
+      </p:sp>
     </p:spTree>
   </p:cSld>
   <p:clrMapOvr>
@@ -5554,6 +4574,25 @@
       </p:grpSpPr>
       <p:sp>
         <p:nvSpPr>
+          <p:cNvPr id="5" name="Inhaltsplatzhalter 4"/>
+          <p:cNvSpPr>
+            <a:spLocks noGrp="1"/>
+          </p:cNvSpPr>
+          <p:nvPr>
+            <p:ph idx="1"/>
+          </p:nvPr>
+        </p:nvSpPr>
+        <p:spPr/>
+        <p:txBody>
+          <a:bodyPr/>
+          <a:lstStyle/>
+          <a:p>
+            <a:endParaRPr lang="de-DE" dirty="0"/>
+          </a:p>
+        </p:txBody>
+      </p:sp>
+      <p:sp>
+        <p:nvSpPr>
           <p:cNvPr id="3" name="Titel 2"/>
           <p:cNvSpPr>
             <a:spLocks noGrp="1"/>
@@ -5569,48 +4608,12 @@
           <a:p>
             <a:r>
               <a:rPr lang="de-DE" dirty="0" smtClean="0"/>
-              <a:t>Evaluation DSP</a:t>
+              <a:t>Vergleich ARM und DSP (1)</a:t>
             </a:r>
             <a:endParaRPr lang="de-DE" dirty="0"/>
           </a:p>
         </p:txBody>
       </p:sp>
-      <p:graphicFrame>
-        <p:nvGraphicFramePr>
-          <p:cNvPr id="6" name="Inhaltsplatzhalter 5"/>
-          <p:cNvGraphicFramePr>
-            <a:graphicFrameLocks noGrp="1"/>
-          </p:cNvGraphicFramePr>
-          <p:nvPr>
-            <p:ph idx="1"/>
-          </p:nvPr>
-        </p:nvGraphicFramePr>
-        <p:xfrm>
-          <a:off x="503238" y="1665288"/>
-          <a:ext cx="8412162" cy="2411784"/>
-        </p:xfrm>
-        <a:graphic>
-          <a:graphicData uri="http://schemas.openxmlformats.org/drawingml/2006/chart">
-            <c:chart xmlns:c="http://schemas.openxmlformats.org/drawingml/2006/chart" xmlns:r="http://schemas.openxmlformats.org/officeDocument/2006/relationships" r:id="rId2"/>
-          </a:graphicData>
-        </a:graphic>
-      </p:graphicFrame>
-      <p:graphicFrame>
-        <p:nvGraphicFramePr>
-          <p:cNvPr id="7" name="Diagramm 6"/>
-          <p:cNvGraphicFramePr/>
-          <p:nvPr/>
-        </p:nvGraphicFramePr>
-        <p:xfrm>
-          <a:off x="467544" y="3933056"/>
-          <a:ext cx="8352928" cy="2376264"/>
-        </p:xfrm>
-        <a:graphic>
-          <a:graphicData uri="http://schemas.openxmlformats.org/drawingml/2006/chart">
-            <c:chart xmlns:c="http://schemas.openxmlformats.org/drawingml/2006/chart" xmlns:r="http://schemas.openxmlformats.org/officeDocument/2006/relationships" r:id="rId3"/>
-          </a:graphicData>
-        </a:graphic>
-      </p:graphicFrame>
     </p:spTree>
   </p:cSld>
   <p:clrMapOvr>
@@ -5638,6 +4641,25 @@
       </p:grpSpPr>
       <p:sp>
         <p:nvSpPr>
+          <p:cNvPr id="5" name="Inhaltsplatzhalter 4"/>
+          <p:cNvSpPr>
+            <a:spLocks noGrp="1"/>
+          </p:cNvSpPr>
+          <p:nvPr>
+            <p:ph idx="1"/>
+          </p:nvPr>
+        </p:nvSpPr>
+        <p:spPr/>
+        <p:txBody>
+          <a:bodyPr/>
+          <a:lstStyle/>
+          <a:p>
+            <a:endParaRPr lang="de-DE" dirty="0"/>
+          </a:p>
+        </p:txBody>
+      </p:sp>
+      <p:sp>
+        <p:nvSpPr>
           <p:cNvPr id="3" name="Titel 2"/>
           <p:cNvSpPr>
             <a:spLocks noGrp="1"/>
@@ -5653,48 +4675,12 @@
           <a:p>
             <a:r>
               <a:rPr lang="de-DE" dirty="0" smtClean="0"/>
-              <a:t>Evaluation heterogenes System</a:t>
+              <a:t>Vergleich ARM und DSP (2)</a:t>
             </a:r>
             <a:endParaRPr lang="de-DE" dirty="0"/>
           </a:p>
         </p:txBody>
       </p:sp>
-      <p:graphicFrame>
-        <p:nvGraphicFramePr>
-          <p:cNvPr id="6" name="Inhaltsplatzhalter 5"/>
-          <p:cNvGraphicFramePr>
-            <a:graphicFrameLocks noGrp="1"/>
-          </p:cNvGraphicFramePr>
-          <p:nvPr>
-            <p:ph idx="1"/>
-          </p:nvPr>
-        </p:nvGraphicFramePr>
-        <p:xfrm>
-          <a:off x="503238" y="1665288"/>
-          <a:ext cx="8412162" cy="2411784"/>
-        </p:xfrm>
-        <a:graphic>
-          <a:graphicData uri="http://schemas.openxmlformats.org/drawingml/2006/chart">
-            <c:chart xmlns:c="http://schemas.openxmlformats.org/drawingml/2006/chart" xmlns:r="http://schemas.openxmlformats.org/officeDocument/2006/relationships" r:id="rId2"/>
-          </a:graphicData>
-        </a:graphic>
-      </p:graphicFrame>
-      <p:graphicFrame>
-        <p:nvGraphicFramePr>
-          <p:cNvPr id="7" name="Diagramm 6"/>
-          <p:cNvGraphicFramePr/>
-          <p:nvPr/>
-        </p:nvGraphicFramePr>
-        <p:xfrm>
-          <a:off x="467544" y="3933056"/>
-          <a:ext cx="8352928" cy="2376264"/>
-        </p:xfrm>
-        <a:graphic>
-          <a:graphicData uri="http://schemas.openxmlformats.org/drawingml/2006/chart">
-            <c:chart xmlns:c="http://schemas.openxmlformats.org/drawingml/2006/chart" xmlns:r="http://schemas.openxmlformats.org/officeDocument/2006/relationships" r:id="rId3"/>
-          </a:graphicData>
-        </a:graphic>
-      </p:graphicFrame>
     </p:spTree>
   </p:cSld>
   <p:clrMapOvr>
@@ -5704,6 +4690,140 @@
 </file>
 
 <file path=ppt/slides/slide14.xml><?xml version="1.0" encoding="utf-8"?>
+<p:sld xmlns:a="http://schemas.openxmlformats.org/drawingml/2006/main" xmlns:r="http://schemas.openxmlformats.org/officeDocument/2006/relationships" xmlns:p="http://schemas.openxmlformats.org/presentationml/2006/main">
+  <p:cSld>
+    <p:spTree>
+      <p:nvGrpSpPr>
+        <p:cNvPr id="1" name=""/>
+        <p:cNvGrpSpPr/>
+        <p:nvPr/>
+      </p:nvGrpSpPr>
+      <p:grpSpPr>
+        <a:xfrm>
+          <a:off x="0" y="0"/>
+          <a:ext cx="0" cy="0"/>
+          <a:chOff x="0" y="0"/>
+          <a:chExt cx="0" cy="0"/>
+        </a:xfrm>
+      </p:grpSpPr>
+      <p:sp>
+        <p:nvSpPr>
+          <p:cNvPr id="2" name="Inhaltsplatzhalter 1"/>
+          <p:cNvSpPr>
+            <a:spLocks noGrp="1"/>
+          </p:cNvSpPr>
+          <p:nvPr>
+            <p:ph idx="1"/>
+          </p:nvPr>
+        </p:nvSpPr>
+        <p:spPr/>
+        <p:txBody>
+          <a:bodyPr/>
+          <a:lstStyle/>
+          <a:p>
+            <a:endParaRPr lang="de-DE"/>
+          </a:p>
+        </p:txBody>
+      </p:sp>
+      <p:sp>
+        <p:nvSpPr>
+          <p:cNvPr id="3" name="Titel 2"/>
+          <p:cNvSpPr>
+            <a:spLocks noGrp="1"/>
+          </p:cNvSpPr>
+          <p:nvPr>
+            <p:ph type="title"/>
+          </p:nvPr>
+        </p:nvSpPr>
+        <p:spPr/>
+        <p:txBody>
+          <a:bodyPr/>
+          <a:lstStyle/>
+          <a:p>
+            <a:r>
+              <a:rPr lang="de-DE" dirty="0" smtClean="0"/>
+              <a:t>Vergleich ARM und heterogenes System (1)</a:t>
+            </a:r>
+            <a:endParaRPr lang="de-DE" dirty="0"/>
+          </a:p>
+        </p:txBody>
+      </p:sp>
+    </p:spTree>
+  </p:cSld>
+  <p:clrMapOvr>
+    <a:masterClrMapping/>
+  </p:clrMapOvr>
+</p:sld>
+</file>
+
+<file path=ppt/slides/slide15.xml><?xml version="1.0" encoding="utf-8"?>
+<p:sld xmlns:a="http://schemas.openxmlformats.org/drawingml/2006/main" xmlns:r="http://schemas.openxmlformats.org/officeDocument/2006/relationships" xmlns:p="http://schemas.openxmlformats.org/presentationml/2006/main">
+  <p:cSld>
+    <p:spTree>
+      <p:nvGrpSpPr>
+        <p:cNvPr id="1" name=""/>
+        <p:cNvGrpSpPr/>
+        <p:nvPr/>
+      </p:nvGrpSpPr>
+      <p:grpSpPr>
+        <a:xfrm>
+          <a:off x="0" y="0"/>
+          <a:ext cx="0" cy="0"/>
+          <a:chOff x="0" y="0"/>
+          <a:chExt cx="0" cy="0"/>
+        </a:xfrm>
+      </p:grpSpPr>
+      <p:sp>
+        <p:nvSpPr>
+          <p:cNvPr id="2" name="Inhaltsplatzhalter 1"/>
+          <p:cNvSpPr>
+            <a:spLocks noGrp="1"/>
+          </p:cNvSpPr>
+          <p:nvPr>
+            <p:ph idx="1"/>
+          </p:nvPr>
+        </p:nvSpPr>
+        <p:spPr/>
+        <p:txBody>
+          <a:bodyPr/>
+          <a:lstStyle/>
+          <a:p>
+            <a:endParaRPr lang="de-DE"/>
+          </a:p>
+        </p:txBody>
+      </p:sp>
+      <p:sp>
+        <p:nvSpPr>
+          <p:cNvPr id="3" name="Titel 2"/>
+          <p:cNvSpPr>
+            <a:spLocks noGrp="1"/>
+          </p:cNvSpPr>
+          <p:nvPr>
+            <p:ph type="title"/>
+          </p:nvPr>
+        </p:nvSpPr>
+        <p:spPr/>
+        <p:txBody>
+          <a:bodyPr/>
+          <a:lstStyle/>
+          <a:p>
+            <a:r>
+              <a:rPr lang="de-DE" dirty="0" smtClean="0"/>
+              <a:t>Vergleich ARM und heterogenes System (2)</a:t>
+            </a:r>
+            <a:endParaRPr lang="de-DE" dirty="0"/>
+          </a:p>
+        </p:txBody>
+      </p:sp>
+    </p:spTree>
+  </p:cSld>
+  <p:clrMapOvr>
+    <a:masterClrMapping/>
+  </p:clrMapOvr>
+</p:sld>
+</file>
+
+<file path=ppt/slides/slide16.xml><?xml version="1.0" encoding="utf-8"?>
 <p:sld xmlns:a="http://schemas.openxmlformats.org/drawingml/2006/main" xmlns:r="http://schemas.openxmlformats.org/officeDocument/2006/relationships" xmlns:p="http://schemas.openxmlformats.org/presentationml/2006/main">
   <p:cSld>
     <p:spTree>
@@ -5983,7 +5103,7 @@
           <a:p>
             <a:r>
               <a:rPr lang="de-DE" dirty="0" smtClean="0"/>
-              <a:t>Manuelles Erstellen von Playlisten mühsam</a:t>
+              <a:t>Rechenkapazität lässt automatische Verwaltung der Musik-</a:t>
             </a:r>
           </a:p>
           <a:p>
@@ -5991,8 +5111,8 @@
               <a:buNone/>
             </a:pPr>
             <a:r>
-              <a:rPr lang="de-DE" b="1" u="sng" dirty="0" smtClean="0"/>
-              <a:t>Idee:</a:t>
+              <a:rPr lang="de-DE" dirty="0" smtClean="0"/>
+              <a:t>	Datenbanken zu</a:t>
             </a:r>
           </a:p>
           <a:p>
@@ -6000,14 +5120,18 @@
               <a:buNone/>
             </a:pPr>
             <a:r>
-              <a:rPr lang="de-DE" dirty="0" smtClean="0"/>
-              <a:t>Automatisches Erstellen von Playlisten mit inhaltsbasierter Musikklassifikation</a:t>
+              <a:rPr lang="de-DE" b="1" u="sng" dirty="0" smtClean="0"/>
+              <a:t>Idee:</a:t>
             </a:r>
           </a:p>
           <a:p>
             <a:pPr>
               <a:buNone/>
             </a:pPr>
+            <a:r>
+              <a:rPr lang="de-DE" dirty="0" smtClean="0"/>
+              <a:t>Automatische Verwaltung mit inhaltsbasierter Musikklassifikation</a:t>
+            </a:r>
             <a:endParaRPr lang="de-DE" sz="1000" dirty="0" smtClean="0"/>
           </a:p>
           <a:p>
@@ -6022,51 +5146,41 @@
           <a:p>
             <a:r>
               <a:rPr lang="de-DE" dirty="0" smtClean="0"/>
-              <a:t>Begrenzte </a:t>
-            </a:r>
-            <a:r>
-              <a:rPr lang="de-DE" dirty="0" err="1" smtClean="0"/>
-              <a:t>Resourcen</a:t>
-            </a:r>
+              <a:t>Begrenzte Ressourcen auf den Geräten, z.B. Akkuleistung</a:t>
+            </a:r>
+          </a:p>
+          <a:p>
             <a:r>
               <a:rPr lang="de-DE" dirty="0" smtClean="0"/>
-              <a:t> auf den Geräten, z.B. Akkuleistung</a:t>
-            </a:r>
-          </a:p>
-          <a:p>
-            <a:r>
-              <a:rPr lang="de-DE" dirty="0" smtClean="0"/>
-              <a:t>Musikklassifikation ist sehr zeitaufwendig und nicht Energie-effizient</a:t>
-            </a:r>
+              <a:t>Musikklassifikation ist sehr Rechenzeit-intensiv</a:t>
+            </a:r>
+            <a:endParaRPr lang="de-DE" sz="1000" dirty="0" smtClean="0"/>
           </a:p>
           <a:p>
             <a:pPr>
               <a:buNone/>
             </a:pPr>
-            <a:endParaRPr lang="de-DE" sz="1000" dirty="0" smtClean="0"/>
+            <a:r>
+              <a:rPr lang="de-DE" b="1" u="sng" dirty="0" smtClean="0"/>
+              <a:t>Lösung:</a:t>
+            </a:r>
           </a:p>
           <a:p>
             <a:pPr>
               <a:buNone/>
             </a:pPr>
             <a:r>
-              <a:rPr lang="de-DE" b="1" u="sng" dirty="0" smtClean="0"/>
-              <a:t>Lösung:</a:t>
-            </a:r>
-          </a:p>
-          <a:p>
-            <a:pPr>
-              <a:buNone/>
-            </a:pPr>
-            <a:r>
               <a:rPr lang="de-DE" dirty="0" smtClean="0"/>
-              <a:t>Benutzung von Prozessoren auf denen Musikklassifikation schnell und Energie-effizient ausgeführt werden kann</a:t>
-            </a:r>
-          </a:p>
-          <a:p>
-            <a:pPr>
-              <a:buNone/>
-            </a:pPr>
+              <a:t>Entwicklung von </a:t>
+            </a:r>
+            <a:r>
+              <a:rPr lang="de-DE" dirty="0" err="1" smtClean="0"/>
+              <a:t>Prozessorachitekturen</a:t>
+            </a:r>
+            <a:r>
+              <a:rPr lang="de-DE" dirty="0" smtClean="0"/>
+              <a:t>, die für diese Aufgabe spezialisiert sind</a:t>
+            </a:r>
             <a:endParaRPr lang="de-DE" dirty="0"/>
           </a:p>
         </p:txBody>
@@ -6166,128 +5280,448 @@
           </a:p>
         </p:txBody>
       </p:sp>
+      <p:cxnSp>
+        <p:nvCxnSpPr>
+          <p:cNvPr id="5" name="Gerade Verbindung mit Pfeil 4"/>
+          <p:cNvCxnSpPr/>
+          <p:nvPr/>
+        </p:nvCxnSpPr>
+        <p:spPr bwMode="auto">
+          <a:xfrm>
+            <a:off x="1043608" y="2420888"/>
+            <a:ext cx="648072" cy="0"/>
+          </a:xfrm>
+          <a:prstGeom prst="straightConnector1">
+            <a:avLst/>
+          </a:prstGeom>
+          <a:ln>
+            <a:headEnd type="none" w="med" len="med"/>
+            <a:tailEnd type="arrow"/>
+          </a:ln>
+        </p:spPr>
+        <p:style>
+          <a:lnRef idx="1">
+            <a:schemeClr val="dk1"/>
+          </a:lnRef>
+          <a:fillRef idx="0">
+            <a:schemeClr val="dk1"/>
+          </a:fillRef>
+          <a:effectRef idx="0">
+            <a:schemeClr val="dk1"/>
+          </a:effectRef>
+          <a:fontRef idx="minor">
+            <a:schemeClr val="tx1"/>
+          </a:fontRef>
+        </p:style>
+      </p:cxnSp>
       <p:sp>
         <p:nvSpPr>
-          <p:cNvPr id="7" name="Inhaltsplatzhalter 6"/>
-          <p:cNvSpPr>
-            <a:spLocks noGrp="1"/>
-          </p:cNvSpPr>
-          <p:nvPr>
-            <p:ph idx="1"/>
-          </p:nvPr>
+          <p:cNvPr id="6" name="Rechteck 5"/>
+          <p:cNvSpPr/>
+          <p:nvPr/>
         </p:nvSpPr>
-        <p:spPr/>
+        <p:spPr bwMode="auto">
+          <a:xfrm>
+            <a:off x="1691680" y="2276872"/>
+            <a:ext cx="1440160" cy="288032"/>
+          </a:xfrm>
+          <a:prstGeom prst="rect">
+            <a:avLst/>
+          </a:prstGeom>
+          <a:ln>
+            <a:headEnd type="none" w="med" len="med"/>
+            <a:tailEnd type="none" w="med" len="med"/>
+          </a:ln>
+        </p:spPr>
+        <p:style>
+          <a:lnRef idx="2">
+            <a:schemeClr val="dk1"/>
+          </a:lnRef>
+          <a:fillRef idx="1">
+            <a:schemeClr val="lt1"/>
+          </a:fillRef>
+          <a:effectRef idx="0">
+            <a:schemeClr val="dk1"/>
+          </a:effectRef>
+          <a:fontRef idx="minor">
+            <a:schemeClr val="dk1"/>
+          </a:fontRef>
+        </p:style>
         <p:txBody>
-          <a:bodyPr/>
+          <a:bodyPr vert="horz" wrap="square" lIns="91440" tIns="45720" rIns="91440" bIns="45720" numCol="1" rtlCol="0" anchor="t" anchorCtr="0" compatLnSpc="1">
+            <a:prstTxWarp prst="textNoShape">
+              <a:avLst/>
+            </a:prstTxWarp>
+          </a:bodyPr>
           <a:lstStyle/>
           <a:p>
-            <a:pPr>
+            <a:pPr marL="0" marR="0" indent="0" algn="ctr" defTabSz="914400" rtl="0" eaLnBrk="0" fontAlgn="base" latinLnBrk="0" hangingPunct="0">
+              <a:lnSpc>
+                <a:spcPct val="100000"/>
+              </a:lnSpc>
+              <a:spcBef>
+                <a:spcPct val="0"/>
+              </a:spcBef>
+              <a:spcAft>
+                <a:spcPct val="0"/>
+              </a:spcAft>
+              <a:buClrTx/>
+              <a:buSzTx/>
+              <a:buFontTx/>
               <a:buNone/>
+              <a:tabLst/>
             </a:pPr>
             <a:r>
-              <a:rPr lang="de-DE" dirty="0" smtClean="0"/>
-              <a:t>Musikklassifikation besteht aus drei Schritten:</a:t>
-            </a:r>
-          </a:p>
-          <a:p>
-            <a:r>
-              <a:rPr lang="de-DE" dirty="0" smtClean="0"/>
-              <a:t>Merkmalsextraktion</a:t>
-            </a:r>
-          </a:p>
-          <a:p>
-            <a:r>
-              <a:rPr lang="de-DE" dirty="0" err="1" smtClean="0"/>
-              <a:t>Prozessierung</a:t>
-            </a:r>
-            <a:endParaRPr lang="de-DE" dirty="0" smtClean="0"/>
-          </a:p>
-          <a:p>
-            <a:r>
-              <a:rPr lang="de-DE" dirty="0" smtClean="0"/>
-              <a:t>Klassifikation</a:t>
-            </a:r>
-          </a:p>
-          <a:p>
-            <a:pPr>
-              <a:buNone/>
-            </a:pPr>
-            <a:endParaRPr lang="de-DE" dirty="0"/>
+              <a:rPr kumimoji="0" lang="de-DE" sz="2400" b="0" i="0" u="none" strike="noStrike" cap="none" normalizeH="0" baseline="0" dirty="0" smtClean="0">
+                <a:ln>
+                  <a:noFill/>
+                </a:ln>
+                <a:solidFill>
+                  <a:schemeClr val="tx1"/>
+                </a:solidFill>
+                <a:effectLst/>
+                <a:latin typeface="+mn-lt"/>
+                <a:ea typeface="ＭＳ Ｐゴシック" pitchFamily="1" charset="-128"/>
+              </a:rPr>
+              <a:t>Extraktion</a:t>
+            </a:r>
           </a:p>
         </p:txBody>
       </p:sp>
-      <p:graphicFrame>
-        <p:nvGraphicFramePr>
-          <p:cNvPr id="4" name="Objekt 3"/>
-          <p:cNvGraphicFramePr>
-            <a:graphicFrameLocks noChangeAspect="1"/>
-          </p:cNvGraphicFramePr>
+      <p:cxnSp>
+        <p:nvCxnSpPr>
+          <p:cNvPr id="8" name="Gerade Verbindung mit Pfeil 7"/>
+          <p:cNvCxnSpPr/>
           <p:nvPr/>
-        </p:nvGraphicFramePr>
-        <p:xfrm>
-          <a:off x="323528" y="4581128"/>
-          <a:ext cx="8569325" cy="752475"/>
-        </p:xfrm>
-        <a:graphic>
-          <a:graphicData uri="http://schemas.openxmlformats.org/presentationml/2006/ole">
-            <p:oleObj spid="_x0000_s1026" name="Visio" r:id="rId3" imgW="8568887" imgH="752272" progId="Visio.Drawing.11">
-              <p:embed/>
-            </p:oleObj>
-          </a:graphicData>
-        </a:graphic>
-      </p:graphicFrame>
-      <p:graphicFrame>
-        <p:nvGraphicFramePr>
-          <p:cNvPr id="1027" name="Object 3"/>
-          <p:cNvGraphicFramePr>
-            <a:graphicFrameLocks noChangeAspect="1"/>
-          </p:cNvGraphicFramePr>
+        </p:nvCxnSpPr>
+        <p:spPr bwMode="auto">
+          <a:xfrm>
+            <a:off x="3131840" y="2276872"/>
+            <a:ext cx="648072" cy="0"/>
+          </a:xfrm>
+          <a:prstGeom prst="straightConnector1">
+            <a:avLst/>
+          </a:prstGeom>
+          <a:ln>
+            <a:headEnd type="none" w="med" len="med"/>
+            <a:tailEnd type="arrow"/>
+          </a:ln>
+        </p:spPr>
+        <p:style>
+          <a:lnRef idx="1">
+            <a:schemeClr val="dk1"/>
+          </a:lnRef>
+          <a:fillRef idx="0">
+            <a:schemeClr val="dk1"/>
+          </a:fillRef>
+          <a:effectRef idx="0">
+            <a:schemeClr val="dk1"/>
+          </a:effectRef>
+          <a:fontRef idx="minor">
+            <a:schemeClr val="tx1"/>
+          </a:fontRef>
+        </p:style>
+      </p:cxnSp>
+      <p:cxnSp>
+        <p:nvCxnSpPr>
+          <p:cNvPr id="9" name="Gerade Verbindung mit Pfeil 8"/>
+          <p:cNvCxnSpPr/>
           <p:nvPr/>
-        </p:nvGraphicFramePr>
-        <p:xfrm>
-          <a:off x="5148064" y="1700808"/>
-          <a:ext cx="3794837" cy="1296144"/>
-        </p:xfrm>
-        <a:graphic>
-          <a:graphicData uri="http://schemas.openxmlformats.org/presentationml/2006/ole">
-            <p:oleObj spid="_x0000_s1027" name="Visio" r:id="rId4" imgW="9944134" imgH="3397385" progId="Visio.Drawing.11">
-              <p:embed/>
-            </p:oleObj>
-          </a:graphicData>
-        </a:graphic>
-      </p:graphicFrame>
-      <p:graphicFrame>
-        <p:nvGraphicFramePr>
-          <p:cNvPr id="1028" name="Object 4"/>
-          <p:cNvGraphicFramePr>
-            <a:graphicFrameLocks noChangeAspect="1"/>
-          </p:cNvGraphicFramePr>
+        </p:nvCxnSpPr>
+        <p:spPr bwMode="auto">
+          <a:xfrm>
+            <a:off x="3131840" y="2420888"/>
+            <a:ext cx="648072" cy="0"/>
+          </a:xfrm>
+          <a:prstGeom prst="straightConnector1">
+            <a:avLst/>
+          </a:prstGeom>
+          <a:ln>
+            <a:headEnd type="none" w="med" len="med"/>
+            <a:tailEnd type="arrow"/>
+          </a:ln>
+        </p:spPr>
+        <p:style>
+          <a:lnRef idx="1">
+            <a:schemeClr val="dk1"/>
+          </a:lnRef>
+          <a:fillRef idx="0">
+            <a:schemeClr val="dk1"/>
+          </a:fillRef>
+          <a:effectRef idx="0">
+            <a:schemeClr val="dk1"/>
+          </a:effectRef>
+          <a:fontRef idx="minor">
+            <a:schemeClr val="tx1"/>
+          </a:fontRef>
+        </p:style>
+      </p:cxnSp>
+      <p:cxnSp>
+        <p:nvCxnSpPr>
+          <p:cNvPr id="10" name="Gerade Verbindung mit Pfeil 9"/>
+          <p:cNvCxnSpPr/>
           <p:nvPr/>
-        </p:nvGraphicFramePr>
-        <p:xfrm>
-          <a:off x="4932040" y="3140968"/>
-          <a:ext cx="3096344" cy="1463434"/>
-        </p:xfrm>
-        <a:graphic>
-          <a:graphicData uri="http://schemas.openxmlformats.org/presentationml/2006/ole">
-            <p:oleObj spid="_x0000_s1028" name="Visio" r:id="rId5" imgW="6827880" imgH="3227962" progId="Visio.Drawing.11">
-              <p:embed/>
-            </p:oleObj>
-          </a:graphicData>
-        </a:graphic>
-      </p:graphicFrame>
+        </p:nvCxnSpPr>
+        <p:spPr bwMode="auto">
+          <a:xfrm>
+            <a:off x="3131840" y="2564904"/>
+            <a:ext cx="648072" cy="0"/>
+          </a:xfrm>
+          <a:prstGeom prst="straightConnector1">
+            <a:avLst/>
+          </a:prstGeom>
+          <a:ln>
+            <a:headEnd type="none" w="med" len="med"/>
+            <a:tailEnd type="arrow"/>
+          </a:ln>
+        </p:spPr>
+        <p:style>
+          <a:lnRef idx="1">
+            <a:schemeClr val="dk1"/>
+          </a:lnRef>
+          <a:fillRef idx="0">
+            <a:schemeClr val="dk1"/>
+          </a:fillRef>
+          <a:effectRef idx="0">
+            <a:schemeClr val="dk1"/>
+          </a:effectRef>
+          <a:fontRef idx="minor">
+            <a:schemeClr val="tx1"/>
+          </a:fontRef>
+        </p:style>
+      </p:cxnSp>
+      <p:sp>
+        <p:nvSpPr>
+          <p:cNvPr id="11" name="Rechteck 10"/>
+          <p:cNvSpPr/>
+          <p:nvPr/>
+        </p:nvSpPr>
+        <p:spPr bwMode="auto">
+          <a:xfrm>
+            <a:off x="3779912" y="2276872"/>
+            <a:ext cx="1440160" cy="288032"/>
+          </a:xfrm>
+          <a:prstGeom prst="rect">
+            <a:avLst/>
+          </a:prstGeom>
+          <a:ln>
+            <a:headEnd type="none" w="med" len="med"/>
+            <a:tailEnd type="none" w="med" len="med"/>
+          </a:ln>
+        </p:spPr>
+        <p:style>
+          <a:lnRef idx="2">
+            <a:schemeClr val="dk1"/>
+          </a:lnRef>
+          <a:fillRef idx="1">
+            <a:schemeClr val="lt1"/>
+          </a:fillRef>
+          <a:effectRef idx="0">
+            <a:schemeClr val="dk1"/>
+          </a:effectRef>
+          <a:fontRef idx="minor">
+            <a:schemeClr val="dk1"/>
+          </a:fontRef>
+        </p:style>
+        <p:txBody>
+          <a:bodyPr vert="horz" wrap="square" lIns="91440" tIns="45720" rIns="91440" bIns="45720" numCol="1" rtlCol="0" anchor="t" anchorCtr="0" compatLnSpc="1">
+            <a:prstTxWarp prst="textNoShape">
+              <a:avLst/>
+            </a:prstTxWarp>
+          </a:bodyPr>
+          <a:lstStyle/>
+          <a:p>
+            <a:pPr marL="0" marR="0" indent="0" algn="ctr" defTabSz="914400" rtl="0" eaLnBrk="0" fontAlgn="base" latinLnBrk="0" hangingPunct="0">
+              <a:lnSpc>
+                <a:spcPct val="100000"/>
+              </a:lnSpc>
+              <a:spcBef>
+                <a:spcPct val="0"/>
+              </a:spcBef>
+              <a:spcAft>
+                <a:spcPct val="0"/>
+              </a:spcAft>
+              <a:buClrTx/>
+              <a:buSzTx/>
+              <a:buFontTx/>
+              <a:buNone/>
+              <a:tabLst/>
+            </a:pPr>
+            <a:r>
+              <a:rPr kumimoji="0" lang="de-DE" sz="2400" b="0" i="0" u="none" strike="noStrike" cap="none" normalizeH="0" baseline="0" dirty="0" err="1" smtClean="0">
+                <a:ln>
+                  <a:noFill/>
+                </a:ln>
+                <a:solidFill>
+                  <a:schemeClr val="tx1"/>
+                </a:solidFill>
+                <a:effectLst/>
+                <a:latin typeface="+mn-lt"/>
+                <a:ea typeface="ＭＳ Ｐゴシック" pitchFamily="1" charset="-128"/>
+              </a:rPr>
+              <a:t>Prozessierung</a:t>
+            </a:r>
+            <a:endParaRPr kumimoji="0" lang="de-DE" sz="2400" b="0" i="0" u="none" strike="noStrike" cap="none" normalizeH="0" baseline="0" dirty="0" smtClean="0">
+              <a:ln>
+                <a:noFill/>
+              </a:ln>
+              <a:solidFill>
+                <a:schemeClr val="tx1"/>
+              </a:solidFill>
+              <a:effectLst/>
+              <a:latin typeface="+mn-lt"/>
+              <a:ea typeface="ＭＳ Ｐゴシック" pitchFamily="1" charset="-128"/>
+            </a:endParaRPr>
+          </a:p>
+        </p:txBody>
+      </p:sp>
+      <p:sp>
+        <p:nvSpPr>
+          <p:cNvPr id="12" name="Rechteck 11"/>
+          <p:cNvSpPr/>
+          <p:nvPr/>
+        </p:nvSpPr>
+        <p:spPr bwMode="auto">
+          <a:xfrm>
+            <a:off x="5868144" y="2276872"/>
+            <a:ext cx="1440160" cy="288032"/>
+          </a:xfrm>
+          <a:prstGeom prst="rect">
+            <a:avLst/>
+          </a:prstGeom>
+          <a:ln>
+            <a:headEnd type="none" w="med" len="med"/>
+            <a:tailEnd type="none" w="med" len="med"/>
+          </a:ln>
+        </p:spPr>
+        <p:style>
+          <a:lnRef idx="2">
+            <a:schemeClr val="dk1"/>
+          </a:lnRef>
+          <a:fillRef idx="1">
+            <a:schemeClr val="lt1"/>
+          </a:fillRef>
+          <a:effectRef idx="0">
+            <a:schemeClr val="dk1"/>
+          </a:effectRef>
+          <a:fontRef idx="minor">
+            <a:schemeClr val="dk1"/>
+          </a:fontRef>
+        </p:style>
+        <p:txBody>
+          <a:bodyPr vert="horz" wrap="square" lIns="91440" tIns="45720" rIns="91440" bIns="45720" numCol="1" rtlCol="0" anchor="t" anchorCtr="0" compatLnSpc="1">
+            <a:prstTxWarp prst="textNoShape">
+              <a:avLst/>
+            </a:prstTxWarp>
+          </a:bodyPr>
+          <a:lstStyle/>
+          <a:p>
+            <a:pPr marL="0" marR="0" indent="0" algn="ctr" defTabSz="914400" rtl="0" eaLnBrk="0" fontAlgn="base" latinLnBrk="0" hangingPunct="0">
+              <a:lnSpc>
+                <a:spcPct val="100000"/>
+              </a:lnSpc>
+              <a:spcBef>
+                <a:spcPct val="0"/>
+              </a:spcBef>
+              <a:spcAft>
+                <a:spcPct val="0"/>
+              </a:spcAft>
+              <a:buClrTx/>
+              <a:buSzTx/>
+              <a:buFontTx/>
+              <a:buNone/>
+              <a:tabLst/>
+            </a:pPr>
+            <a:r>
+              <a:rPr kumimoji="0" lang="de-DE" sz="2400" b="0" i="0" u="none" strike="noStrike" cap="none" normalizeH="0" baseline="0" dirty="0" smtClean="0">
+                <a:ln>
+                  <a:noFill/>
+                </a:ln>
+                <a:solidFill>
+                  <a:schemeClr val="tx1"/>
+                </a:solidFill>
+                <a:effectLst/>
+                <a:latin typeface="+mn-lt"/>
+                <a:ea typeface="ＭＳ Ｐゴシック" pitchFamily="1" charset="-128"/>
+              </a:rPr>
+              <a:t>Klassifikation</a:t>
+            </a:r>
+          </a:p>
+        </p:txBody>
+      </p:sp>
+      <p:cxnSp>
+        <p:nvCxnSpPr>
+          <p:cNvPr id="13" name="Gerade Verbindung mit Pfeil 12"/>
+          <p:cNvCxnSpPr/>
+          <p:nvPr/>
+        </p:nvCxnSpPr>
+        <p:spPr bwMode="auto">
+          <a:xfrm>
+            <a:off x="5220072" y="2420888"/>
+            <a:ext cx="648072" cy="0"/>
+          </a:xfrm>
+          <a:prstGeom prst="straightConnector1">
+            <a:avLst/>
+          </a:prstGeom>
+          <a:ln>
+            <a:headEnd type="none" w="med" len="med"/>
+            <a:tailEnd type="arrow"/>
+          </a:ln>
+        </p:spPr>
+        <p:style>
+          <a:lnRef idx="1">
+            <a:schemeClr val="dk1"/>
+          </a:lnRef>
+          <a:fillRef idx="0">
+            <a:schemeClr val="dk1"/>
+          </a:fillRef>
+          <a:effectRef idx="0">
+            <a:schemeClr val="dk1"/>
+          </a:effectRef>
+          <a:fontRef idx="minor">
+            <a:schemeClr val="tx1"/>
+          </a:fontRef>
+        </p:style>
+      </p:cxnSp>
+      <p:cxnSp>
+        <p:nvCxnSpPr>
+          <p:cNvPr id="14" name="Gerade Verbindung mit Pfeil 13"/>
+          <p:cNvCxnSpPr/>
+          <p:nvPr/>
+        </p:nvCxnSpPr>
+        <p:spPr bwMode="auto">
+          <a:xfrm>
+            <a:off x="7308304" y="2420888"/>
+            <a:ext cx="648072" cy="0"/>
+          </a:xfrm>
+          <a:prstGeom prst="straightConnector1">
+            <a:avLst/>
+          </a:prstGeom>
+          <a:ln>
+            <a:headEnd type="none" w="med" len="med"/>
+            <a:tailEnd type="arrow"/>
+          </a:ln>
+        </p:spPr>
+        <p:style>
+          <a:lnRef idx="1">
+            <a:schemeClr val="dk1"/>
+          </a:lnRef>
+          <a:fillRef idx="0">
+            <a:schemeClr val="dk1"/>
+          </a:fillRef>
+          <a:effectRef idx="0">
+            <a:schemeClr val="dk1"/>
+          </a:effectRef>
+          <a:fontRef idx="minor">
+            <a:schemeClr val="tx1"/>
+          </a:fontRef>
+        </p:style>
+      </p:cxnSp>
     </p:spTree>
   </p:cSld>
   <p:clrMapOvr>
     <a:masterClrMapping/>
   </p:clrMapOvr>
-  <p:timing>
-    <p:tnLst>
-      <p:par>
-        <p:cTn id="1" dur="indefinite" restart="never" nodeType="tmRoot"/>
-      </p:par>
-    </p:tnLst>
-  </p:timing>
 </p:sld>
 </file>
 
@@ -6310,66 +5744,6 @@
       </p:grpSpPr>
       <p:sp>
         <p:nvSpPr>
-          <p:cNvPr id="2" name="Inhaltsplatzhalter 1"/>
-          <p:cNvSpPr>
-            <a:spLocks noGrp="1"/>
-          </p:cNvSpPr>
-          <p:nvPr>
-            <p:ph idx="1"/>
-          </p:nvPr>
-        </p:nvSpPr>
-        <p:spPr/>
-        <p:txBody>
-          <a:bodyPr/>
-          <a:lstStyle/>
-          <a:p>
-            <a:r>
-              <a:rPr lang="de-DE" dirty="0" smtClean="0"/>
-              <a:t>Portierung und Implementierung des Referenz-Programm-Codes auf ARM und DSP</a:t>
-            </a:r>
-          </a:p>
-          <a:p>
-            <a:r>
-              <a:rPr lang="de-DE" dirty="0" smtClean="0"/>
-              <a:t>Architekturspezifische Optimierung der beiden Implementierungen</a:t>
-            </a:r>
-          </a:p>
-          <a:p>
-            <a:r>
-              <a:rPr lang="de-DE" dirty="0" smtClean="0"/>
-              <a:t>Untersuchung der Laufzeit und Energie-Effizienz von zwei Prozessorarchitekturen:</a:t>
-            </a:r>
-          </a:p>
-          <a:p>
-            <a:pPr lvl="1"/>
-            <a:r>
-              <a:rPr lang="de-DE" dirty="0" smtClean="0"/>
-              <a:t>ARM Cortex-A8</a:t>
-            </a:r>
-          </a:p>
-          <a:p>
-            <a:pPr lvl="1"/>
-            <a:r>
-              <a:rPr lang="de-DE" dirty="0" smtClean="0"/>
-              <a:t>Heterogenes System aus ARM Cortex-A8 und TI C674x DSP</a:t>
-            </a:r>
-          </a:p>
-          <a:p>
-            <a:r>
-              <a:rPr lang="de-DE" dirty="0" smtClean="0"/>
-              <a:t>Bewertung und Vergleich beider Architekturen</a:t>
-            </a:r>
-          </a:p>
-          <a:p>
-            <a:pPr>
-              <a:buNone/>
-            </a:pPr>
-            <a:endParaRPr lang="de-DE" dirty="0" smtClean="0"/>
-          </a:p>
-        </p:txBody>
-      </p:sp>
-      <p:sp>
-        <p:nvSpPr>
           <p:cNvPr id="3" name="Titel 2"/>
           <p:cNvSpPr>
             <a:spLocks noGrp="1"/>
@@ -6385,9 +5759,28 @@
           <a:p>
             <a:r>
               <a:rPr lang="de-DE" dirty="0" smtClean="0"/>
-              <a:t>Aufgabenstellung</a:t>
+              <a:t>Extraktionszeiten auf verschiedenen Prozessoren</a:t>
             </a:r>
             <a:endParaRPr lang="de-DE" dirty="0"/>
+          </a:p>
+        </p:txBody>
+      </p:sp>
+      <p:sp>
+        <p:nvSpPr>
+          <p:cNvPr id="5" name="Inhaltsplatzhalter 4"/>
+          <p:cNvSpPr>
+            <a:spLocks noGrp="1"/>
+          </p:cNvSpPr>
+          <p:nvPr>
+            <p:ph idx="1"/>
+          </p:nvPr>
+        </p:nvSpPr>
+        <p:spPr/>
+        <p:txBody>
+          <a:bodyPr/>
+          <a:lstStyle/>
+          <a:p>
+            <a:endParaRPr lang="de-DE"/>
           </a:p>
         </p:txBody>
       </p:sp>
@@ -6432,44 +5825,67 @@
           <a:lstStyle/>
           <a:p>
             <a:r>
-              <a:rPr lang="de-DE" dirty="0" err="1" smtClean="0"/>
-              <a:t>DaVinci</a:t>
-            </a:r>
-            <a:r>
               <a:rPr lang="de-DE" dirty="0" smtClean="0"/>
-              <a:t> Video Prozessor</a:t>
+              <a:t>Aufgabenstellung</a:t>
             </a:r>
             <a:endParaRPr lang="de-DE" dirty="0"/>
           </a:p>
         </p:txBody>
       </p:sp>
-      <p:graphicFrame>
-        <p:nvGraphicFramePr>
-          <p:cNvPr id="4" name="Inhaltsplatzhalter 3"/>
-          <p:cNvGraphicFramePr>
-            <a:graphicFrameLocks noChangeAspect="1"/>
-          </p:cNvGraphicFramePr>
+      <p:sp>
+        <p:nvSpPr>
+          <p:cNvPr id="5" name="Inhaltsplatzhalter 4"/>
+          <p:cNvSpPr>
+            <a:spLocks noGrp="1"/>
+          </p:cNvSpPr>
           <p:nvPr>
             <p:ph idx="1"/>
           </p:nvPr>
-        </p:nvGraphicFramePr>
-        <p:xfrm>
-          <a:off x="2483768" y="1484784"/>
-          <a:ext cx="3954766" cy="4659312"/>
-        </p:xfrm>
-        <a:graphic>
-          <a:graphicData uri="http://schemas.openxmlformats.org/presentationml/2006/ole">
-            <p:oleObj spid="_x0000_s20482" name="Visio" r:id="rId3" imgW="5667300" imgH="6677115" progId="Visio.Drawing.11">
-              <p:embed/>
-            </p:oleObj>
-          </a:graphicData>
-        </a:graphic>
-      </p:graphicFrame>
+        </p:nvSpPr>
+        <p:spPr/>
+        <p:txBody>
+          <a:bodyPr/>
+          <a:lstStyle/>
+          <a:p>
+            <a:r>
+              <a:rPr lang="de-DE" dirty="0" smtClean="0"/>
+              <a:t>Heterogenes System aus ARM Cortex A8 und TI C674x DSP</a:t>
+            </a:r>
+          </a:p>
+          <a:p>
+            <a:r>
+              <a:rPr lang="de-DE" dirty="0" smtClean="0"/>
+              <a:t>Optimierung der Extraktion auf Cortex A8 und C674x</a:t>
+            </a:r>
+            <a:endParaRPr lang="de-DE" dirty="0" smtClean="0"/>
+          </a:p>
+          <a:p>
+            <a:r>
+              <a:rPr lang="de-DE" dirty="0" smtClean="0"/>
+              <a:t>Untersuchung der Rechenzeit und Energie-Effizienz von Cortex A8 und heterogenen Systems zur Musikklassifikation</a:t>
+            </a:r>
+          </a:p>
+          <a:p>
+            <a:r>
+              <a:rPr lang="de-DE" dirty="0" smtClean="0"/>
+              <a:t>Vergleich der beiden Systeme</a:t>
+            </a:r>
+            <a:endParaRPr lang="de-DE" dirty="0"/>
+          </a:p>
+        </p:txBody>
+      </p:sp>
     </p:spTree>
   </p:cSld>
   <p:clrMapOvr>
     <a:masterClrMapping/>
   </p:clrMapOvr>
+  <p:timing>
+    <p:tnLst>
+      <p:par>
+        <p:cTn id="1" dur="indefinite" restart="never" nodeType="tmRoot"/>
+      </p:par>
+    </p:tnLst>
+  </p:timing>
 </p:sld>
 </file>
 
@@ -6492,6 +5908,115 @@
       </p:grpSpPr>
       <p:sp>
         <p:nvSpPr>
+          <p:cNvPr id="8" name="Rechteck 7"/>
+          <p:cNvSpPr/>
+          <p:nvPr/>
+        </p:nvSpPr>
+        <p:spPr bwMode="auto">
+          <a:xfrm>
+            <a:off x="3419872" y="1628800"/>
+            <a:ext cx="2088232" cy="864096"/>
+          </a:xfrm>
+          <a:prstGeom prst="rect">
+            <a:avLst/>
+          </a:prstGeom>
+          <a:solidFill>
+            <a:schemeClr val="bg1">
+              <a:lumMod val="85000"/>
+            </a:schemeClr>
+          </a:solidFill>
+          <a:ln>
+            <a:solidFill>
+              <a:srgbClr val="99B9D8"/>
+            </a:solidFill>
+            <a:headEnd type="none" w="med" len="med"/>
+            <a:tailEnd type="none" w="med" len="med"/>
+          </a:ln>
+        </p:spPr>
+        <p:style>
+          <a:lnRef idx="2">
+            <a:schemeClr val="accent3">
+              <a:shade val="50000"/>
+            </a:schemeClr>
+          </a:lnRef>
+          <a:fillRef idx="1">
+            <a:schemeClr val="accent3"/>
+          </a:fillRef>
+          <a:effectRef idx="0">
+            <a:schemeClr val="accent3"/>
+          </a:effectRef>
+          <a:fontRef idx="minor">
+            <a:schemeClr val="lt1"/>
+          </a:fontRef>
+        </p:style>
+        <p:txBody>
+          <a:bodyPr vert="horz" wrap="square" lIns="91440" tIns="45720" rIns="91440" bIns="45720" numCol="1" rtlCol="0" anchor="t" anchorCtr="0" compatLnSpc="1">
+            <a:prstTxWarp prst="textNoShape">
+              <a:avLst/>
+            </a:prstTxWarp>
+          </a:bodyPr>
+          <a:lstStyle/>
+          <a:p>
+            <a:pPr marL="0" marR="0" indent="0" algn="ctr" defTabSz="914400" rtl="0" eaLnBrk="0" fontAlgn="base" latinLnBrk="0" hangingPunct="0">
+              <a:lnSpc>
+                <a:spcPct val="100000"/>
+              </a:lnSpc>
+              <a:spcBef>
+                <a:spcPct val="0"/>
+              </a:spcBef>
+              <a:spcAft>
+                <a:spcPct val="0"/>
+              </a:spcAft>
+              <a:buClrTx/>
+              <a:buSzTx/>
+              <a:buFontTx/>
+              <a:buNone/>
+              <a:tabLst/>
+            </a:pPr>
+            <a:r>
+              <a:rPr kumimoji="0" lang="de-DE" sz="2400" b="0" i="0" u="none" strike="noStrike" cap="none" normalizeH="0" baseline="0" dirty="0" err="1" smtClean="0">
+                <a:ln>
+                  <a:noFill/>
+                </a:ln>
+                <a:solidFill>
+                  <a:schemeClr val="tx1"/>
+                </a:solidFill>
+                <a:effectLst/>
+                <a:latin typeface="+mn-lt"/>
+                <a:ea typeface="ＭＳ Ｐゴシック" pitchFamily="1" charset="-128"/>
+              </a:rPr>
+              <a:t>Shared</a:t>
+            </a:r>
+            <a:r>
+              <a:rPr kumimoji="0" lang="de-DE" sz="2400" b="0" i="0" u="none" strike="noStrike" cap="none" normalizeH="0" baseline="0" dirty="0" smtClean="0">
+                <a:ln>
+                  <a:noFill/>
+                </a:ln>
+                <a:solidFill>
+                  <a:schemeClr val="tx1"/>
+                </a:solidFill>
+                <a:effectLst/>
+                <a:latin typeface="+mn-lt"/>
+                <a:ea typeface="ＭＳ Ｐゴシック" pitchFamily="1" charset="-128"/>
+              </a:rPr>
+              <a:t> Memory</a:t>
+            </a:r>
+            <a:endParaRPr kumimoji="0" lang="de-DE" sz="2400" b="0" i="0" u="none" strike="noStrike" cap="none" normalizeH="0" baseline="0" dirty="0" smtClean="0">
+              <a:ln>
+                <a:noFill/>
+              </a:ln>
+              <a:solidFill>
+                <a:schemeClr val="tx1"/>
+              </a:solidFill>
+              <a:effectLst/>
+              <a:latin typeface="+mn-lt"/>
+              <a:ea typeface="ＭＳ Ｐゴシック" pitchFamily="1" charset="-128"/>
+            </a:endParaRPr>
+          </a:p>
+        </p:txBody>
+      </p:sp>
+      <p:sp>
+        <p:nvSpPr>
           <p:cNvPr id="3" name="Titel 2"/>
           <p:cNvSpPr>
             <a:spLocks noGrp="1"/>
@@ -6507,39 +6032,1642 @@
           <a:p>
             <a:r>
               <a:rPr lang="de-DE" dirty="0" smtClean="0"/>
-              <a:t>ARM Subsystem</a:t>
+              <a:t>Heterogenes System</a:t>
             </a:r>
             <a:endParaRPr lang="de-DE" dirty="0"/>
           </a:p>
         </p:txBody>
       </p:sp>
-      <p:graphicFrame>
-        <p:nvGraphicFramePr>
-          <p:cNvPr id="4" name="Inhaltsplatzhalter 3"/>
-          <p:cNvGraphicFramePr>
-            <a:graphicFrameLocks noChangeAspect="1"/>
-          </p:cNvGraphicFramePr>
+      <p:sp>
+        <p:nvSpPr>
+          <p:cNvPr id="5" name="Inhaltsplatzhalter 4"/>
+          <p:cNvSpPr>
+            <a:spLocks noGrp="1"/>
+          </p:cNvSpPr>
           <p:nvPr>
             <p:ph idx="1"/>
           </p:nvPr>
-        </p:nvGraphicFramePr>
-        <p:xfrm>
-          <a:off x="467544" y="1988840"/>
-          <a:ext cx="8296275" cy="2809875"/>
-        </p:xfrm>
-        <a:graphic>
-          <a:graphicData uri="http://schemas.openxmlformats.org/presentationml/2006/ole">
-            <p:oleObj spid="_x0000_s21506" name="Visio" r:id="rId3" imgW="8296290" imgH="2809785" progId="Visio.Drawing.11">
-              <p:embed/>
-            </p:oleObj>
-          </a:graphicData>
-        </a:graphic>
-      </p:graphicFrame>
+        </p:nvSpPr>
+        <p:spPr>
+          <a:xfrm>
+            <a:off x="503238" y="4221088"/>
+            <a:ext cx="8245226" cy="2103512"/>
+          </a:xfrm>
+        </p:spPr>
+        <p:txBody>
+          <a:bodyPr numCol="2"/>
+          <a:lstStyle/>
+          <a:p>
+            <a:r>
+              <a:rPr lang="de-DE" dirty="0" smtClean="0"/>
+              <a:t>1 GHz Taktung</a:t>
+            </a:r>
+          </a:p>
+          <a:p>
+            <a:r>
+              <a:rPr lang="de-DE" dirty="0" smtClean="0"/>
+              <a:t>ARMv7 Architektur ohne </a:t>
+            </a:r>
+            <a:r>
+              <a:rPr lang="de-DE" dirty="0" err="1" smtClean="0"/>
+              <a:t>Float</a:t>
+            </a:r>
+            <a:r>
+              <a:rPr lang="de-DE" dirty="0" smtClean="0"/>
+              <a:t>-Berechnung</a:t>
+            </a:r>
+          </a:p>
+          <a:p>
+            <a:r>
+              <a:rPr lang="de-DE" dirty="0" smtClean="0"/>
+              <a:t>NEON-SIMD-Einheit zur </a:t>
+            </a:r>
+            <a:r>
+              <a:rPr lang="de-DE" dirty="0" err="1" smtClean="0"/>
+              <a:t>Float</a:t>
+            </a:r>
+            <a:r>
+              <a:rPr lang="de-DE" dirty="0" smtClean="0"/>
+              <a:t>-Berechnung</a:t>
+            </a:r>
+          </a:p>
+          <a:p>
+            <a:r>
+              <a:rPr lang="de-DE" dirty="0" smtClean="0"/>
+              <a:t>169 mW Leistungsverbrauch</a:t>
+            </a:r>
+          </a:p>
+          <a:p>
+            <a:endParaRPr lang="de-DE" dirty="0"/>
+          </a:p>
+        </p:txBody>
+      </p:sp>
+      <p:sp>
+        <p:nvSpPr>
+          <p:cNvPr id="4" name="Rechteck 3"/>
+          <p:cNvSpPr/>
+          <p:nvPr/>
+        </p:nvSpPr>
+        <p:spPr bwMode="auto">
+          <a:xfrm>
+            <a:off x="1619672" y="1340768"/>
+            <a:ext cx="1800200" cy="1584176"/>
+          </a:xfrm>
+          <a:prstGeom prst="rect">
+            <a:avLst/>
+          </a:prstGeom>
+          <a:ln>
+            <a:solidFill>
+              <a:srgbClr val="99B9D8"/>
+            </a:solidFill>
+            <a:headEnd type="none" w="med" len="med"/>
+            <a:tailEnd type="none" w="med" len="med"/>
+          </a:ln>
+        </p:spPr>
+        <p:style>
+          <a:lnRef idx="2">
+            <a:schemeClr val="accent3">
+              <a:shade val="50000"/>
+            </a:schemeClr>
+          </a:lnRef>
+          <a:fillRef idx="1">
+            <a:schemeClr val="accent3"/>
+          </a:fillRef>
+          <a:effectRef idx="0">
+            <a:schemeClr val="accent3"/>
+          </a:effectRef>
+          <a:fontRef idx="minor">
+            <a:schemeClr val="lt1"/>
+          </a:fontRef>
+        </p:style>
+        <p:txBody>
+          <a:bodyPr vert="horz" wrap="square" lIns="91440" tIns="45720" rIns="91440" bIns="45720" numCol="1" rtlCol="0" anchor="ctr" anchorCtr="0" compatLnSpc="1">
+            <a:prstTxWarp prst="textNoShape">
+              <a:avLst/>
+            </a:prstTxWarp>
+          </a:bodyPr>
+          <a:lstStyle/>
+          <a:p>
+            <a:pPr marL="0" marR="0" indent="0" algn="ctr" defTabSz="914400" rtl="0" eaLnBrk="0" fontAlgn="base" latinLnBrk="0" hangingPunct="0">
+              <a:lnSpc>
+                <a:spcPct val="100000"/>
+              </a:lnSpc>
+              <a:spcBef>
+                <a:spcPct val="0"/>
+              </a:spcBef>
+              <a:spcAft>
+                <a:spcPct val="0"/>
+              </a:spcAft>
+              <a:buClrTx/>
+              <a:buSzTx/>
+              <a:buFontTx/>
+              <a:buNone/>
+              <a:tabLst/>
+            </a:pPr>
+            <a:r>
+              <a:rPr kumimoji="0" lang="de-DE" sz="2400" b="0" i="0" u="none" strike="noStrike" cap="none" normalizeH="0" baseline="0" dirty="0" smtClean="0">
+                <a:ln>
+                  <a:noFill/>
+                </a:ln>
+                <a:solidFill>
+                  <a:schemeClr val="tx1"/>
+                </a:solidFill>
+                <a:effectLst/>
+                <a:latin typeface="+mn-lt"/>
+                <a:ea typeface="ＭＳ Ｐゴシック" pitchFamily="1" charset="-128"/>
+              </a:rPr>
+              <a:t>Cortex A8</a:t>
+            </a:r>
+            <a:endParaRPr kumimoji="0" lang="de-DE" sz="2400" b="0" i="0" u="none" strike="noStrike" cap="none" normalizeH="0" baseline="0" dirty="0" smtClean="0">
+              <a:ln>
+                <a:noFill/>
+              </a:ln>
+              <a:solidFill>
+                <a:schemeClr val="tx1"/>
+              </a:solidFill>
+              <a:effectLst/>
+              <a:latin typeface="+mn-lt"/>
+              <a:ea typeface="ＭＳ Ｐゴシック" pitchFamily="1" charset="-128"/>
+            </a:endParaRPr>
+          </a:p>
+        </p:txBody>
+      </p:sp>
+      <p:sp>
+        <p:nvSpPr>
+          <p:cNvPr id="6" name="Rechteck 5"/>
+          <p:cNvSpPr/>
+          <p:nvPr/>
+        </p:nvSpPr>
+        <p:spPr bwMode="auto">
+          <a:xfrm>
+            <a:off x="5508104" y="1340768"/>
+            <a:ext cx="1800200" cy="1584176"/>
+          </a:xfrm>
+          <a:prstGeom prst="rect">
+            <a:avLst/>
+          </a:prstGeom>
+          <a:ln>
+            <a:solidFill>
+              <a:srgbClr val="99B9D8"/>
+            </a:solidFill>
+            <a:headEnd type="none" w="med" len="med"/>
+            <a:tailEnd type="none" w="med" len="med"/>
+          </a:ln>
+        </p:spPr>
+        <p:style>
+          <a:lnRef idx="2">
+            <a:schemeClr val="accent3">
+              <a:shade val="50000"/>
+            </a:schemeClr>
+          </a:lnRef>
+          <a:fillRef idx="1">
+            <a:schemeClr val="accent3"/>
+          </a:fillRef>
+          <a:effectRef idx="0">
+            <a:schemeClr val="accent3"/>
+          </a:effectRef>
+          <a:fontRef idx="minor">
+            <a:schemeClr val="lt1"/>
+          </a:fontRef>
+        </p:style>
+        <p:txBody>
+          <a:bodyPr vert="horz" wrap="square" lIns="91440" tIns="45720" rIns="91440" bIns="45720" numCol="1" rtlCol="0" anchor="ctr" anchorCtr="0" compatLnSpc="1">
+            <a:prstTxWarp prst="textNoShape">
+              <a:avLst/>
+            </a:prstTxWarp>
+          </a:bodyPr>
+          <a:lstStyle/>
+          <a:p>
+            <a:pPr marL="0" marR="0" indent="0" algn="ctr" defTabSz="914400" rtl="0" eaLnBrk="0" fontAlgn="base" latinLnBrk="0" hangingPunct="0">
+              <a:lnSpc>
+                <a:spcPct val="100000"/>
+              </a:lnSpc>
+              <a:spcBef>
+                <a:spcPct val="0"/>
+              </a:spcBef>
+              <a:spcAft>
+                <a:spcPct val="0"/>
+              </a:spcAft>
+              <a:buClrTx/>
+              <a:buSzTx/>
+              <a:buFontTx/>
+              <a:buNone/>
+              <a:tabLst/>
+            </a:pPr>
+            <a:r>
+              <a:rPr kumimoji="0" lang="de-DE" sz="2400" b="0" i="0" u="none" strike="noStrike" cap="none" normalizeH="0" baseline="0" dirty="0" smtClean="0">
+                <a:ln>
+                  <a:noFill/>
+                </a:ln>
+                <a:solidFill>
+                  <a:schemeClr val="tx1"/>
+                </a:solidFill>
+                <a:effectLst/>
+                <a:latin typeface="+mn-lt"/>
+                <a:ea typeface="ＭＳ Ｐゴシック" pitchFamily="1" charset="-128"/>
+              </a:rPr>
+              <a:t>C647x</a:t>
+            </a:r>
+            <a:endParaRPr kumimoji="0" lang="de-DE" sz="2400" b="0" i="0" u="none" strike="noStrike" cap="none" normalizeH="0" baseline="0" dirty="0" smtClean="0">
+              <a:ln>
+                <a:noFill/>
+              </a:ln>
+              <a:solidFill>
+                <a:schemeClr val="tx1"/>
+              </a:solidFill>
+              <a:effectLst/>
+              <a:latin typeface="+mn-lt"/>
+              <a:ea typeface="ＭＳ Ｐゴシック" pitchFamily="1" charset="-128"/>
+            </a:endParaRPr>
+          </a:p>
+        </p:txBody>
+      </p:sp>
+      <p:sp>
+        <p:nvSpPr>
+          <p:cNvPr id="7" name="Rechteck 6"/>
+          <p:cNvSpPr/>
+          <p:nvPr/>
+        </p:nvSpPr>
+        <p:spPr bwMode="auto">
+          <a:xfrm>
+            <a:off x="1619672" y="3501008"/>
+            <a:ext cx="5688632" cy="576064"/>
+          </a:xfrm>
+          <a:prstGeom prst="rect">
+            <a:avLst/>
+          </a:prstGeom>
+          <a:ln>
+            <a:solidFill>
+              <a:srgbClr val="99B9D8"/>
+            </a:solidFill>
+            <a:headEnd type="none" w="med" len="med"/>
+            <a:tailEnd type="none" w="med" len="med"/>
+          </a:ln>
+        </p:spPr>
+        <p:style>
+          <a:lnRef idx="2">
+            <a:schemeClr val="accent3">
+              <a:shade val="50000"/>
+            </a:schemeClr>
+          </a:lnRef>
+          <a:fillRef idx="1">
+            <a:schemeClr val="accent3"/>
+          </a:fillRef>
+          <a:effectRef idx="0">
+            <a:schemeClr val="accent3"/>
+          </a:effectRef>
+          <a:fontRef idx="minor">
+            <a:schemeClr val="lt1"/>
+          </a:fontRef>
+        </p:style>
+        <p:txBody>
+          <a:bodyPr vert="horz" wrap="square" lIns="91440" tIns="45720" rIns="91440" bIns="45720" numCol="1" rtlCol="0" anchor="ctr" anchorCtr="0" compatLnSpc="1">
+            <a:prstTxWarp prst="textNoShape">
+              <a:avLst/>
+            </a:prstTxWarp>
+          </a:bodyPr>
+          <a:lstStyle/>
+          <a:p>
+            <a:pPr marL="0" marR="0" indent="0" algn="ctr" defTabSz="914400" rtl="0" eaLnBrk="0" fontAlgn="base" latinLnBrk="0" hangingPunct="0">
+              <a:lnSpc>
+                <a:spcPct val="100000"/>
+              </a:lnSpc>
+              <a:spcBef>
+                <a:spcPct val="0"/>
+              </a:spcBef>
+              <a:spcAft>
+                <a:spcPct val="0"/>
+              </a:spcAft>
+              <a:buClrTx/>
+              <a:buSzTx/>
+              <a:buFontTx/>
+              <a:buNone/>
+              <a:tabLst/>
+            </a:pPr>
+            <a:r>
+              <a:rPr kumimoji="0" lang="de-DE" sz="2400" b="0" i="0" u="none" strike="noStrike" cap="none" normalizeH="0" baseline="0" dirty="0" smtClean="0">
+                <a:ln>
+                  <a:noFill/>
+                </a:ln>
+                <a:solidFill>
+                  <a:schemeClr val="tx1"/>
+                </a:solidFill>
+                <a:effectLst/>
+                <a:latin typeface="+mn-lt"/>
+                <a:ea typeface="ＭＳ Ｐゴシック" pitchFamily="1" charset="-128"/>
+              </a:rPr>
+              <a:t>System Interconnection</a:t>
+            </a:r>
+            <a:endParaRPr kumimoji="0" lang="de-DE" sz="2400" b="0" i="0" u="none" strike="noStrike" cap="none" normalizeH="0" baseline="0" dirty="0" smtClean="0">
+              <a:ln>
+                <a:noFill/>
+              </a:ln>
+              <a:solidFill>
+                <a:schemeClr val="tx1"/>
+              </a:solidFill>
+              <a:effectLst/>
+              <a:latin typeface="+mn-lt"/>
+              <a:ea typeface="ＭＳ Ｐゴシック" pitchFamily="1" charset="-128"/>
+            </a:endParaRPr>
+          </a:p>
+        </p:txBody>
+      </p:sp>
+      <p:sp>
+        <p:nvSpPr>
+          <p:cNvPr id="9" name="Pfeil nach oben und unten 8"/>
+          <p:cNvSpPr/>
+          <p:nvPr/>
+        </p:nvSpPr>
+        <p:spPr bwMode="auto">
+          <a:xfrm>
+            <a:off x="2339752" y="2924944"/>
+            <a:ext cx="504056" cy="576064"/>
+          </a:xfrm>
+          <a:prstGeom prst="upDownArrow">
+            <a:avLst/>
+          </a:prstGeom>
+          <a:solidFill>
+            <a:schemeClr val="bg1">
+              <a:lumMod val="85000"/>
+            </a:schemeClr>
+          </a:solidFill>
+          <a:ln w="9525" cap="flat" cmpd="sng" algn="ctr">
+            <a:solidFill>
+              <a:schemeClr val="tx1"/>
+            </a:solidFill>
+            <a:prstDash val="solid"/>
+            <a:round/>
+            <a:headEnd type="none" w="med" len="med"/>
+            <a:tailEnd type="none" w="med" len="med"/>
+          </a:ln>
+          <a:effectLst/>
+        </p:spPr>
+        <p:txBody>
+          <a:bodyPr vert="horz" wrap="square" lIns="91440" tIns="45720" rIns="91440" bIns="45720" numCol="1" rtlCol="0" anchor="t" anchorCtr="0" compatLnSpc="1">
+            <a:prstTxWarp prst="textNoShape">
+              <a:avLst/>
+            </a:prstTxWarp>
+          </a:bodyPr>
+          <a:lstStyle/>
+          <a:p>
+            <a:pPr marL="0" marR="0" indent="0" algn="l" defTabSz="914400" rtl="0" eaLnBrk="0" fontAlgn="base" latinLnBrk="0" hangingPunct="0">
+              <a:lnSpc>
+                <a:spcPct val="100000"/>
+              </a:lnSpc>
+              <a:spcBef>
+                <a:spcPct val="0"/>
+              </a:spcBef>
+              <a:spcAft>
+                <a:spcPct val="0"/>
+              </a:spcAft>
+              <a:buClrTx/>
+              <a:buSzTx/>
+              <a:buFontTx/>
+              <a:buNone/>
+              <a:tabLst/>
+            </a:pPr>
+            <a:endParaRPr kumimoji="0" lang="de-DE" sz="2400" b="0" i="0" u="none" strike="noStrike" cap="none" normalizeH="0" baseline="0" smtClean="0">
+              <a:ln>
+                <a:noFill/>
+              </a:ln>
+              <a:solidFill>
+                <a:schemeClr val="tx1"/>
+              </a:solidFill>
+              <a:effectLst/>
+              <a:latin typeface="Arial" charset="0"/>
+              <a:ea typeface="ＭＳ Ｐゴシック" pitchFamily="1" charset="-128"/>
+            </a:endParaRPr>
+          </a:p>
+        </p:txBody>
+      </p:sp>
+      <p:sp>
+        <p:nvSpPr>
+          <p:cNvPr id="10" name="Pfeil nach oben und unten 9"/>
+          <p:cNvSpPr/>
+          <p:nvPr/>
+        </p:nvSpPr>
+        <p:spPr bwMode="auto">
+          <a:xfrm>
+            <a:off x="6156176" y="2924944"/>
+            <a:ext cx="504056" cy="576064"/>
+          </a:xfrm>
+          <a:prstGeom prst="upDownArrow">
+            <a:avLst/>
+          </a:prstGeom>
+          <a:solidFill>
+            <a:schemeClr val="bg1">
+              <a:lumMod val="85000"/>
+            </a:schemeClr>
+          </a:solidFill>
+          <a:ln w="9525" cap="flat" cmpd="sng" algn="ctr">
+            <a:solidFill>
+              <a:schemeClr val="tx1"/>
+            </a:solidFill>
+            <a:prstDash val="solid"/>
+            <a:round/>
+            <a:headEnd type="none" w="med" len="med"/>
+            <a:tailEnd type="none" w="med" len="med"/>
+          </a:ln>
+          <a:effectLst/>
+        </p:spPr>
+        <p:txBody>
+          <a:bodyPr vert="horz" wrap="square" lIns="91440" tIns="45720" rIns="91440" bIns="45720" numCol="1" rtlCol="0" anchor="t" anchorCtr="0" compatLnSpc="1">
+            <a:prstTxWarp prst="textNoShape">
+              <a:avLst/>
+            </a:prstTxWarp>
+          </a:bodyPr>
+          <a:lstStyle/>
+          <a:p>
+            <a:pPr marL="0" marR="0" indent="0" algn="l" defTabSz="914400" rtl="0" eaLnBrk="0" fontAlgn="base" latinLnBrk="0" hangingPunct="0">
+              <a:lnSpc>
+                <a:spcPct val="100000"/>
+              </a:lnSpc>
+              <a:spcBef>
+                <a:spcPct val="0"/>
+              </a:spcBef>
+              <a:spcAft>
+                <a:spcPct val="0"/>
+              </a:spcAft>
+              <a:buClrTx/>
+              <a:buSzTx/>
+              <a:buFontTx/>
+              <a:buNone/>
+              <a:tabLst/>
+            </a:pPr>
+            <a:endParaRPr kumimoji="0" lang="de-DE" sz="2400" b="0" i="0" u="none" strike="noStrike" cap="none" normalizeH="0" baseline="0" smtClean="0">
+              <a:ln>
+                <a:noFill/>
+              </a:ln>
+              <a:solidFill>
+                <a:schemeClr val="tx1"/>
+              </a:solidFill>
+              <a:effectLst/>
+              <a:latin typeface="Arial" charset="0"/>
+              <a:ea typeface="ＭＳ Ｐゴシック" pitchFamily="1" charset="-128"/>
+            </a:endParaRPr>
+          </a:p>
+        </p:txBody>
+      </p:sp>
+      <p:sp>
+        <p:nvSpPr>
+          <p:cNvPr id="16" name="Inhaltsplatzhalter 4"/>
+          <p:cNvSpPr txBox="1">
+            <a:spLocks/>
+          </p:cNvSpPr>
+          <p:nvPr/>
+        </p:nvSpPr>
+        <p:spPr bwMode="auto">
+          <a:xfrm>
+            <a:off x="467544" y="4221088"/>
+            <a:ext cx="8245226" cy="2103512"/>
+          </a:xfrm>
+          <a:prstGeom prst="rect">
+            <a:avLst/>
+          </a:prstGeom>
+          <a:noFill/>
+          <a:ln w="9525">
+            <a:noFill/>
+            <a:miter lim="800000"/>
+            <a:headEnd/>
+            <a:tailEnd/>
+          </a:ln>
+        </p:spPr>
+        <p:txBody>
+          <a:bodyPr vert="horz" wrap="square" lIns="91440" tIns="45720" rIns="91440" bIns="45720" numCol="2" anchor="t" anchorCtr="0" compatLnSpc="1">
+            <a:prstTxWarp prst="textNoShape">
+              <a:avLst/>
+            </a:prstTxWarp>
+          </a:bodyPr>
+          <a:lstStyle/>
+          <a:p>
+            <a:pPr marL="342900" marR="0" lvl="0" indent="-342900" algn="l" defTabSz="914400" rtl="0" eaLnBrk="1" fontAlgn="base" latinLnBrk="0" hangingPunct="1">
+              <a:lnSpc>
+                <a:spcPct val="100000"/>
+              </a:lnSpc>
+              <a:spcBef>
+                <a:spcPct val="20000"/>
+              </a:spcBef>
+              <a:spcAft>
+                <a:spcPct val="0"/>
+              </a:spcAft>
+              <a:buClr>
+                <a:schemeClr val="bg2"/>
+              </a:buClr>
+              <a:buSzTx/>
+              <a:buFont typeface="Wingdings" pitchFamily="2" charset="2"/>
+              <a:buChar char="§"/>
+              <a:tabLst/>
+              <a:defRPr/>
+            </a:pPr>
+            <a:r>
+              <a:rPr kumimoji="0" lang="de-DE" sz="2400" b="0" i="0" u="none" strike="noStrike" kern="0" cap="none" spc="0" normalizeH="0" baseline="0" noProof="0" dirty="0" smtClean="0">
+                <a:ln>
+                  <a:noFill/>
+                </a:ln>
+                <a:solidFill>
+                  <a:schemeClr val="tx1"/>
+                </a:solidFill>
+                <a:effectLst/>
+                <a:uLnTx/>
+                <a:uFillTx/>
+                <a:latin typeface="+mn-lt"/>
+                <a:ea typeface="MS PGothic" pitchFamily="34" charset="-128"/>
+                <a:cs typeface="+mn-cs"/>
+              </a:rPr>
+              <a:t>800</a:t>
+            </a:r>
+            <a:r>
+              <a:rPr kumimoji="0" lang="de-DE" sz="2400" b="0" i="0" u="none" strike="noStrike" kern="0" cap="none" spc="0" normalizeH="0" noProof="0" dirty="0" smtClean="0">
+                <a:ln>
+                  <a:noFill/>
+                </a:ln>
+                <a:solidFill>
+                  <a:schemeClr val="tx1"/>
+                </a:solidFill>
+                <a:effectLst/>
+                <a:uLnTx/>
+                <a:uFillTx/>
+                <a:latin typeface="+mn-lt"/>
+                <a:ea typeface="MS PGothic" pitchFamily="34" charset="-128"/>
+                <a:cs typeface="+mn-cs"/>
+              </a:rPr>
+              <a:t> MHz Taktung</a:t>
+            </a:r>
+          </a:p>
+          <a:p>
+            <a:pPr marL="342900" marR="0" lvl="0" indent="-342900" algn="l" defTabSz="914400" rtl="0" eaLnBrk="1" fontAlgn="base" latinLnBrk="0" hangingPunct="1">
+              <a:lnSpc>
+                <a:spcPct val="100000"/>
+              </a:lnSpc>
+              <a:spcBef>
+                <a:spcPct val="20000"/>
+              </a:spcBef>
+              <a:spcAft>
+                <a:spcPct val="0"/>
+              </a:spcAft>
+              <a:buClr>
+                <a:schemeClr val="bg2"/>
+              </a:buClr>
+              <a:buSzTx/>
+              <a:buFont typeface="Wingdings" pitchFamily="2" charset="2"/>
+              <a:buChar char="§"/>
+              <a:tabLst/>
+              <a:defRPr/>
+            </a:pPr>
+            <a:r>
+              <a:rPr lang="de-DE" kern="0" baseline="0" dirty="0" smtClean="0">
+                <a:latin typeface="+mn-lt"/>
+              </a:rPr>
+              <a:t>128-Bit</a:t>
+            </a:r>
+            <a:r>
+              <a:rPr lang="de-DE" kern="0" dirty="0" smtClean="0">
+                <a:latin typeface="+mn-lt"/>
+              </a:rPr>
+              <a:t> VLIW-Architektur</a:t>
+            </a:r>
+          </a:p>
+          <a:p>
+            <a:pPr marL="342900" marR="0" lvl="0" indent="-342900" algn="l" defTabSz="914400" rtl="0" eaLnBrk="1" fontAlgn="base" latinLnBrk="0" hangingPunct="1">
+              <a:lnSpc>
+                <a:spcPct val="100000"/>
+              </a:lnSpc>
+              <a:spcBef>
+                <a:spcPct val="20000"/>
+              </a:spcBef>
+              <a:spcAft>
+                <a:spcPct val="0"/>
+              </a:spcAft>
+              <a:buClr>
+                <a:schemeClr val="bg2"/>
+              </a:buClr>
+              <a:buSzTx/>
+              <a:buFont typeface="Wingdings" pitchFamily="2" charset="2"/>
+              <a:buChar char="§"/>
+              <a:tabLst/>
+              <a:defRPr/>
+            </a:pPr>
+            <a:r>
+              <a:rPr kumimoji="0" lang="de-DE" sz="2400" b="0" i="0" u="none" strike="noStrike" kern="0" cap="none" spc="0" normalizeH="0" baseline="0" noProof="0" dirty="0" err="1" smtClean="0">
+                <a:ln>
+                  <a:noFill/>
+                </a:ln>
+                <a:solidFill>
+                  <a:schemeClr val="tx1"/>
+                </a:solidFill>
+                <a:effectLst/>
+                <a:uLnTx/>
+                <a:uFillTx/>
+                <a:latin typeface="+mn-lt"/>
+                <a:ea typeface="MS PGothic" pitchFamily="34" charset="-128"/>
+                <a:cs typeface="+mn-cs"/>
+              </a:rPr>
+              <a:t>Float</a:t>
+            </a:r>
+            <a:r>
+              <a:rPr kumimoji="0" lang="de-DE" sz="2400" b="0" i="0" u="none" strike="noStrike" kern="0" cap="none" spc="0" normalizeH="0" baseline="0" noProof="0" dirty="0" smtClean="0">
+                <a:ln>
+                  <a:noFill/>
+                </a:ln>
+                <a:solidFill>
+                  <a:schemeClr val="tx1"/>
+                </a:solidFill>
+                <a:effectLst/>
+                <a:uLnTx/>
+                <a:uFillTx/>
+                <a:latin typeface="+mn-lt"/>
+                <a:ea typeface="MS PGothic" pitchFamily="34" charset="-128"/>
+                <a:cs typeface="+mn-cs"/>
+              </a:rPr>
+              <a:t>-Berechnung</a:t>
+            </a:r>
+          </a:p>
+          <a:p>
+            <a:pPr marL="342900" marR="0" lvl="0" indent="-342900" algn="l" defTabSz="914400" rtl="0" eaLnBrk="1" fontAlgn="base" latinLnBrk="0" hangingPunct="1">
+              <a:lnSpc>
+                <a:spcPct val="100000"/>
+              </a:lnSpc>
+              <a:spcBef>
+                <a:spcPct val="20000"/>
+              </a:spcBef>
+              <a:spcAft>
+                <a:spcPct val="0"/>
+              </a:spcAft>
+              <a:buClr>
+                <a:schemeClr val="bg2"/>
+              </a:buClr>
+              <a:buSzTx/>
+              <a:buFont typeface="Wingdings" pitchFamily="2" charset="2"/>
+              <a:buChar char="§"/>
+              <a:tabLst/>
+              <a:defRPr/>
+            </a:pPr>
+            <a:r>
+              <a:rPr lang="de-DE" kern="0" dirty="0" smtClean="0">
+                <a:latin typeface="+mn-lt"/>
+              </a:rPr>
+              <a:t>198 mW Leistungsverbrauch</a:t>
+            </a:r>
+            <a:endParaRPr kumimoji="0" lang="de-DE" sz="2400" b="0" i="0" u="none" strike="noStrike" kern="0" cap="none" spc="0" normalizeH="0" baseline="0" noProof="0" dirty="0">
+              <a:ln>
+                <a:noFill/>
+              </a:ln>
+              <a:solidFill>
+                <a:schemeClr val="tx1"/>
+              </a:solidFill>
+              <a:effectLst/>
+              <a:uLnTx/>
+              <a:uFillTx/>
+              <a:latin typeface="+mn-lt"/>
+              <a:ea typeface="MS PGothic" pitchFamily="34" charset="-128"/>
+              <a:cs typeface="+mn-cs"/>
+            </a:endParaRPr>
+          </a:p>
+        </p:txBody>
+      </p:sp>
     </p:spTree>
   </p:cSld>
   <p:clrMapOvr>
     <a:masterClrMapping/>
   </p:clrMapOvr>
+  <p:timing>
+    <p:tnLst>
+      <p:par>
+        <p:cTn id="1" dur="indefinite" restart="never" nodeType="tmRoot">
+          <p:childTnLst>
+            <p:seq concurrent="1" nextAc="seek">
+              <p:cTn id="2" dur="indefinite" nodeType="mainSeq">
+                <p:childTnLst>
+                  <p:par>
+                    <p:cTn id="3" fill="hold">
+                      <p:stCondLst>
+                        <p:cond delay="indefinite"/>
+                      </p:stCondLst>
+                      <p:childTnLst>
+                        <p:par>
+                          <p:cTn id="4" fill="hold">
+                            <p:stCondLst>
+                              <p:cond delay="0"/>
+                            </p:stCondLst>
+                            <p:childTnLst>
+                              <p:par>
+                                <p:cTn id="5" presetID="7" presetClass="emph" presetSubtype="2" fill="hold" nodeType="clickEffect">
+                                  <p:stCondLst>
+                                    <p:cond delay="0"/>
+                                  </p:stCondLst>
+                                  <p:childTnLst>
+                                    <p:animClr clrSpc="rgb">
+                                      <p:cBhvr>
+                                        <p:cTn id="6" dur="500" fill="hold"/>
+                                        <p:tgtEl>
+                                          <p:spTgt spid="4"/>
+                                        </p:tgtEl>
+                                        <p:attrNameLst>
+                                          <p:attrName>stroke.color</p:attrName>
+                                        </p:attrNameLst>
+                                      </p:cBhvr>
+                                      <p:to>
+                                        <a:srgbClr val="EB0F1F"/>
+                                      </p:to>
+                                    </p:animClr>
+                                    <p:set>
+                                      <p:cBhvr>
+                                        <p:cTn id="7" dur="500" fill="hold"/>
+                                        <p:tgtEl>
+                                          <p:spTgt spid="4"/>
+                                        </p:tgtEl>
+                                        <p:attrNameLst>
+                                          <p:attrName>stroke.on</p:attrName>
+                                        </p:attrNameLst>
+                                      </p:cBhvr>
+                                      <p:to>
+                                        <p:strVal val="true"/>
+                                      </p:to>
+                                    </p:set>
+                                  </p:childTnLst>
+                                </p:cTn>
+                              </p:par>
+                              <p:par>
+                                <p:cTn id="8" presetID="3" presetClass="entr" presetSubtype="10" fill="hold" nodeType="withEffect">
+                                  <p:stCondLst>
+                                    <p:cond delay="0"/>
+                                  </p:stCondLst>
+                                  <p:childTnLst>
+                                    <p:set>
+                                      <p:cBhvr>
+                                        <p:cTn id="9" dur="1" fill="hold">
+                                          <p:stCondLst>
+                                            <p:cond delay="0"/>
+                                          </p:stCondLst>
+                                        </p:cTn>
+                                        <p:tgtEl>
+                                          <p:spTgt spid="5">
+                                            <p:txEl>
+                                              <p:pRg st="0" end="0"/>
+                                            </p:txEl>
+                                          </p:spTgt>
+                                        </p:tgtEl>
+                                        <p:attrNameLst>
+                                          <p:attrName>style.visibility</p:attrName>
+                                        </p:attrNameLst>
+                                      </p:cBhvr>
+                                      <p:to>
+                                        <p:strVal val="visible"/>
+                                      </p:to>
+                                    </p:set>
+                                    <p:animEffect transition="in" filter="blinds(horizontal)">
+                                      <p:cBhvr>
+                                        <p:cTn id="10" dur="500"/>
+                                        <p:tgtEl>
+                                          <p:spTgt spid="5">
+                                            <p:txEl>
+                                              <p:pRg st="0" end="0"/>
+                                            </p:txEl>
+                                          </p:spTgt>
+                                        </p:tgtEl>
+                                      </p:cBhvr>
+                                    </p:animEffect>
+                                  </p:childTnLst>
+                                </p:cTn>
+                              </p:par>
+                              <p:par>
+                                <p:cTn id="11" presetID="3" presetClass="entr" presetSubtype="10" fill="hold" nodeType="withEffect">
+                                  <p:stCondLst>
+                                    <p:cond delay="0"/>
+                                  </p:stCondLst>
+                                  <p:childTnLst>
+                                    <p:set>
+                                      <p:cBhvr>
+                                        <p:cTn id="12" dur="1" fill="hold">
+                                          <p:stCondLst>
+                                            <p:cond delay="0"/>
+                                          </p:stCondLst>
+                                        </p:cTn>
+                                        <p:tgtEl>
+                                          <p:spTgt spid="5">
+                                            <p:txEl>
+                                              <p:pRg st="1" end="1"/>
+                                            </p:txEl>
+                                          </p:spTgt>
+                                        </p:tgtEl>
+                                        <p:attrNameLst>
+                                          <p:attrName>style.visibility</p:attrName>
+                                        </p:attrNameLst>
+                                      </p:cBhvr>
+                                      <p:to>
+                                        <p:strVal val="visible"/>
+                                      </p:to>
+                                    </p:set>
+                                    <p:animEffect transition="in" filter="blinds(horizontal)">
+                                      <p:cBhvr>
+                                        <p:cTn id="13" dur="500"/>
+                                        <p:tgtEl>
+                                          <p:spTgt spid="5">
+                                            <p:txEl>
+                                              <p:pRg st="1" end="1"/>
+                                            </p:txEl>
+                                          </p:spTgt>
+                                        </p:tgtEl>
+                                      </p:cBhvr>
+                                    </p:animEffect>
+                                  </p:childTnLst>
+                                </p:cTn>
+                              </p:par>
+                              <p:par>
+                                <p:cTn id="14" presetID="3" presetClass="entr" presetSubtype="10" fill="hold" nodeType="withEffect">
+                                  <p:stCondLst>
+                                    <p:cond delay="0"/>
+                                  </p:stCondLst>
+                                  <p:childTnLst>
+                                    <p:set>
+                                      <p:cBhvr>
+                                        <p:cTn id="15" dur="1" fill="hold">
+                                          <p:stCondLst>
+                                            <p:cond delay="0"/>
+                                          </p:stCondLst>
+                                        </p:cTn>
+                                        <p:tgtEl>
+                                          <p:spTgt spid="5">
+                                            <p:txEl>
+                                              <p:pRg st="2" end="2"/>
+                                            </p:txEl>
+                                          </p:spTgt>
+                                        </p:tgtEl>
+                                        <p:attrNameLst>
+                                          <p:attrName>style.visibility</p:attrName>
+                                        </p:attrNameLst>
+                                      </p:cBhvr>
+                                      <p:to>
+                                        <p:strVal val="visible"/>
+                                      </p:to>
+                                    </p:set>
+                                    <p:animEffect transition="in" filter="blinds(horizontal)">
+                                      <p:cBhvr>
+                                        <p:cTn id="16" dur="500"/>
+                                        <p:tgtEl>
+                                          <p:spTgt spid="5">
+                                            <p:txEl>
+                                              <p:pRg st="2" end="2"/>
+                                            </p:txEl>
+                                          </p:spTgt>
+                                        </p:tgtEl>
+                                      </p:cBhvr>
+                                    </p:animEffect>
+                                  </p:childTnLst>
+                                </p:cTn>
+                              </p:par>
+                              <p:par>
+                                <p:cTn id="17" presetID="3" presetClass="entr" presetSubtype="10" fill="hold" nodeType="withEffect">
+                                  <p:stCondLst>
+                                    <p:cond delay="0"/>
+                                  </p:stCondLst>
+                                  <p:childTnLst>
+                                    <p:set>
+                                      <p:cBhvr>
+                                        <p:cTn id="18" dur="1" fill="hold">
+                                          <p:stCondLst>
+                                            <p:cond delay="0"/>
+                                          </p:stCondLst>
+                                        </p:cTn>
+                                        <p:tgtEl>
+                                          <p:spTgt spid="5">
+                                            <p:txEl>
+                                              <p:pRg st="3" end="3"/>
+                                            </p:txEl>
+                                          </p:spTgt>
+                                        </p:tgtEl>
+                                        <p:attrNameLst>
+                                          <p:attrName>style.visibility</p:attrName>
+                                        </p:attrNameLst>
+                                      </p:cBhvr>
+                                      <p:to>
+                                        <p:strVal val="visible"/>
+                                      </p:to>
+                                    </p:set>
+                                    <p:animEffect transition="in" filter="blinds(horizontal)">
+                                      <p:cBhvr>
+                                        <p:cTn id="19" dur="500"/>
+                                        <p:tgtEl>
+                                          <p:spTgt spid="5">
+                                            <p:txEl>
+                                              <p:pRg st="3" end="3"/>
+                                            </p:txEl>
+                                          </p:spTgt>
+                                        </p:tgtEl>
+                                      </p:cBhvr>
+                                    </p:animEffect>
+                                  </p:childTnLst>
+                                </p:cTn>
+                              </p:par>
+                            </p:childTnLst>
+                          </p:cTn>
+                        </p:par>
+                      </p:childTnLst>
+                    </p:cTn>
+                  </p:par>
+                  <p:par>
+                    <p:cTn id="20" fill="hold">
+                      <p:stCondLst>
+                        <p:cond delay="indefinite"/>
+                      </p:stCondLst>
+                      <p:childTnLst>
+                        <p:par>
+                          <p:cTn id="21" fill="hold">
+                            <p:stCondLst>
+                              <p:cond delay="0"/>
+                            </p:stCondLst>
+                            <p:childTnLst>
+                              <p:par>
+                                <p:cTn id="22" presetID="3" presetClass="exit" presetSubtype="10" fill="hold" nodeType="clickEffect">
+                                  <p:stCondLst>
+                                    <p:cond delay="0"/>
+                                  </p:stCondLst>
+                                  <p:childTnLst>
+                                    <p:animEffect transition="out" filter="blinds(horizontal)">
+                                      <p:cBhvr>
+                                        <p:cTn id="23" dur="500"/>
+                                        <p:tgtEl>
+                                          <p:spTgt spid="5">
+                                            <p:txEl>
+                                              <p:pRg st="0" end="0"/>
+                                            </p:txEl>
+                                          </p:spTgt>
+                                        </p:tgtEl>
+                                      </p:cBhvr>
+                                    </p:animEffect>
+                                    <p:set>
+                                      <p:cBhvr>
+                                        <p:cTn id="24" dur="1" fill="hold">
+                                          <p:stCondLst>
+                                            <p:cond delay="499"/>
+                                          </p:stCondLst>
+                                        </p:cTn>
+                                        <p:tgtEl>
+                                          <p:spTgt spid="5">
+                                            <p:txEl>
+                                              <p:pRg st="0" end="0"/>
+                                            </p:txEl>
+                                          </p:spTgt>
+                                        </p:tgtEl>
+                                        <p:attrNameLst>
+                                          <p:attrName>style.visibility</p:attrName>
+                                        </p:attrNameLst>
+                                      </p:cBhvr>
+                                      <p:to>
+                                        <p:strVal val="hidden"/>
+                                      </p:to>
+                                    </p:set>
+                                  </p:childTnLst>
+                                </p:cTn>
+                              </p:par>
+                              <p:par>
+                                <p:cTn id="25" presetID="3" presetClass="exit" presetSubtype="10" fill="hold" nodeType="withEffect">
+                                  <p:stCondLst>
+                                    <p:cond delay="0"/>
+                                  </p:stCondLst>
+                                  <p:childTnLst>
+                                    <p:animEffect transition="out" filter="blinds(horizontal)">
+                                      <p:cBhvr>
+                                        <p:cTn id="26" dur="500"/>
+                                        <p:tgtEl>
+                                          <p:spTgt spid="5">
+                                            <p:txEl>
+                                              <p:pRg st="1" end="1"/>
+                                            </p:txEl>
+                                          </p:spTgt>
+                                        </p:tgtEl>
+                                      </p:cBhvr>
+                                    </p:animEffect>
+                                    <p:set>
+                                      <p:cBhvr>
+                                        <p:cTn id="27" dur="1" fill="hold">
+                                          <p:stCondLst>
+                                            <p:cond delay="499"/>
+                                          </p:stCondLst>
+                                        </p:cTn>
+                                        <p:tgtEl>
+                                          <p:spTgt spid="5">
+                                            <p:txEl>
+                                              <p:pRg st="1" end="1"/>
+                                            </p:txEl>
+                                          </p:spTgt>
+                                        </p:tgtEl>
+                                        <p:attrNameLst>
+                                          <p:attrName>style.visibility</p:attrName>
+                                        </p:attrNameLst>
+                                      </p:cBhvr>
+                                      <p:to>
+                                        <p:strVal val="hidden"/>
+                                      </p:to>
+                                    </p:set>
+                                  </p:childTnLst>
+                                </p:cTn>
+                              </p:par>
+                              <p:par>
+                                <p:cTn id="28" presetID="3" presetClass="exit" presetSubtype="10" fill="hold" nodeType="withEffect">
+                                  <p:stCondLst>
+                                    <p:cond delay="0"/>
+                                  </p:stCondLst>
+                                  <p:childTnLst>
+                                    <p:animEffect transition="out" filter="blinds(horizontal)">
+                                      <p:cBhvr>
+                                        <p:cTn id="29" dur="500"/>
+                                        <p:tgtEl>
+                                          <p:spTgt spid="5">
+                                            <p:txEl>
+                                              <p:pRg st="2" end="2"/>
+                                            </p:txEl>
+                                          </p:spTgt>
+                                        </p:tgtEl>
+                                      </p:cBhvr>
+                                    </p:animEffect>
+                                    <p:set>
+                                      <p:cBhvr>
+                                        <p:cTn id="30" dur="1" fill="hold">
+                                          <p:stCondLst>
+                                            <p:cond delay="499"/>
+                                          </p:stCondLst>
+                                        </p:cTn>
+                                        <p:tgtEl>
+                                          <p:spTgt spid="5">
+                                            <p:txEl>
+                                              <p:pRg st="2" end="2"/>
+                                            </p:txEl>
+                                          </p:spTgt>
+                                        </p:tgtEl>
+                                        <p:attrNameLst>
+                                          <p:attrName>style.visibility</p:attrName>
+                                        </p:attrNameLst>
+                                      </p:cBhvr>
+                                      <p:to>
+                                        <p:strVal val="hidden"/>
+                                      </p:to>
+                                    </p:set>
+                                  </p:childTnLst>
+                                </p:cTn>
+                              </p:par>
+                              <p:par>
+                                <p:cTn id="31" presetID="3" presetClass="exit" presetSubtype="10" fill="hold" nodeType="withEffect">
+                                  <p:stCondLst>
+                                    <p:cond delay="0"/>
+                                  </p:stCondLst>
+                                  <p:childTnLst>
+                                    <p:animEffect transition="out" filter="blinds(horizontal)">
+                                      <p:cBhvr>
+                                        <p:cTn id="32" dur="500"/>
+                                        <p:tgtEl>
+                                          <p:spTgt spid="5">
+                                            <p:txEl>
+                                              <p:pRg st="3" end="3"/>
+                                            </p:txEl>
+                                          </p:spTgt>
+                                        </p:tgtEl>
+                                      </p:cBhvr>
+                                    </p:animEffect>
+                                    <p:set>
+                                      <p:cBhvr>
+                                        <p:cTn id="33" dur="1" fill="hold">
+                                          <p:stCondLst>
+                                            <p:cond delay="499"/>
+                                          </p:stCondLst>
+                                        </p:cTn>
+                                        <p:tgtEl>
+                                          <p:spTgt spid="5">
+                                            <p:txEl>
+                                              <p:pRg st="3" end="3"/>
+                                            </p:txEl>
+                                          </p:spTgt>
+                                        </p:tgtEl>
+                                        <p:attrNameLst>
+                                          <p:attrName>style.visibility</p:attrName>
+                                        </p:attrNameLst>
+                                      </p:cBhvr>
+                                      <p:to>
+                                        <p:strVal val="hidden"/>
+                                      </p:to>
+                                    </p:set>
+                                  </p:childTnLst>
+                                </p:cTn>
+                              </p:par>
+                              <p:par>
+                                <p:cTn id="34" presetID="7" presetClass="emph" presetSubtype="2" fill="hold" nodeType="withEffect">
+                                  <p:stCondLst>
+                                    <p:cond delay="0"/>
+                                  </p:stCondLst>
+                                  <p:childTnLst>
+                                    <p:animClr clrSpc="rgb">
+                                      <p:cBhvr>
+                                        <p:cTn id="35" dur="500" fill="hold"/>
+                                        <p:tgtEl>
+                                          <p:spTgt spid="4"/>
+                                        </p:tgtEl>
+                                        <p:attrNameLst>
+                                          <p:attrName>stroke.color</p:attrName>
+                                        </p:attrNameLst>
+                                      </p:cBhvr>
+                                      <p:to>
+                                        <a:schemeClr val="accent2"/>
+                                      </p:to>
+                                    </p:animClr>
+                                    <p:set>
+                                      <p:cBhvr>
+                                        <p:cTn id="36" dur="500" fill="hold"/>
+                                        <p:tgtEl>
+                                          <p:spTgt spid="4"/>
+                                        </p:tgtEl>
+                                        <p:attrNameLst>
+                                          <p:attrName>stroke.on</p:attrName>
+                                        </p:attrNameLst>
+                                      </p:cBhvr>
+                                      <p:to>
+                                        <p:strVal val="true"/>
+                                      </p:to>
+                                    </p:set>
+                                  </p:childTnLst>
+                                </p:cTn>
+                              </p:par>
+                            </p:childTnLst>
+                          </p:cTn>
+                        </p:par>
+                      </p:childTnLst>
+                    </p:cTn>
+                  </p:par>
+                  <p:par>
+                    <p:cTn id="37" fill="hold">
+                      <p:stCondLst>
+                        <p:cond delay="indefinite"/>
+                      </p:stCondLst>
+                      <p:childTnLst>
+                        <p:par>
+                          <p:cTn id="38" fill="hold">
+                            <p:stCondLst>
+                              <p:cond delay="0"/>
+                            </p:stCondLst>
+                            <p:childTnLst>
+                              <p:par>
+                                <p:cTn id="39" presetID="3" presetClass="entr" presetSubtype="10" fill="hold" nodeType="clickEffect">
+                                  <p:stCondLst>
+                                    <p:cond delay="0"/>
+                                  </p:stCondLst>
+                                  <p:childTnLst>
+                                    <p:set>
+                                      <p:cBhvr>
+                                        <p:cTn id="40" dur="1" fill="hold">
+                                          <p:stCondLst>
+                                            <p:cond delay="0"/>
+                                          </p:stCondLst>
+                                        </p:cTn>
+                                        <p:tgtEl>
+                                          <p:spTgt spid="16">
+                                            <p:txEl>
+                                              <p:pRg st="0" end="0"/>
+                                            </p:txEl>
+                                          </p:spTgt>
+                                        </p:tgtEl>
+                                        <p:attrNameLst>
+                                          <p:attrName>style.visibility</p:attrName>
+                                        </p:attrNameLst>
+                                      </p:cBhvr>
+                                      <p:to>
+                                        <p:strVal val="visible"/>
+                                      </p:to>
+                                    </p:set>
+                                    <p:animEffect transition="in" filter="blinds(horizontal)">
+                                      <p:cBhvr>
+                                        <p:cTn id="41" dur="500"/>
+                                        <p:tgtEl>
+                                          <p:spTgt spid="16">
+                                            <p:txEl>
+                                              <p:pRg st="0" end="0"/>
+                                            </p:txEl>
+                                          </p:spTgt>
+                                        </p:tgtEl>
+                                      </p:cBhvr>
+                                    </p:animEffect>
+                                  </p:childTnLst>
+                                </p:cTn>
+                              </p:par>
+                              <p:par>
+                                <p:cTn id="42" presetID="7" presetClass="emph" presetSubtype="2" fill="hold" nodeType="withEffect">
+                                  <p:stCondLst>
+                                    <p:cond delay="0"/>
+                                  </p:stCondLst>
+                                  <p:childTnLst>
+                                    <p:animClr clrSpc="rgb">
+                                      <p:cBhvr>
+                                        <p:cTn id="43" dur="500" fill="hold"/>
+                                        <p:tgtEl>
+                                          <p:spTgt spid="6"/>
+                                        </p:tgtEl>
+                                        <p:attrNameLst>
+                                          <p:attrName>stroke.color</p:attrName>
+                                        </p:attrNameLst>
+                                      </p:cBhvr>
+                                      <p:to>
+                                        <a:srgbClr val="EB0F1F"/>
+                                      </p:to>
+                                    </p:animClr>
+                                    <p:set>
+                                      <p:cBhvr>
+                                        <p:cTn id="44" dur="500" fill="hold"/>
+                                        <p:tgtEl>
+                                          <p:spTgt spid="6"/>
+                                        </p:tgtEl>
+                                        <p:attrNameLst>
+                                          <p:attrName>stroke.on</p:attrName>
+                                        </p:attrNameLst>
+                                      </p:cBhvr>
+                                      <p:to>
+                                        <p:strVal val="true"/>
+                                      </p:to>
+                                    </p:set>
+                                  </p:childTnLst>
+                                </p:cTn>
+                              </p:par>
+                              <p:par>
+                                <p:cTn id="45" presetID="3" presetClass="entr" presetSubtype="10" fill="hold" nodeType="withEffect">
+                                  <p:stCondLst>
+                                    <p:cond delay="0"/>
+                                  </p:stCondLst>
+                                  <p:childTnLst>
+                                    <p:set>
+                                      <p:cBhvr>
+                                        <p:cTn id="46" dur="1" fill="hold">
+                                          <p:stCondLst>
+                                            <p:cond delay="0"/>
+                                          </p:stCondLst>
+                                        </p:cTn>
+                                        <p:tgtEl>
+                                          <p:spTgt spid="16">
+                                            <p:txEl>
+                                              <p:pRg st="1" end="1"/>
+                                            </p:txEl>
+                                          </p:spTgt>
+                                        </p:tgtEl>
+                                        <p:attrNameLst>
+                                          <p:attrName>style.visibility</p:attrName>
+                                        </p:attrNameLst>
+                                      </p:cBhvr>
+                                      <p:to>
+                                        <p:strVal val="visible"/>
+                                      </p:to>
+                                    </p:set>
+                                    <p:animEffect transition="in" filter="blinds(horizontal)">
+                                      <p:cBhvr>
+                                        <p:cTn id="47" dur="500"/>
+                                        <p:tgtEl>
+                                          <p:spTgt spid="16">
+                                            <p:txEl>
+                                              <p:pRg st="1" end="1"/>
+                                            </p:txEl>
+                                          </p:spTgt>
+                                        </p:tgtEl>
+                                      </p:cBhvr>
+                                    </p:animEffect>
+                                  </p:childTnLst>
+                                </p:cTn>
+                              </p:par>
+                              <p:par>
+                                <p:cTn id="48" presetID="3" presetClass="entr" presetSubtype="10" fill="hold" nodeType="withEffect">
+                                  <p:stCondLst>
+                                    <p:cond delay="0"/>
+                                  </p:stCondLst>
+                                  <p:childTnLst>
+                                    <p:set>
+                                      <p:cBhvr>
+                                        <p:cTn id="49" dur="1" fill="hold">
+                                          <p:stCondLst>
+                                            <p:cond delay="0"/>
+                                          </p:stCondLst>
+                                        </p:cTn>
+                                        <p:tgtEl>
+                                          <p:spTgt spid="16">
+                                            <p:txEl>
+                                              <p:pRg st="2" end="2"/>
+                                            </p:txEl>
+                                          </p:spTgt>
+                                        </p:tgtEl>
+                                        <p:attrNameLst>
+                                          <p:attrName>style.visibility</p:attrName>
+                                        </p:attrNameLst>
+                                      </p:cBhvr>
+                                      <p:to>
+                                        <p:strVal val="visible"/>
+                                      </p:to>
+                                    </p:set>
+                                    <p:animEffect transition="in" filter="blinds(horizontal)">
+                                      <p:cBhvr>
+                                        <p:cTn id="50" dur="500"/>
+                                        <p:tgtEl>
+                                          <p:spTgt spid="16">
+                                            <p:txEl>
+                                              <p:pRg st="2" end="2"/>
+                                            </p:txEl>
+                                          </p:spTgt>
+                                        </p:tgtEl>
+                                      </p:cBhvr>
+                                    </p:animEffect>
+                                  </p:childTnLst>
+                                </p:cTn>
+                              </p:par>
+                              <p:par>
+                                <p:cTn id="51" presetID="3" presetClass="entr" presetSubtype="10" fill="hold" nodeType="withEffect">
+                                  <p:stCondLst>
+                                    <p:cond delay="0"/>
+                                  </p:stCondLst>
+                                  <p:childTnLst>
+                                    <p:set>
+                                      <p:cBhvr>
+                                        <p:cTn id="52" dur="1" fill="hold">
+                                          <p:stCondLst>
+                                            <p:cond delay="0"/>
+                                          </p:stCondLst>
+                                        </p:cTn>
+                                        <p:tgtEl>
+                                          <p:spTgt spid="16">
+                                            <p:txEl>
+                                              <p:pRg st="3" end="3"/>
+                                            </p:txEl>
+                                          </p:spTgt>
+                                        </p:tgtEl>
+                                        <p:attrNameLst>
+                                          <p:attrName>style.visibility</p:attrName>
+                                        </p:attrNameLst>
+                                      </p:cBhvr>
+                                      <p:to>
+                                        <p:strVal val="visible"/>
+                                      </p:to>
+                                    </p:set>
+                                    <p:animEffect transition="in" filter="blinds(horizontal)">
+                                      <p:cBhvr>
+                                        <p:cTn id="53" dur="500"/>
+                                        <p:tgtEl>
+                                          <p:spTgt spid="16">
+                                            <p:txEl>
+                                              <p:pRg st="3" end="3"/>
+                                            </p:txEl>
+                                          </p:spTgt>
+                                        </p:tgtEl>
+                                      </p:cBhvr>
+                                    </p:animEffect>
+                                  </p:childTnLst>
+                                </p:cTn>
+                              </p:par>
+                            </p:childTnLst>
+                          </p:cTn>
+                        </p:par>
+                      </p:childTnLst>
+                    </p:cTn>
+                  </p:par>
+                  <p:par>
+                    <p:cTn id="54" fill="hold">
+                      <p:stCondLst>
+                        <p:cond delay="indefinite"/>
+                      </p:stCondLst>
+                      <p:childTnLst>
+                        <p:par>
+                          <p:cTn id="55" fill="hold">
+                            <p:stCondLst>
+                              <p:cond delay="0"/>
+                            </p:stCondLst>
+                            <p:childTnLst>
+                              <p:par>
+                                <p:cTn id="56" presetID="3" presetClass="exit" presetSubtype="10" fill="hold" nodeType="clickEffect">
+                                  <p:stCondLst>
+                                    <p:cond delay="0"/>
+                                  </p:stCondLst>
+                                  <p:childTnLst>
+                                    <p:animEffect transition="out" filter="blinds(horizontal)">
+                                      <p:cBhvr>
+                                        <p:cTn id="57" dur="500"/>
+                                        <p:tgtEl>
+                                          <p:spTgt spid="16">
+                                            <p:txEl>
+                                              <p:pRg st="0" end="0"/>
+                                            </p:txEl>
+                                          </p:spTgt>
+                                        </p:tgtEl>
+                                      </p:cBhvr>
+                                    </p:animEffect>
+                                    <p:set>
+                                      <p:cBhvr>
+                                        <p:cTn id="58" dur="1" fill="hold">
+                                          <p:stCondLst>
+                                            <p:cond delay="499"/>
+                                          </p:stCondLst>
+                                        </p:cTn>
+                                        <p:tgtEl>
+                                          <p:spTgt spid="16">
+                                            <p:txEl>
+                                              <p:pRg st="0" end="0"/>
+                                            </p:txEl>
+                                          </p:spTgt>
+                                        </p:tgtEl>
+                                        <p:attrNameLst>
+                                          <p:attrName>style.visibility</p:attrName>
+                                        </p:attrNameLst>
+                                      </p:cBhvr>
+                                      <p:to>
+                                        <p:strVal val="hidden"/>
+                                      </p:to>
+                                    </p:set>
+                                  </p:childTnLst>
+                                </p:cTn>
+                              </p:par>
+                              <p:par>
+                                <p:cTn id="59" presetID="3" presetClass="exit" presetSubtype="10" fill="hold" nodeType="withEffect">
+                                  <p:stCondLst>
+                                    <p:cond delay="0"/>
+                                  </p:stCondLst>
+                                  <p:childTnLst>
+                                    <p:animEffect transition="out" filter="blinds(horizontal)">
+                                      <p:cBhvr>
+                                        <p:cTn id="60" dur="500"/>
+                                        <p:tgtEl>
+                                          <p:spTgt spid="16">
+                                            <p:txEl>
+                                              <p:pRg st="1" end="1"/>
+                                            </p:txEl>
+                                          </p:spTgt>
+                                        </p:tgtEl>
+                                      </p:cBhvr>
+                                    </p:animEffect>
+                                    <p:set>
+                                      <p:cBhvr>
+                                        <p:cTn id="61" dur="1" fill="hold">
+                                          <p:stCondLst>
+                                            <p:cond delay="499"/>
+                                          </p:stCondLst>
+                                        </p:cTn>
+                                        <p:tgtEl>
+                                          <p:spTgt spid="16">
+                                            <p:txEl>
+                                              <p:pRg st="1" end="1"/>
+                                            </p:txEl>
+                                          </p:spTgt>
+                                        </p:tgtEl>
+                                        <p:attrNameLst>
+                                          <p:attrName>style.visibility</p:attrName>
+                                        </p:attrNameLst>
+                                      </p:cBhvr>
+                                      <p:to>
+                                        <p:strVal val="hidden"/>
+                                      </p:to>
+                                    </p:set>
+                                  </p:childTnLst>
+                                </p:cTn>
+                              </p:par>
+                              <p:par>
+                                <p:cTn id="62" presetID="3" presetClass="exit" presetSubtype="10" fill="hold" nodeType="withEffect">
+                                  <p:stCondLst>
+                                    <p:cond delay="0"/>
+                                  </p:stCondLst>
+                                  <p:childTnLst>
+                                    <p:animEffect transition="out" filter="blinds(horizontal)">
+                                      <p:cBhvr>
+                                        <p:cTn id="63" dur="500"/>
+                                        <p:tgtEl>
+                                          <p:spTgt spid="16">
+                                            <p:txEl>
+                                              <p:pRg st="2" end="2"/>
+                                            </p:txEl>
+                                          </p:spTgt>
+                                        </p:tgtEl>
+                                      </p:cBhvr>
+                                    </p:animEffect>
+                                    <p:set>
+                                      <p:cBhvr>
+                                        <p:cTn id="64" dur="1" fill="hold">
+                                          <p:stCondLst>
+                                            <p:cond delay="499"/>
+                                          </p:stCondLst>
+                                        </p:cTn>
+                                        <p:tgtEl>
+                                          <p:spTgt spid="16">
+                                            <p:txEl>
+                                              <p:pRg st="2" end="2"/>
+                                            </p:txEl>
+                                          </p:spTgt>
+                                        </p:tgtEl>
+                                        <p:attrNameLst>
+                                          <p:attrName>style.visibility</p:attrName>
+                                        </p:attrNameLst>
+                                      </p:cBhvr>
+                                      <p:to>
+                                        <p:strVal val="hidden"/>
+                                      </p:to>
+                                    </p:set>
+                                  </p:childTnLst>
+                                </p:cTn>
+                              </p:par>
+                              <p:par>
+                                <p:cTn id="65" presetID="3" presetClass="exit" presetSubtype="10" fill="hold" nodeType="withEffect">
+                                  <p:stCondLst>
+                                    <p:cond delay="0"/>
+                                  </p:stCondLst>
+                                  <p:childTnLst>
+                                    <p:animEffect transition="out" filter="blinds(horizontal)">
+                                      <p:cBhvr>
+                                        <p:cTn id="66" dur="500"/>
+                                        <p:tgtEl>
+                                          <p:spTgt spid="16">
+                                            <p:txEl>
+                                              <p:pRg st="3" end="3"/>
+                                            </p:txEl>
+                                          </p:spTgt>
+                                        </p:tgtEl>
+                                      </p:cBhvr>
+                                    </p:animEffect>
+                                    <p:set>
+                                      <p:cBhvr>
+                                        <p:cTn id="67" dur="1" fill="hold">
+                                          <p:stCondLst>
+                                            <p:cond delay="499"/>
+                                          </p:stCondLst>
+                                        </p:cTn>
+                                        <p:tgtEl>
+                                          <p:spTgt spid="16">
+                                            <p:txEl>
+                                              <p:pRg st="3" end="3"/>
+                                            </p:txEl>
+                                          </p:spTgt>
+                                        </p:tgtEl>
+                                        <p:attrNameLst>
+                                          <p:attrName>style.visibility</p:attrName>
+                                        </p:attrNameLst>
+                                      </p:cBhvr>
+                                      <p:to>
+                                        <p:strVal val="hidden"/>
+                                      </p:to>
+                                    </p:set>
+                                  </p:childTnLst>
+                                </p:cTn>
+                              </p:par>
+                              <p:par>
+                                <p:cTn id="68" presetID="7" presetClass="emph" presetSubtype="2" fill="hold" nodeType="withEffect">
+                                  <p:stCondLst>
+                                    <p:cond delay="0"/>
+                                  </p:stCondLst>
+                                  <p:childTnLst>
+                                    <p:animClr clrSpc="rgb">
+                                      <p:cBhvr>
+                                        <p:cTn id="69" dur="500" fill="hold"/>
+                                        <p:tgtEl>
+                                          <p:spTgt spid="6"/>
+                                        </p:tgtEl>
+                                        <p:attrNameLst>
+                                          <p:attrName>stroke.color</p:attrName>
+                                        </p:attrNameLst>
+                                      </p:cBhvr>
+                                      <p:to>
+                                        <a:schemeClr val="accent2"/>
+                                      </p:to>
+                                    </p:animClr>
+                                    <p:set>
+                                      <p:cBhvr>
+                                        <p:cTn id="70" dur="500" fill="hold"/>
+                                        <p:tgtEl>
+                                          <p:spTgt spid="6"/>
+                                        </p:tgtEl>
+                                        <p:attrNameLst>
+                                          <p:attrName>stroke.on</p:attrName>
+                                        </p:attrNameLst>
+                                      </p:cBhvr>
+                                      <p:to>
+                                        <p:strVal val="true"/>
+                                      </p:to>
+                                    </p:set>
+                                  </p:childTnLst>
+                                </p:cTn>
+                              </p:par>
+                            </p:childTnLst>
+                          </p:cTn>
+                        </p:par>
+                      </p:childTnLst>
+                    </p:cTn>
+                  </p:par>
+                </p:childTnLst>
+              </p:cTn>
+              <p:prevCondLst>
+                <p:cond evt="onPrev" delay="0">
+                  <p:tgtEl>
+                    <p:sldTgt/>
+                  </p:tgtEl>
+                </p:cond>
+              </p:prevCondLst>
+              <p:nextCondLst>
+                <p:cond evt="onNext" delay="0">
+                  <p:tgtEl>
+                    <p:sldTgt/>
+                  </p:tgtEl>
+                </p:cond>
+              </p:nextCondLst>
+            </p:seq>
+          </p:childTnLst>
+        </p:cTn>
+      </p:par>
+    </p:tnLst>
+  </p:timing>
 </p:sld>
 </file>
 
@@ -6577,39 +7705,43 @@
           <a:p>
             <a:r>
               <a:rPr lang="de-DE" dirty="0" smtClean="0"/>
-              <a:t>DSP Subsystem</a:t>
+              <a:t>MFCC</a:t>
             </a:r>
             <a:endParaRPr lang="de-DE" dirty="0"/>
           </a:p>
         </p:txBody>
       </p:sp>
-      <p:graphicFrame>
-        <p:nvGraphicFramePr>
-          <p:cNvPr id="4" name="Inhaltsplatzhalter 3"/>
-          <p:cNvGraphicFramePr>
-            <a:graphicFrameLocks noChangeAspect="1"/>
-          </p:cNvGraphicFramePr>
+      <p:sp>
+        <p:nvSpPr>
+          <p:cNvPr id="5" name="Inhaltsplatzhalter 4"/>
+          <p:cNvSpPr>
+            <a:spLocks noGrp="1"/>
+          </p:cNvSpPr>
           <p:nvPr>
             <p:ph idx="1"/>
           </p:nvPr>
-        </p:nvGraphicFramePr>
-        <p:xfrm>
-          <a:off x="755576" y="2276872"/>
-          <a:ext cx="7192424" cy="2903364"/>
-        </p:xfrm>
-        <a:graphic>
-          <a:graphicData uri="http://schemas.openxmlformats.org/presentationml/2006/ole">
-            <p:oleObj spid="_x0000_s22530" name="Visio" r:id="rId3" imgW="6229440" imgH="2514600" progId="Visio.Drawing.11">
-              <p:embed/>
-            </p:oleObj>
-          </a:graphicData>
-        </a:graphic>
-      </p:graphicFrame>
+        </p:nvSpPr>
+        <p:spPr/>
+        <p:txBody>
+          <a:bodyPr/>
+          <a:lstStyle/>
+          <a:p>
+            <a:endParaRPr lang="de-DE"/>
+          </a:p>
+        </p:txBody>
+      </p:sp>
     </p:spTree>
   </p:cSld>
   <p:clrMapOvr>
     <a:masterClrMapping/>
   </p:clrMapOvr>
+  <p:timing>
+    <p:tnLst>
+      <p:par>
+        <p:cTn id="1" dur="indefinite" restart="never" nodeType="tmRoot"/>
+      </p:par>
+    </p:tnLst>
+  </p:timing>
 </p:sld>
 </file>
 
@@ -6630,26 +7762,6 @@
           <a:chExt cx="0" cy="0"/>
         </a:xfrm>
       </p:grpSpPr>
-      <p:graphicFrame>
-        <p:nvGraphicFramePr>
-          <p:cNvPr id="4" name="Inhaltsplatzhalter 3"/>
-          <p:cNvGraphicFramePr>
-            <a:graphicFrameLocks noGrp="1"/>
-          </p:cNvGraphicFramePr>
-          <p:nvPr>
-            <p:ph idx="1"/>
-          </p:nvPr>
-        </p:nvGraphicFramePr>
-        <p:xfrm>
-          <a:off x="503238" y="1665288"/>
-          <a:ext cx="8412162" cy="4659312"/>
-        </p:xfrm>
-        <a:graphic>
-          <a:graphicData uri="http://schemas.openxmlformats.org/drawingml/2006/chart">
-            <c:chart xmlns:c="http://schemas.openxmlformats.org/drawingml/2006/chart" xmlns:r="http://schemas.openxmlformats.org/officeDocument/2006/relationships" r:id="rId2"/>
-          </a:graphicData>
-        </a:graphic>
-      </p:graphicFrame>
       <p:sp>
         <p:nvSpPr>
           <p:cNvPr id="3" name="Titel 2"/>
@@ -6667,9 +7779,28 @@
           <a:p>
             <a:r>
               <a:rPr lang="de-DE" dirty="0" smtClean="0"/>
-              <a:t>Optimierung ARM</a:t>
+              <a:t>MFCC: ARM-Optimierung</a:t>
             </a:r>
             <a:endParaRPr lang="de-DE" dirty="0"/>
+          </a:p>
+        </p:txBody>
+      </p:sp>
+      <p:sp>
+        <p:nvSpPr>
+          <p:cNvPr id="5" name="Inhaltsplatzhalter 4"/>
+          <p:cNvSpPr>
+            <a:spLocks noGrp="1"/>
+          </p:cNvSpPr>
+          <p:nvPr>
+            <p:ph idx="1"/>
+          </p:nvPr>
+        </p:nvSpPr>
+        <p:spPr/>
+        <p:txBody>
+          <a:bodyPr/>
+          <a:lstStyle/>
+          <a:p>
+            <a:endParaRPr lang="de-DE"/>
           </a:p>
         </p:txBody>
       </p:sp>
@@ -6678,6 +7809,13 @@
   <p:clrMapOvr>
     <a:masterClrMapping/>
   </p:clrMapOvr>
+  <p:timing>
+    <p:tnLst>
+      <p:par>
+        <p:cTn id="1" dur="indefinite" restart="never" nodeType="tmRoot"/>
+      </p:par>
+    </p:tnLst>
+  </p:timing>
 </p:sld>
 </file>
 
